--- a/Presentation/Intro_to_Relational_Databases_with_MySQL_Day4.pptx
+++ b/Presentation/Intro_to_Relational_Databases_with_MySQL_Day4.pptx
@@ -5,7 +5,7 @@
     <p:sldMasterId id="2147483648" r:id="rId1"/>
   </p:sldMasterIdLst>
   <p:notesMasterIdLst>
-    <p:notesMasterId r:id="rId97"/>
+    <p:notesMasterId r:id="rId96"/>
   </p:notesMasterIdLst>
   <p:sldIdLst>
     <p:sldId id="397" r:id="rId2"/>
@@ -57,52 +57,51 @@
     <p:sldId id="408" r:id="rId48"/>
     <p:sldId id="409" r:id="rId49"/>
     <p:sldId id="407" r:id="rId50"/>
-    <p:sldId id="410" r:id="rId51"/>
-    <p:sldId id="411" r:id="rId52"/>
-    <p:sldId id="412" r:id="rId53"/>
-    <p:sldId id="377" r:id="rId54"/>
-    <p:sldId id="378" r:id="rId55"/>
-    <p:sldId id="403" r:id="rId56"/>
-    <p:sldId id="404" r:id="rId57"/>
-    <p:sldId id="413" r:id="rId58"/>
-    <p:sldId id="414" r:id="rId59"/>
-    <p:sldId id="416" r:id="rId60"/>
-    <p:sldId id="417" r:id="rId61"/>
-    <p:sldId id="418" r:id="rId62"/>
-    <p:sldId id="419" r:id="rId63"/>
-    <p:sldId id="425" r:id="rId64"/>
-    <p:sldId id="426" r:id="rId65"/>
-    <p:sldId id="427" r:id="rId66"/>
-    <p:sldId id="428" r:id="rId67"/>
-    <p:sldId id="429" r:id="rId68"/>
-    <p:sldId id="430" r:id="rId69"/>
-    <p:sldId id="431" r:id="rId70"/>
-    <p:sldId id="432" r:id="rId71"/>
-    <p:sldId id="433" r:id="rId72"/>
-    <p:sldId id="434" r:id="rId73"/>
-    <p:sldId id="435" r:id="rId74"/>
-    <p:sldId id="436" r:id="rId75"/>
-    <p:sldId id="437" r:id="rId76"/>
-    <p:sldId id="438" r:id="rId77"/>
-    <p:sldId id="439" r:id="rId78"/>
-    <p:sldId id="440" r:id="rId79"/>
-    <p:sldId id="441" r:id="rId80"/>
-    <p:sldId id="442" r:id="rId81"/>
-    <p:sldId id="443" r:id="rId82"/>
-    <p:sldId id="444" r:id="rId83"/>
-    <p:sldId id="445" r:id="rId84"/>
-    <p:sldId id="446" r:id="rId85"/>
-    <p:sldId id="415" r:id="rId86"/>
-    <p:sldId id="420" r:id="rId87"/>
-    <p:sldId id="421" r:id="rId88"/>
-    <p:sldId id="422" r:id="rId89"/>
-    <p:sldId id="423" r:id="rId90"/>
-    <p:sldId id="424" r:id="rId91"/>
-    <p:sldId id="260" r:id="rId92"/>
-    <p:sldId id="261" r:id="rId93"/>
-    <p:sldId id="262" r:id="rId94"/>
-    <p:sldId id="259" r:id="rId95"/>
-    <p:sldId id="285" r:id="rId96"/>
+    <p:sldId id="411" r:id="rId51"/>
+    <p:sldId id="412" r:id="rId52"/>
+    <p:sldId id="377" r:id="rId53"/>
+    <p:sldId id="378" r:id="rId54"/>
+    <p:sldId id="403" r:id="rId55"/>
+    <p:sldId id="404" r:id="rId56"/>
+    <p:sldId id="413" r:id="rId57"/>
+    <p:sldId id="414" r:id="rId58"/>
+    <p:sldId id="416" r:id="rId59"/>
+    <p:sldId id="417" r:id="rId60"/>
+    <p:sldId id="418" r:id="rId61"/>
+    <p:sldId id="419" r:id="rId62"/>
+    <p:sldId id="425" r:id="rId63"/>
+    <p:sldId id="426" r:id="rId64"/>
+    <p:sldId id="427" r:id="rId65"/>
+    <p:sldId id="428" r:id="rId66"/>
+    <p:sldId id="429" r:id="rId67"/>
+    <p:sldId id="430" r:id="rId68"/>
+    <p:sldId id="431" r:id="rId69"/>
+    <p:sldId id="432" r:id="rId70"/>
+    <p:sldId id="433" r:id="rId71"/>
+    <p:sldId id="434" r:id="rId72"/>
+    <p:sldId id="435" r:id="rId73"/>
+    <p:sldId id="436" r:id="rId74"/>
+    <p:sldId id="437" r:id="rId75"/>
+    <p:sldId id="438" r:id="rId76"/>
+    <p:sldId id="439" r:id="rId77"/>
+    <p:sldId id="440" r:id="rId78"/>
+    <p:sldId id="441" r:id="rId79"/>
+    <p:sldId id="442" r:id="rId80"/>
+    <p:sldId id="443" r:id="rId81"/>
+    <p:sldId id="444" r:id="rId82"/>
+    <p:sldId id="445" r:id="rId83"/>
+    <p:sldId id="446" r:id="rId84"/>
+    <p:sldId id="415" r:id="rId85"/>
+    <p:sldId id="420" r:id="rId86"/>
+    <p:sldId id="421" r:id="rId87"/>
+    <p:sldId id="422" r:id="rId88"/>
+    <p:sldId id="423" r:id="rId89"/>
+    <p:sldId id="424" r:id="rId90"/>
+    <p:sldId id="260" r:id="rId91"/>
+    <p:sldId id="261" r:id="rId92"/>
+    <p:sldId id="262" r:id="rId93"/>
+    <p:sldId id="259" r:id="rId94"/>
+    <p:sldId id="285" r:id="rId95"/>
   </p:sldIdLst>
   <p:sldSz cx="9144000" cy="6858000" type="screen4x3"/>
   <p:notesSz cx="6858000" cy="9144000"/>
@@ -286,7 +285,7 @@
           <a:p>
             <a:fld id="{D1B1421D-D1D7-43CF-8189-F1719A8EF528}" type="datetimeFigureOut">
               <a:rPr lang="en-US" smtClean="0"/>
-              <a:t>04/20/2014</a:t>
+              <a:t>04/22/2014</a:t>
             </a:fld>
             <a:endParaRPr lang="en-US"/>
           </a:p>
@@ -736,7 +735,7 @@
             <a:fld id="{69B9444E-84D0-4282-A3BA-51F93019E7F6}" type="datetimeFigureOut">
               <a:rPr lang="en-US" smtClean="0"/>
               <a:pPr/>
-              <a:t>04/20/2014</a:t>
+              <a:t>04/22/2014</a:t>
             </a:fld>
             <a:endParaRPr lang="en-US"/>
           </a:p>
@@ -903,7 +902,7 @@
             <a:fld id="{69B9444E-84D0-4282-A3BA-51F93019E7F6}" type="datetimeFigureOut">
               <a:rPr lang="en-US" smtClean="0"/>
               <a:pPr/>
-              <a:t>04/20/2014</a:t>
+              <a:t>04/22/2014</a:t>
             </a:fld>
             <a:endParaRPr lang="en-US"/>
           </a:p>
@@ -1080,7 +1079,7 @@
             <a:fld id="{69B9444E-84D0-4282-A3BA-51F93019E7F6}" type="datetimeFigureOut">
               <a:rPr lang="en-US" smtClean="0"/>
               <a:pPr/>
-              <a:t>04/20/2014</a:t>
+              <a:t>04/22/2014</a:t>
             </a:fld>
             <a:endParaRPr lang="en-US"/>
           </a:p>
@@ -1247,7 +1246,7 @@
             <a:fld id="{69B9444E-84D0-4282-A3BA-51F93019E7F6}" type="datetimeFigureOut">
               <a:rPr lang="en-US" smtClean="0"/>
               <a:pPr/>
-              <a:t>04/20/2014</a:t>
+              <a:t>04/22/2014</a:t>
             </a:fld>
             <a:endParaRPr lang="en-US"/>
           </a:p>
@@ -1490,7 +1489,7 @@
             <a:fld id="{69B9444E-84D0-4282-A3BA-51F93019E7F6}" type="datetimeFigureOut">
               <a:rPr lang="en-US" smtClean="0"/>
               <a:pPr/>
-              <a:t>04/20/2014</a:t>
+              <a:t>04/22/2014</a:t>
             </a:fld>
             <a:endParaRPr lang="en-US"/>
           </a:p>
@@ -1775,7 +1774,7 @@
             <a:fld id="{69B9444E-84D0-4282-A3BA-51F93019E7F6}" type="datetimeFigureOut">
               <a:rPr lang="en-US" smtClean="0"/>
               <a:pPr/>
-              <a:t>04/20/2014</a:t>
+              <a:t>04/22/2014</a:t>
             </a:fld>
             <a:endParaRPr lang="en-US"/>
           </a:p>
@@ -2194,7 +2193,7 @@
             <a:fld id="{69B9444E-84D0-4282-A3BA-51F93019E7F6}" type="datetimeFigureOut">
               <a:rPr lang="en-US" smtClean="0"/>
               <a:pPr/>
-              <a:t>04/20/2014</a:t>
+              <a:t>04/22/2014</a:t>
             </a:fld>
             <a:endParaRPr lang="en-US"/>
           </a:p>
@@ -2309,7 +2308,7 @@
             <a:fld id="{69B9444E-84D0-4282-A3BA-51F93019E7F6}" type="datetimeFigureOut">
               <a:rPr lang="en-US" smtClean="0"/>
               <a:pPr/>
-              <a:t>04/20/2014</a:t>
+              <a:t>04/22/2014</a:t>
             </a:fld>
             <a:endParaRPr lang="en-US"/>
           </a:p>
@@ -2401,7 +2400,7 @@
             <a:fld id="{69B9444E-84D0-4282-A3BA-51F93019E7F6}" type="datetimeFigureOut">
               <a:rPr lang="en-US" smtClean="0"/>
               <a:pPr/>
-              <a:t>04/20/2014</a:t>
+              <a:t>04/22/2014</a:t>
             </a:fld>
             <a:endParaRPr lang="en-US"/>
           </a:p>
@@ -2675,7 +2674,7 @@
             <a:fld id="{69B9444E-84D0-4282-A3BA-51F93019E7F6}" type="datetimeFigureOut">
               <a:rPr lang="en-US" smtClean="0"/>
               <a:pPr/>
-              <a:t>04/20/2014</a:t>
+              <a:t>04/22/2014</a:t>
             </a:fld>
             <a:endParaRPr lang="en-US"/>
           </a:p>
@@ -2925,7 +2924,7 @@
             <a:fld id="{69B9444E-84D0-4282-A3BA-51F93019E7F6}" type="datetimeFigureOut">
               <a:rPr lang="en-US" smtClean="0"/>
               <a:pPr/>
-              <a:t>04/20/2014</a:t>
+              <a:t>04/22/2014</a:t>
             </a:fld>
             <a:endParaRPr lang="en-US"/>
           </a:p>
@@ -3135,7 +3134,7 @@
             <a:fld id="{69B9444E-84D0-4282-A3BA-51F93019E7F6}" type="datetimeFigureOut">
               <a:rPr lang="en-US" smtClean="0"/>
               <a:pPr/>
-              <a:t>04/20/2014</a:t>
+              <a:t>04/22/2014</a:t>
             </a:fld>
             <a:endParaRPr lang="en-US"/>
           </a:p>
@@ -10245,10 +10244,10 @@
           <a:lstStyle/>
           <a:p>
             <a:r>
-              <a:rPr lang="en-US" dirty="0" smtClean="0"/>
+              <a:rPr lang="en-US" b="1" dirty="0" smtClean="0"/>
               <a:t>Basic Comparison Operators</a:t>
             </a:r>
-            <a:endParaRPr lang="en-US" dirty="0"/>
+            <a:endParaRPr lang="en-US" b="1" dirty="0"/>
           </a:p>
         </p:txBody>
       </p:sp>
@@ -10380,18 +10379,18 @@
           <a:lstStyle/>
           <a:p>
             <a:r>
-              <a:rPr lang="en-US" dirty="0" smtClean="0"/>
+              <a:rPr lang="en-US" b="1" dirty="0" smtClean="0"/>
               <a:t>USING </a:t>
             </a:r>
             <a:r>
-              <a:rPr lang="en-US" dirty="0"/>
+              <a:rPr lang="en-US" b="1" dirty="0"/>
               <a:t>THE IS NULL and IS NOT NULL Comparison </a:t>
             </a:r>
             <a:r>
-              <a:rPr lang="en-US" dirty="0" err="1"/>
-              <a:t>OperatorS</a:t>
-            </a:r>
-            <a:endParaRPr lang="en-US" dirty="0"/>
+              <a:rPr lang="en-US" b="1" dirty="0" smtClean="0"/>
+              <a:t>Operators</a:t>
+            </a:r>
+            <a:endParaRPr lang="en-US" b="1" dirty="0"/>
           </a:p>
         </p:txBody>
       </p:sp>
@@ -10715,8 +10714,8 @@
         </p:nvSpPr>
         <p:spPr>
           <a:xfrm>
-            <a:off x="381000" y="2667000"/>
-            <a:ext cx="8229600" cy="1143000"/>
+            <a:off x="304800" y="1219200"/>
+            <a:ext cx="8458200" cy="1143000"/>
           </a:xfrm>
         </p:spPr>
         <p:txBody>
@@ -10729,6 +10728,52 @@
               <a:rPr lang="en-US" b="1" i="1" cap="all" dirty="0"/>
               <a:t>EXERCISE 1:  TRY SOME BASIC COMPARISON OPERATORS AND WATCH THE AUTOMATIC CONVERSION OF STRINGS TO NUMBERS</a:t>
             </a:r>
+          </a:p>
+        </p:txBody>
+      </p:sp>
+      <p:sp>
+        <p:nvSpPr>
+          <p:cNvPr id="3" name="Title 1"/>
+          <p:cNvSpPr txBox="1">
+            <a:spLocks/>
+          </p:cNvSpPr>
+          <p:nvPr/>
+        </p:nvSpPr>
+        <p:spPr>
+          <a:xfrm>
+            <a:off x="304800" y="4495800"/>
+            <a:ext cx="8229600" cy="1143000"/>
+          </a:xfrm>
+          <a:prstGeom prst="rect">
+            <a:avLst/>
+          </a:prstGeom>
+        </p:spPr>
+        <p:txBody>
+          <a:bodyPr vert="horz" lIns="91440" tIns="45720" rIns="91440" bIns="45720" rtlCol="0" anchor="ctr">
+            <a:noAutofit/>
+          </a:bodyPr>
+          <a:lstStyle>
+            <a:lvl1pPr algn="ctr">
+              <a:spcBef>
+                <a:spcPct val="0"/>
+              </a:spcBef>
+              <a:buNone/>
+              <a:defRPr sz="4400" b="1" i="1" cap="all">
+                <a:latin typeface="+mj-lt"/>
+                <a:ea typeface="+mj-ea"/>
+                <a:cs typeface="+mj-cs"/>
+              </a:defRPr>
+            </a:lvl1pPr>
+          </a:lstStyle>
+          <a:p>
+            <a:r>
+              <a:rPr lang="en-US" sz="4000" dirty="0"/>
+              <a:t>Exercise 2:  Try out the BETWEEN, IS NULL, and IS NOT NULL comparison OPERATORs</a:t>
+            </a:r>
+            <a:br>
+              <a:rPr lang="en-US" sz="4000" dirty="0"/>
+            </a:br>
+            <a:endParaRPr lang="en-US" sz="4000" dirty="0"/>
           </a:p>
         </p:txBody>
       </p:sp>
@@ -10870,29 +10915,21 @@
             <p:ph type="title"/>
           </p:nvPr>
         </p:nvSpPr>
-        <p:spPr>
-          <a:xfrm>
-            <a:off x="457200" y="990600"/>
-            <a:ext cx="8229600" cy="1143000"/>
-          </a:xfrm>
-        </p:spPr>
+        <p:spPr/>
         <p:txBody>
           <a:bodyPr>
-            <a:normAutofit fontScale="90000"/>
+            <a:normAutofit/>
           </a:bodyPr>
           <a:lstStyle/>
           <a:p>
             <a:r>
-              <a:rPr lang="en-US" b="1" i="1" cap="all" dirty="0"/>
-              <a:t>Exercise 2:  Try out the BETWEEN, IS NULL, and IS NOT NULL comparison OPERATORs</a:t>
-            </a:r>
-            <a:r>
               <a:rPr lang="en-US" b="1" cap="all" dirty="0"/>
-              <a:t/>
-            </a:r>
-            <a:br>
-              <a:rPr lang="en-US" b="1" cap="all" dirty="0"/>
-            </a:br>
+              <a:t>USING the IFNULL() </a:t>
+            </a:r>
+            <a:r>
+              <a:rPr lang="en-US" b="1" cap="all" dirty="0" smtClean="0"/>
+              <a:t>Function</a:t>
+            </a:r>
             <a:endParaRPr lang="en-US" dirty="0"/>
           </a:p>
         </p:txBody>
@@ -10907,24 +10944,51 @@
             <p:ph idx="1"/>
           </p:nvPr>
         </p:nvSpPr>
-        <p:spPr>
-          <a:xfrm>
-            <a:off x="457200" y="2590800"/>
-            <a:ext cx="8229600" cy="3535363"/>
-          </a:xfrm>
-        </p:spPr>
-        <p:txBody>
-          <a:bodyPr/>
-          <a:lstStyle/>
-          <a:p>
-            <a:endParaRPr lang="en-US" dirty="0"/>
+        <p:spPr/>
+        <p:txBody>
+          <a:bodyPr>
+            <a:normAutofit lnSpcReduction="10000"/>
+          </a:bodyPr>
+          <a:lstStyle/>
+          <a:p>
+            <a:r>
+              <a:rPr lang="en-US" dirty="0"/>
+              <a:t>IFNULL takes two expressions and if the first expression is NOT NULL, it will return the first expression. </a:t>
+            </a:r>
+            <a:endParaRPr lang="en-US" dirty="0" smtClean="0"/>
+          </a:p>
+          <a:p>
+            <a:r>
+              <a:rPr lang="en-US" dirty="0"/>
+              <a:t>If the first expression is NULL then it will return the second expression.  </a:t>
+            </a:r>
+          </a:p>
+          <a:p>
+            <a:r>
+              <a:rPr lang="en-US" dirty="0"/>
+              <a:t>m</a:t>
+            </a:r>
+            <a:r>
+              <a:rPr lang="en-US" dirty="0" smtClean="0"/>
+              <a:t>ysql&gt; SELECT IFNULL(NULL, 89);</a:t>
+            </a:r>
+          </a:p>
+          <a:p>
+            <a:r>
+              <a:rPr lang="en-US" dirty="0"/>
+              <a:t>mysql&gt; SELECT ID, LASTNAME, IFNULL(DECEASEDDATE, 'Still Alive') as </a:t>
+            </a:r>
+            <a:r>
+              <a:rPr lang="en-US" dirty="0" smtClean="0"/>
+              <a:t>Alive FROM INDIVIDUAL;</a:t>
+            </a:r>
           </a:p>
         </p:txBody>
       </p:sp>
     </p:spTree>
     <p:extLst>
       <p:ext uri="{BB962C8B-B14F-4D97-AF65-F5344CB8AC3E}">
-        <p14:creationId xmlns:p14="http://schemas.microsoft.com/office/powerpoint/2010/main" val="13430949"/>
+        <p14:creationId xmlns:p14="http://schemas.microsoft.com/office/powerpoint/2010/main" val="966883810"/>
       </p:ext>
     </p:extLst>
   </p:cSld>
@@ -10963,20 +11027,14 @@
         </p:nvSpPr>
         <p:spPr/>
         <p:txBody>
-          <a:bodyPr>
-            <a:normAutofit/>
-          </a:bodyPr>
-          <a:lstStyle/>
-          <a:p>
-            <a:r>
-              <a:rPr lang="en-US" b="1" cap="all" dirty="0"/>
-              <a:t>USING the IFNULL() </a:t>
-            </a:r>
-            <a:r>
-              <a:rPr lang="en-US" b="1" cap="all" dirty="0" smtClean="0"/>
-              <a:t>Function</a:t>
-            </a:r>
-            <a:endParaRPr lang="en-US" dirty="0"/>
+          <a:bodyPr/>
+          <a:lstStyle/>
+          <a:p>
+            <a:r>
+              <a:rPr lang="en-US" b="1" dirty="0" smtClean="0"/>
+              <a:t>USING THE COALESCE() FUNCTION</a:t>
+            </a:r>
+            <a:endParaRPr lang="en-US" b="1" dirty="0"/>
           </a:p>
         </p:txBody>
       </p:sp>
@@ -10999,42 +11057,82 @@
           <a:p>
             <a:r>
               <a:rPr lang="en-US" dirty="0"/>
-              <a:t>IFNULL takes two expressions and if the first expression is NOT NULL, it will return the first expression. </a:t>
+              <a:t>COALESCE will return the first non-null value in a list of values.  </a:t>
             </a:r>
             <a:endParaRPr lang="en-US" dirty="0" smtClean="0"/>
           </a:p>
           <a:p>
             <a:r>
-              <a:rPr lang="en-US" dirty="0"/>
-              <a:t>If the first expression is NULL then it will return the second expression.  </a:t>
-            </a:r>
-          </a:p>
-          <a:p>
-            <a:r>
-              <a:rPr lang="en-US" dirty="0"/>
-              <a:t>m</a:t>
-            </a:r>
-            <a:r>
-              <a:rPr lang="en-US" dirty="0" smtClean="0"/>
-              <a:t>ysql&gt; SELECT IFNULL(NULL, 89);</a:t>
-            </a:r>
-          </a:p>
-          <a:p>
-            <a:r>
-              <a:rPr lang="en-US" dirty="0"/>
-              <a:t>mysql&gt; SELECT ID, LASTNAME, IFNULL(DECEASEDDATE, 'Still Alive') as </a:t>
-            </a:r>
-            <a:r>
-              <a:rPr lang="en-US" dirty="0" smtClean="0"/>
-              <a:t>Alive FROM INDIVIDUAL;</a:t>
-            </a:r>
+              <a:rPr lang="en-US" dirty="0" smtClean="0"/>
+              <a:t>It </a:t>
+            </a:r>
+            <a:r>
+              <a:rPr lang="en-US" dirty="0"/>
+              <a:t>will return NULL if there are no non-null </a:t>
+            </a:r>
+            <a:r>
+              <a:rPr lang="en-US" dirty="0" smtClean="0"/>
+              <a:t>values.</a:t>
+            </a:r>
+          </a:p>
+          <a:p>
+            <a:r>
+              <a:rPr lang="en-US" dirty="0" smtClean="0"/>
+              <a:t>mysql&gt;SELECT COALESCE(NULL, NULL, ‘Stuff’);</a:t>
+            </a:r>
+          </a:p>
+          <a:p>
+            <a:r>
+              <a:rPr lang="en-US" dirty="0"/>
+              <a:t>mysql&gt;SELECT COALESCE(NULL, 5</a:t>
+            </a:r>
+            <a:r>
+              <a:rPr lang="en-US" dirty="0" smtClean="0"/>
+              <a:t>, </a:t>
+            </a:r>
+            <a:r>
+              <a:rPr lang="en-US" dirty="0"/>
+              <a:t>‘</a:t>
+            </a:r>
+            <a:r>
+              <a:rPr lang="en-US" dirty="0" smtClean="0"/>
+              <a:t>Stuff);</a:t>
+            </a:r>
+          </a:p>
+          <a:p>
+            <a:r>
+              <a:rPr lang="en-US" dirty="0"/>
+              <a:t>mysql&gt; SELECT ID, LASTNAME, </a:t>
+            </a:r>
+            <a:r>
+              <a:rPr lang="en-US" dirty="0" smtClean="0"/>
+              <a:t>COALESCE(DECEASEDDATE</a:t>
+            </a:r>
+            <a:r>
+              <a:rPr lang="en-US" dirty="0"/>
+              <a:t>, 'Still Alive') as Alive </a:t>
+            </a:r>
+            <a:r>
+              <a:rPr lang="en-US" dirty="0" smtClean="0"/>
+              <a:t>FROM </a:t>
+            </a:r>
+            <a:r>
+              <a:rPr lang="en-US" dirty="0"/>
+              <a:t>INDIVIDUAL;</a:t>
+            </a:r>
+          </a:p>
+          <a:p>
+            <a:endParaRPr lang="en-US" dirty="0"/>
+          </a:p>
+          <a:p>
+            <a:endParaRPr lang="en-US" dirty="0"/>
           </a:p>
         </p:txBody>
       </p:sp>
     </p:spTree>
     <p:extLst>
       <p:ext uri="{BB962C8B-B14F-4D97-AF65-F5344CB8AC3E}">
-        <p14:creationId xmlns:p14="http://schemas.microsoft.com/office/powerpoint/2010/main" val="966883810"/>
+        <p14:creationId xmlns:p14="http://schemas.microsoft.com/office/powerpoint/2010/main" val="3287605111"/>
       </p:ext>
     </p:extLst>
   </p:cSld>
@@ -11077,10 +11175,10 @@
           <a:lstStyle/>
           <a:p>
             <a:r>
-              <a:rPr lang="en-US" b="1" dirty="0" smtClean="0"/>
-              <a:t>USING THE COALESCE() FUNCTION</a:t>
-            </a:r>
-            <a:endParaRPr lang="en-US" b="1" dirty="0"/>
+              <a:rPr lang="en-US" dirty="0" smtClean="0"/>
+              <a:t>What is a stored routine?</a:t>
+            </a:r>
+            <a:endParaRPr lang="en-US" dirty="0"/>
           </a:p>
         </p:txBody>
       </p:sp>
@@ -11097,78 +11195,54 @@
         <p:spPr/>
         <p:txBody>
           <a:bodyPr>
-            <a:normAutofit lnSpcReduction="10000"/>
+            <a:normAutofit fontScale="92500" lnSpcReduction="10000"/>
           </a:bodyPr>
           <a:lstStyle/>
           <a:p>
             <a:r>
               <a:rPr lang="en-US" dirty="0"/>
-              <a:t>COALESCE will return the first non-null value in a list of values.  </a:t>
+              <a:t>A stored routine contains SQL statements that are stored on the MySQL server and given a name. </a:t>
             </a:r>
             <a:endParaRPr lang="en-US" dirty="0" smtClean="0"/>
           </a:p>
           <a:p>
             <a:r>
-              <a:rPr lang="en-US" dirty="0" smtClean="0"/>
-              <a:t>It </a:t>
-            </a:r>
-            <a:r>
-              <a:rPr lang="en-US" dirty="0"/>
-              <a:t>will return NULL if there are no non-null </a:t>
-            </a:r>
-            <a:r>
-              <a:rPr lang="en-US" dirty="0" smtClean="0"/>
-              <a:t>values.</a:t>
-            </a:r>
-          </a:p>
-          <a:p>
-            <a:r>
-              <a:rPr lang="en-US" dirty="0" smtClean="0"/>
-              <a:t>mysql&gt;SELECT COALESCE(NULL, NULL, ‘Stuff’);</a:t>
-            </a:r>
-          </a:p>
-          <a:p>
-            <a:r>
-              <a:rPr lang="en-US" dirty="0"/>
-              <a:t>mysql&gt;SELECT COALESCE(NULL, 5</a:t>
-            </a:r>
-            <a:r>
-              <a:rPr lang="en-US" dirty="0" smtClean="0"/>
-              <a:t>, </a:t>
-            </a:r>
-            <a:r>
-              <a:rPr lang="en-US" dirty="0"/>
-              <a:t>‘</a:t>
-            </a:r>
-            <a:r>
-              <a:rPr lang="en-US" dirty="0" smtClean="0"/>
-              <a:t>Stuff);</a:t>
-            </a:r>
-          </a:p>
-          <a:p>
-            <a:r>
-              <a:rPr lang="en-US" dirty="0"/>
-              <a:t>mysql&gt; SELECT ID, LASTNAME, </a:t>
-            </a:r>
-            <a:r>
-              <a:rPr lang="en-US" dirty="0" smtClean="0"/>
-              <a:t>COALESCE(DECEASEDDATE</a:t>
-            </a:r>
-            <a:r>
-              <a:rPr lang="en-US" dirty="0"/>
-              <a:t>, 'Still Alive') as Alive </a:t>
-            </a:r>
-            <a:r>
-              <a:rPr lang="en-US" dirty="0" smtClean="0"/>
-              <a:t>FROM </a:t>
-            </a:r>
-            <a:r>
-              <a:rPr lang="en-US" dirty="0"/>
-              <a:t>INDIVIDUAL;</a:t>
-            </a:r>
-          </a:p>
-          <a:p>
-            <a:endParaRPr lang="en-US" dirty="0"/>
+              <a:rPr lang="en-US" dirty="0"/>
+              <a:t>When you create a save a stored routine, it is saved within the database server system tables.  </a:t>
+            </a:r>
+            <a:endParaRPr lang="en-US" dirty="0" smtClean="0"/>
+          </a:p>
+          <a:p>
+            <a:r>
+              <a:rPr lang="en-US" dirty="0" smtClean="0"/>
+              <a:t>You </a:t>
+            </a:r>
+            <a:r>
+              <a:rPr lang="en-US" dirty="0"/>
+              <a:t>can execute either on demand.  </a:t>
+            </a:r>
+            <a:endParaRPr lang="en-US" dirty="0" smtClean="0"/>
+          </a:p>
+          <a:p>
+            <a:r>
+              <a:rPr lang="en-US" dirty="0" smtClean="0"/>
+              <a:t>Doing </a:t>
+            </a:r>
+            <a:r>
+              <a:rPr lang="en-US" dirty="0"/>
+              <a:t>so causes the SQL statements defined within the stored routine to be run on the server.  </a:t>
+            </a:r>
+            <a:endParaRPr lang="en-US" dirty="0" smtClean="0"/>
+          </a:p>
+          <a:p>
+            <a:r>
+              <a:rPr lang="en-US" dirty="0" smtClean="0"/>
+              <a:t>When </a:t>
+            </a:r>
+            <a:r>
+              <a:rPr lang="en-US" dirty="0"/>
+              <a:t>a stored routine is run, it runs within the memory address of the server process.  </a:t>
+            </a:r>
           </a:p>
           <a:p>
             <a:endParaRPr lang="en-US" dirty="0"/>
@@ -11178,13 +11252,20 @@
     </p:spTree>
     <p:extLst>
       <p:ext uri="{BB962C8B-B14F-4D97-AF65-F5344CB8AC3E}">
-        <p14:creationId xmlns:p14="http://schemas.microsoft.com/office/powerpoint/2010/main" val="3287605111"/>
+        <p14:creationId xmlns:p14="http://schemas.microsoft.com/office/powerpoint/2010/main" val="481628515"/>
       </p:ext>
     </p:extLst>
   </p:cSld>
   <p:clrMapOvr>
     <a:masterClrMapping/>
   </p:clrMapOvr>
+  <p:timing>
+    <p:tnLst>
+      <p:par>
+        <p:cTn id="1" dur="indefinite" restart="never" nodeType="tmRoot"/>
+      </p:par>
+    </p:tnLst>
+  </p:timing>
 </p:sld>
 </file>
 
@@ -11215,90 +11296,34 @@
             <p:ph type="title"/>
           </p:nvPr>
         </p:nvSpPr>
-        <p:spPr/>
-        <p:txBody>
-          <a:bodyPr/>
-          <a:lstStyle/>
-          <a:p>
-            <a:r>
-              <a:rPr lang="en-US" dirty="0" smtClean="0"/>
-              <a:t>What is a stored routine?</a:t>
-            </a:r>
-            <a:endParaRPr lang="en-US" dirty="0"/>
-          </a:p>
-        </p:txBody>
-      </p:sp>
-      <p:sp>
-        <p:nvSpPr>
-          <p:cNvPr id="3" name="Content Placeholder 2"/>
-          <p:cNvSpPr>
-            <a:spLocks noGrp="1"/>
-          </p:cNvSpPr>
-          <p:nvPr>
-            <p:ph idx="1"/>
-          </p:nvPr>
-        </p:nvSpPr>
-        <p:spPr/>
+        <p:spPr>
+          <a:xfrm>
+            <a:off x="457200" y="381000"/>
+            <a:ext cx="8229600" cy="1524000"/>
+          </a:xfrm>
+        </p:spPr>
         <p:txBody>
           <a:bodyPr>
-            <a:normAutofit fontScale="92500" lnSpcReduction="10000"/>
+            <a:normAutofit/>
           </a:bodyPr>
           <a:lstStyle/>
           <a:p>
             <a:r>
-              <a:rPr lang="en-US" dirty="0"/>
-              <a:t>A stored routine contains SQL statements that are stored on the MySQL server and given a name. </a:t>
-            </a:r>
-            <a:endParaRPr lang="en-US" dirty="0" smtClean="0"/>
-          </a:p>
-          <a:p>
-            <a:r>
-              <a:rPr lang="en-US" dirty="0"/>
-              <a:t>When you create a save a stored routine, it is saved within the database server system tables.  </a:t>
-            </a:r>
-            <a:endParaRPr lang="en-US" dirty="0" smtClean="0"/>
-          </a:p>
-          <a:p>
-            <a:r>
-              <a:rPr lang="en-US" dirty="0" smtClean="0"/>
-              <a:t>You </a:t>
-            </a:r>
-            <a:r>
-              <a:rPr lang="en-US" dirty="0"/>
-              <a:t>can execute either on demand.  </a:t>
-            </a:r>
-            <a:endParaRPr lang="en-US" dirty="0" smtClean="0"/>
-          </a:p>
-          <a:p>
-            <a:r>
-              <a:rPr lang="en-US" dirty="0" smtClean="0"/>
-              <a:t>Doing </a:t>
-            </a:r>
-            <a:r>
-              <a:rPr lang="en-US" dirty="0"/>
-              <a:t>so causes the SQL statements defined within the stored routine to be run on the server.  </a:t>
-            </a:r>
-            <a:endParaRPr lang="en-US" dirty="0" smtClean="0"/>
-          </a:p>
-          <a:p>
-            <a:r>
-              <a:rPr lang="en-US" dirty="0" smtClean="0"/>
-              <a:t>When </a:t>
-            </a:r>
-            <a:r>
-              <a:rPr lang="en-US" dirty="0"/>
-              <a:t>a stored routine is run, it runs within the memory address of the server process.  </a:t>
-            </a:r>
-          </a:p>
-          <a:p>
-            <a:endParaRPr lang="en-US" dirty="0"/>
+              <a:rPr lang="en-US" b="1" i="1" cap="all" dirty="0"/>
+              <a:t>EXERCISE 3:  USING THE IFNULL() </a:t>
+            </a:r>
+            <a:r>
+              <a:rPr lang="en-US" b="1" i="1" cap="all" dirty="0" smtClean="0"/>
+              <a:t>FUNCTION</a:t>
+            </a:r>
+            <a:endParaRPr lang="en-US" i="1" dirty="0"/>
           </a:p>
         </p:txBody>
       </p:sp>
     </p:spTree>
     <p:extLst>
       <p:ext uri="{BB962C8B-B14F-4D97-AF65-F5344CB8AC3E}">
-        <p14:creationId xmlns:p14="http://schemas.microsoft.com/office/powerpoint/2010/main" val="481628515"/>
+        <p14:creationId xmlns:p14="http://schemas.microsoft.com/office/powerpoint/2010/main" val="3806557341"/>
       </p:ext>
     </p:extLst>
   </p:cSld>
@@ -11344,45 +11369,61 @@
         </p:nvSpPr>
         <p:spPr>
           <a:xfrm>
-            <a:off x="457200" y="381000"/>
-            <a:ext cx="8229600" cy="1524000"/>
+            <a:off x="457200" y="1295400"/>
+            <a:ext cx="8229600" cy="1143000"/>
           </a:xfrm>
         </p:spPr>
         <p:txBody>
           <a:bodyPr>
-            <a:normAutofit/>
+            <a:normAutofit fontScale="90000"/>
           </a:bodyPr>
           <a:lstStyle/>
           <a:p>
             <a:r>
-              <a:rPr lang="en-US" b="1" i="1" cap="all" dirty="0"/>
-              <a:t>EXERCISE 3:  USING THE IFNULL() </a:t>
-            </a:r>
-            <a:r>
-              <a:rPr lang="en-US" b="1" i="1" cap="all" dirty="0" smtClean="0"/>
-              <a:t>FUNCTION</a:t>
-            </a:r>
-            <a:endParaRPr lang="en-US" i="1" dirty="0"/>
+              <a:rPr lang="en-US" b="1" cap="all" dirty="0"/>
+              <a:t>Stored Routines:  stored functions and stored procedures</a:t>
+            </a:r>
+            <a:br>
+              <a:rPr lang="en-US" b="1" cap="all" dirty="0"/>
+            </a:br>
+            <a:endParaRPr lang="en-US" dirty="0"/>
+          </a:p>
+        </p:txBody>
+      </p:sp>
+      <p:sp>
+        <p:nvSpPr>
+          <p:cNvPr id="3" name="Content Placeholder 2"/>
+          <p:cNvSpPr>
+            <a:spLocks noGrp="1"/>
+          </p:cNvSpPr>
+          <p:nvPr>
+            <p:ph idx="1"/>
+          </p:nvPr>
+        </p:nvSpPr>
+        <p:spPr>
+          <a:xfrm>
+            <a:off x="381000" y="2743200"/>
+            <a:ext cx="8229600" cy="2773363"/>
+          </a:xfrm>
+        </p:spPr>
+        <p:txBody>
+          <a:bodyPr/>
+          <a:lstStyle/>
+          <a:p>
+            <a:endParaRPr lang="en-US" dirty="0"/>
           </a:p>
         </p:txBody>
       </p:sp>
     </p:spTree>
     <p:extLst>
       <p:ext uri="{BB962C8B-B14F-4D97-AF65-F5344CB8AC3E}">
-        <p14:creationId xmlns:p14="http://schemas.microsoft.com/office/powerpoint/2010/main" val="3806557341"/>
+        <p14:creationId xmlns:p14="http://schemas.microsoft.com/office/powerpoint/2010/main" val="4096436977"/>
       </p:ext>
     </p:extLst>
   </p:cSld>
   <p:clrMapOvr>
     <a:masterClrMapping/>
   </p:clrMapOvr>
-  <p:timing>
-    <p:tnLst>
-      <p:par>
-        <p:cTn id="1" dur="indefinite" restart="never" nodeType="tmRoot"/>
-      </p:par>
-    </p:tnLst>
-  </p:timing>
 </p:sld>
 </file>
 
@@ -11413,48 +11454,122 @@
             <p:ph type="title"/>
           </p:nvPr>
         </p:nvSpPr>
+        <p:spPr/>
+        <p:txBody>
+          <a:bodyPr/>
+          <a:lstStyle/>
+          <a:p>
+            <a:r>
+              <a:rPr lang="en-US" dirty="0" smtClean="0"/>
+              <a:t>What are stored routines?</a:t>
+            </a:r>
+            <a:endParaRPr lang="en-US" dirty="0"/>
+          </a:p>
+        </p:txBody>
+      </p:sp>
+      <p:sp>
+        <p:nvSpPr>
+          <p:cNvPr id="3" name="Content Placeholder 2"/>
+          <p:cNvSpPr>
+            <a:spLocks noGrp="1"/>
+          </p:cNvSpPr>
+          <p:nvPr>
+            <p:ph idx="1"/>
+          </p:nvPr>
+        </p:nvSpPr>
         <p:spPr>
           <a:xfrm>
-            <a:off x="457200" y="1295400"/>
-            <a:ext cx="8229600" cy="1143000"/>
+            <a:off x="457200" y="1600200"/>
+            <a:ext cx="8229600" cy="4876800"/>
           </a:xfrm>
         </p:spPr>
         <p:txBody>
           <a:bodyPr>
-            <a:normAutofit fontScale="90000"/>
+            <a:normAutofit fontScale="92500" lnSpcReduction="20000"/>
           </a:bodyPr>
           <a:lstStyle/>
           <a:p>
             <a:r>
-              <a:rPr lang="en-US" b="1" cap="all" dirty="0"/>
-              <a:t>Stored Routines:  stored functions and stored procedures</a:t>
-            </a:r>
-            <a:br>
-              <a:rPr lang="en-US" b="1" cap="all" dirty="0"/>
-            </a:br>
-            <a:endParaRPr lang="en-US" dirty="0"/>
-          </a:p>
-        </p:txBody>
-      </p:sp>
-      <p:sp>
-        <p:nvSpPr>
-          <p:cNvPr id="3" name="Content Placeholder 2"/>
-          <p:cNvSpPr>
-            <a:spLocks noGrp="1"/>
-          </p:cNvSpPr>
-          <p:nvPr>
-            <p:ph idx="1"/>
-          </p:nvPr>
-        </p:nvSpPr>
-        <p:spPr>
-          <a:xfrm>
-            <a:off x="381000" y="2743200"/>
-            <a:ext cx="8229600" cy="2773363"/>
-          </a:xfrm>
-        </p:spPr>
-        <p:txBody>
-          <a:bodyPr/>
-          <a:lstStyle/>
+              <a:rPr lang="en-US" dirty="0"/>
+              <a:t>Stored procedures and functions can be referred together as stored routines</a:t>
+            </a:r>
+            <a:r>
+              <a:rPr lang="en-US" dirty="0" smtClean="0"/>
+              <a:t>.</a:t>
+            </a:r>
+          </a:p>
+          <a:p>
+            <a:r>
+              <a:rPr lang="en-US" dirty="0" smtClean="0"/>
+              <a:t>A </a:t>
+            </a:r>
+            <a:r>
+              <a:rPr lang="en-US" dirty="0"/>
+              <a:t>stored routine contains SQL statements that are stored on the MySQL server and given a name</a:t>
+            </a:r>
+            <a:r>
+              <a:rPr lang="en-US" dirty="0" smtClean="0"/>
+              <a:t>.</a:t>
+            </a:r>
+          </a:p>
+          <a:p>
+            <a:r>
+              <a:rPr lang="en-US" dirty="0" smtClean="0"/>
+              <a:t>When </a:t>
+            </a:r>
+            <a:r>
+              <a:rPr lang="en-US" dirty="0"/>
+              <a:t>you create a save a stored routine, it is saved within the database server system tables</a:t>
+            </a:r>
+            <a:r>
+              <a:rPr lang="en-US" dirty="0" smtClean="0"/>
+              <a:t>.</a:t>
+            </a:r>
+          </a:p>
+          <a:p>
+            <a:r>
+              <a:rPr lang="en-US" dirty="0" smtClean="0"/>
+              <a:t>You </a:t>
+            </a:r>
+            <a:r>
+              <a:rPr lang="en-US" dirty="0"/>
+              <a:t>can execute </a:t>
+            </a:r>
+            <a:r>
+              <a:rPr lang="en-US" dirty="0" smtClean="0"/>
+              <a:t>these on </a:t>
+            </a:r>
+            <a:r>
+              <a:rPr lang="en-US" dirty="0"/>
+              <a:t>demand. </a:t>
+            </a:r>
+            <a:endParaRPr lang="en-US" dirty="0" smtClean="0"/>
+          </a:p>
+          <a:p>
+            <a:r>
+              <a:rPr lang="en-US" dirty="0"/>
+              <a:t>C</a:t>
+            </a:r>
+            <a:r>
+              <a:rPr lang="en-US" dirty="0" smtClean="0"/>
+              <a:t>auses </a:t>
+            </a:r>
+            <a:r>
+              <a:rPr lang="en-US" dirty="0"/>
+              <a:t>the SQL statements defined within the stored routine to be run on the server.  </a:t>
+            </a:r>
+            <a:endParaRPr lang="en-US" dirty="0" smtClean="0"/>
+          </a:p>
+          <a:p>
+            <a:r>
+              <a:rPr lang="en-US" dirty="0" smtClean="0"/>
+              <a:t>When </a:t>
+            </a:r>
+            <a:r>
+              <a:rPr lang="en-US" dirty="0"/>
+              <a:t>a stored routine is run, it runs within the memory address of the server process.  </a:t>
+            </a:r>
+          </a:p>
           <a:p>
             <a:endParaRPr lang="en-US" dirty="0"/>
           </a:p>
@@ -11463,7 +11578,7 @@
     </p:spTree>
     <p:extLst>
       <p:ext uri="{BB962C8B-B14F-4D97-AF65-F5344CB8AC3E}">
-        <p14:creationId xmlns:p14="http://schemas.microsoft.com/office/powerpoint/2010/main" val="4096436977"/>
+        <p14:creationId xmlns:p14="http://schemas.microsoft.com/office/powerpoint/2010/main" val="3166924272"/>
       </p:ext>
     </p:extLst>
   </p:cSld>
@@ -11507,7 +11622,7 @@
           <a:p>
             <a:r>
               <a:rPr lang="en-US" dirty="0" smtClean="0"/>
-              <a:t>What are stored routines?</a:t>
+              <a:t>Differences</a:t>
             </a:r>
             <a:endParaRPr lang="en-US" dirty="0"/>
           </a:p>
@@ -11523,97 +11638,56 @@
             <p:ph idx="1"/>
           </p:nvPr>
         </p:nvSpPr>
-        <p:spPr>
-          <a:xfrm>
-            <a:off x="457200" y="1600200"/>
-            <a:ext cx="8229600" cy="4876800"/>
-          </a:xfrm>
-        </p:spPr>
+        <p:spPr/>
         <p:txBody>
           <a:bodyPr>
-            <a:normAutofit fontScale="92500" lnSpcReduction="20000"/>
+            <a:normAutofit fontScale="92500" lnSpcReduction="10000"/>
           </a:bodyPr>
           <a:lstStyle/>
           <a:p>
             <a:r>
               <a:rPr lang="en-US" dirty="0"/>
-              <a:t>Stored procedures and functions can be referred together as stored routines</a:t>
-            </a:r>
-            <a:r>
-              <a:rPr lang="en-US" dirty="0" smtClean="0"/>
-              <a:t>.</a:t>
-            </a:r>
-          </a:p>
-          <a:p>
-            <a:r>
-              <a:rPr lang="en-US" dirty="0" smtClean="0"/>
-              <a:t>A </a:t>
-            </a:r>
-            <a:r>
-              <a:rPr lang="en-US" dirty="0"/>
-              <a:t>stored routine contains SQL statements that are stored on the MySQL server and given a name</a:t>
-            </a:r>
-            <a:r>
-              <a:rPr lang="en-US" dirty="0" smtClean="0"/>
-              <a:t>.</a:t>
-            </a:r>
-          </a:p>
-          <a:p>
-            <a:r>
-              <a:rPr lang="en-US" dirty="0" smtClean="0"/>
-              <a:t>When </a:t>
-            </a:r>
-            <a:r>
-              <a:rPr lang="en-US" dirty="0"/>
-              <a:t>you create a save a stored routine, it is saved within the database server system tables</a:t>
-            </a:r>
-            <a:r>
-              <a:rPr lang="en-US" dirty="0" smtClean="0"/>
-              <a:t>.</a:t>
-            </a:r>
-          </a:p>
-          <a:p>
-            <a:r>
-              <a:rPr lang="en-US" dirty="0" smtClean="0"/>
-              <a:t>You </a:t>
-            </a:r>
-            <a:r>
-              <a:rPr lang="en-US" dirty="0"/>
-              <a:t>can execute </a:t>
-            </a:r>
-            <a:r>
-              <a:rPr lang="en-US" dirty="0" smtClean="0"/>
-              <a:t>these on </a:t>
-            </a:r>
-            <a:r>
-              <a:rPr lang="en-US" dirty="0"/>
-              <a:t>demand. </a:t>
+              <a:t>A stored procedure is a computer program that can be run on request and accept input and output parameters.  </a:t>
             </a:r>
             <a:endParaRPr lang="en-US" dirty="0" smtClean="0"/>
           </a:p>
           <a:p>
             <a:r>
               <a:rPr lang="en-US" dirty="0"/>
-              <a:t>C</a:t>
-            </a:r>
-            <a:r>
-              <a:rPr lang="en-US" dirty="0" smtClean="0"/>
-              <a:t>auses </a:t>
-            </a:r>
-            <a:r>
-              <a:rPr lang="en-US" dirty="0"/>
-              <a:t>the SQL statements defined within the stored routine to be run on the server.  </a:t>
+              <a:t>A stored function is similar to a stored procedure.  </a:t>
             </a:r>
             <a:endParaRPr lang="en-US" dirty="0" smtClean="0"/>
           </a:p>
           <a:p>
             <a:r>
               <a:rPr lang="en-US" dirty="0" smtClean="0"/>
-              <a:t>When </a:t>
-            </a:r>
-            <a:r>
-              <a:rPr lang="en-US" dirty="0"/>
-              <a:t>a stored routine is run, it runs within the memory address of the server process.  </a:t>
+              <a:t>But </a:t>
+            </a:r>
+            <a:r>
+              <a:rPr lang="en-US" dirty="0"/>
+              <a:t>a function results in a single value. </a:t>
+            </a:r>
+            <a:endParaRPr lang="en-US" dirty="0" smtClean="0"/>
+          </a:p>
+          <a:p>
+            <a:r>
+              <a:rPr lang="en-US" dirty="0" smtClean="0"/>
+              <a:t>Functions </a:t>
+            </a:r>
+            <a:r>
+              <a:rPr lang="en-US" dirty="0"/>
+              <a:t>allow you to write your own calculations and extend the SQL language.  </a:t>
+            </a:r>
+            <a:endParaRPr lang="en-US" dirty="0" smtClean="0"/>
+          </a:p>
+          <a:p>
+            <a:r>
+              <a:rPr lang="en-US" dirty="0" smtClean="0"/>
+              <a:t>Functions </a:t>
+            </a:r>
+            <a:r>
+              <a:rPr lang="en-US" dirty="0"/>
+              <a:t>can be executed from within a SQL statement.  </a:t>
             </a:r>
           </a:p>
           <a:p>
@@ -11624,7 +11698,7 @@
     </p:spTree>
     <p:extLst>
       <p:ext uri="{BB962C8B-B14F-4D97-AF65-F5344CB8AC3E}">
-        <p14:creationId xmlns:p14="http://schemas.microsoft.com/office/powerpoint/2010/main" val="3166924272"/>
+        <p14:creationId xmlns:p14="http://schemas.microsoft.com/office/powerpoint/2010/main" val="2749550998"/>
       </p:ext>
     </p:extLst>
   </p:cSld>
@@ -11661,93 +11735,6 @@
             <p:ph type="title"/>
           </p:nvPr>
         </p:nvSpPr>
-        <p:spPr/>
-        <p:txBody>
-          <a:bodyPr/>
-          <a:lstStyle/>
-          <a:p>
-            <a:r>
-              <a:rPr lang="en-US" dirty="0" smtClean="0"/>
-              <a:t>Differences</a:t>
-            </a:r>
-            <a:endParaRPr lang="en-US" dirty="0"/>
-          </a:p>
-        </p:txBody>
-      </p:sp>
-      <p:sp>
-        <p:nvSpPr>
-          <p:cNvPr id="3" name="Content Placeholder 2"/>
-          <p:cNvSpPr>
-            <a:spLocks noGrp="1"/>
-          </p:cNvSpPr>
-          <p:nvPr>
-            <p:ph idx="1"/>
-          </p:nvPr>
-        </p:nvSpPr>
-        <p:spPr/>
-        <p:txBody>
-          <a:bodyPr>
-            <a:normAutofit lnSpcReduction="10000"/>
-          </a:bodyPr>
-          <a:lstStyle/>
-          <a:p>
-            <a:r>
-              <a:rPr lang="en-US" dirty="0"/>
-              <a:t>A stored procedure is a computer program that can be run on request and accept input and output parameters.  </a:t>
-            </a:r>
-            <a:endParaRPr lang="en-US" dirty="0" smtClean="0"/>
-          </a:p>
-          <a:p>
-            <a:r>
-              <a:rPr lang="en-US" dirty="0"/>
-              <a:t>A stored function is similar to a stored procedure.  But a function results in a single value. Functions allow you to write your own calculations and extend the SQL language.  Functions can be executed from within a SQL statement.  </a:t>
-            </a:r>
-          </a:p>
-          <a:p>
-            <a:endParaRPr lang="en-US" dirty="0"/>
-          </a:p>
-        </p:txBody>
-      </p:sp>
-    </p:spTree>
-    <p:extLst>
-      <p:ext uri="{BB962C8B-B14F-4D97-AF65-F5344CB8AC3E}">
-        <p14:creationId xmlns:p14="http://schemas.microsoft.com/office/powerpoint/2010/main" val="2749550998"/>
-      </p:ext>
-    </p:extLst>
-  </p:cSld>
-  <p:clrMapOvr>
-    <a:masterClrMapping/>
-  </p:clrMapOvr>
-</p:sld>
-</file>
-
-<file path=ppt/slides/slide58.xml><?xml version="1.0" encoding="utf-8"?>
-<p:sld xmlns:a="http://schemas.openxmlformats.org/drawingml/2006/main" xmlns:r="http://schemas.openxmlformats.org/officeDocument/2006/relationships" xmlns:p="http://schemas.openxmlformats.org/presentationml/2006/main">
-  <p:cSld>
-    <p:spTree>
-      <p:nvGrpSpPr>
-        <p:cNvPr id="1" name=""/>
-        <p:cNvGrpSpPr/>
-        <p:nvPr/>
-      </p:nvGrpSpPr>
-      <p:grpSpPr>
-        <a:xfrm>
-          <a:off x="0" y="0"/>
-          <a:ext cx="0" cy="0"/>
-          <a:chOff x="0" y="0"/>
-          <a:chExt cx="0" cy="0"/>
-        </a:xfrm>
-      </p:grpSpPr>
-      <p:sp>
-        <p:nvSpPr>
-          <p:cNvPr id="2" name="Title 1"/>
-          <p:cNvSpPr>
-            <a:spLocks noGrp="1"/>
-          </p:cNvSpPr>
-          <p:nvPr>
-            <p:ph type="title"/>
-          </p:nvPr>
-        </p:nvSpPr>
         <p:spPr>
           <a:xfrm>
             <a:off x="457200" y="152400"/>
@@ -11784,7 +11771,7 @@
         </p:nvGraphicFramePr>
         <p:xfrm>
           <a:off x="228600" y="8686800"/>
-          <a:ext cx="8305800" cy="6851441"/>
+          <a:ext cx="8305800" cy="6974631"/>
         </p:xfrm>
         <a:graphic>
           <a:graphicData uri="http://schemas.openxmlformats.org/drawingml/2006/table">
@@ -12863,6 +12850,153 @@
 </p:sld>
 </file>
 
+<file path=ppt/slides/slide58.xml><?xml version="1.0" encoding="utf-8"?>
+<p:sld xmlns:a="http://schemas.openxmlformats.org/drawingml/2006/main" xmlns:r="http://schemas.openxmlformats.org/officeDocument/2006/relationships" xmlns:p="http://schemas.openxmlformats.org/presentationml/2006/main">
+  <p:cSld>
+    <p:spTree>
+      <p:nvGrpSpPr>
+        <p:cNvPr id="1" name=""/>
+        <p:cNvGrpSpPr/>
+        <p:nvPr/>
+      </p:nvGrpSpPr>
+      <p:grpSpPr>
+        <a:xfrm>
+          <a:off x="0" y="0"/>
+          <a:ext cx="0" cy="0"/>
+          <a:chOff x="0" y="0"/>
+          <a:chExt cx="0" cy="0"/>
+        </a:xfrm>
+      </p:grpSpPr>
+      <p:sp>
+        <p:nvSpPr>
+          <p:cNvPr id="2" name="Title 1"/>
+          <p:cNvSpPr>
+            <a:spLocks noGrp="1"/>
+          </p:cNvSpPr>
+          <p:nvPr>
+            <p:ph type="title"/>
+          </p:nvPr>
+        </p:nvSpPr>
+        <p:spPr>
+          <a:xfrm>
+            <a:off x="457200" y="274638"/>
+            <a:ext cx="8229600" cy="944562"/>
+          </a:xfrm>
+        </p:spPr>
+        <p:txBody>
+          <a:bodyPr>
+            <a:normAutofit/>
+          </a:bodyPr>
+          <a:lstStyle/>
+          <a:p>
+            <a:r>
+              <a:rPr lang="en-US" b="1" cap="all" dirty="0"/>
+              <a:t>Stored Function </a:t>
+            </a:r>
+            <a:r>
+              <a:rPr lang="en-US" b="1" cap="all" dirty="0" smtClean="0"/>
+              <a:t>Syntax</a:t>
+            </a:r>
+            <a:endParaRPr lang="en-US" dirty="0"/>
+          </a:p>
+        </p:txBody>
+      </p:sp>
+      <p:sp>
+        <p:nvSpPr>
+          <p:cNvPr id="3" name="Content Placeholder 2"/>
+          <p:cNvSpPr>
+            <a:spLocks noGrp="1"/>
+          </p:cNvSpPr>
+          <p:nvPr>
+            <p:ph idx="1"/>
+          </p:nvPr>
+        </p:nvSpPr>
+        <p:spPr/>
+        <p:txBody>
+          <a:bodyPr/>
+          <a:lstStyle/>
+          <a:p>
+            <a:r>
+              <a:rPr lang="en-US" dirty="0"/>
+              <a:t>To create a function you supply the following syntax:</a:t>
+            </a:r>
+          </a:p>
+          <a:p>
+            <a:pPr marL="0" indent="0">
+              <a:buNone/>
+            </a:pPr>
+            <a:r>
+              <a:rPr lang="en-US" b="1" dirty="0"/>
+              <a:t>CREATE FUNCTION </a:t>
+            </a:r>
+            <a:r>
+              <a:rPr lang="en-US" b="1" dirty="0" err="1"/>
+              <a:t>db_name.sp_name</a:t>
+            </a:r>
+            <a:r>
+              <a:rPr lang="en-US" b="1" dirty="0"/>
+              <a:t> </a:t>
+            </a:r>
+            <a:endParaRPr lang="en-US" dirty="0"/>
+          </a:p>
+          <a:p>
+            <a:pPr marL="0" indent="0">
+              <a:buNone/>
+            </a:pPr>
+            <a:r>
+              <a:rPr lang="en-US" b="1" dirty="0"/>
+              <a:t>([param1 type][,param2 type][,param2 type][…]}</a:t>
+            </a:r>
+            <a:endParaRPr lang="en-US" dirty="0"/>
+          </a:p>
+          <a:p>
+            <a:pPr marL="0" indent="0">
+              <a:buNone/>
+            </a:pPr>
+            <a:r>
+              <a:rPr lang="en-US" b="1" dirty="0"/>
+              <a:t>RETURNS Type</a:t>
+            </a:r>
+            <a:endParaRPr lang="en-US" dirty="0"/>
+          </a:p>
+          <a:p>
+            <a:pPr marL="0" indent="0">
+              <a:buNone/>
+            </a:pPr>
+            <a:r>
+              <a:rPr lang="en-US" b="1" dirty="0"/>
+              <a:t>[characteristic ...] </a:t>
+            </a:r>
+            <a:endParaRPr lang="en-US" dirty="0"/>
+          </a:p>
+          <a:p>
+            <a:pPr marL="0" indent="0">
+              <a:buNone/>
+            </a:pPr>
+            <a:r>
+              <a:rPr lang="en-US" b="1" dirty="0" err="1"/>
+              <a:t>routine_body</a:t>
+            </a:r>
+            <a:endParaRPr lang="en-US" dirty="0"/>
+          </a:p>
+          <a:p>
+            <a:endParaRPr lang="en-US" dirty="0"/>
+          </a:p>
+        </p:txBody>
+      </p:sp>
+    </p:spTree>
+    <p:extLst>
+      <p:ext uri="{BB962C8B-B14F-4D97-AF65-F5344CB8AC3E}">
+        <p14:creationId xmlns:p14="http://schemas.microsoft.com/office/powerpoint/2010/main" val="3217832735"/>
+      </p:ext>
+    </p:extLst>
+  </p:cSld>
+  <p:clrMapOvr>
+    <a:masterClrMapping/>
+  </p:clrMapOvr>
+</p:sld>
+</file>
+
 <file path=ppt/slides/slide59.xml><?xml version="1.0" encoding="utf-8"?>
 <p:sld xmlns:a="http://schemas.openxmlformats.org/drawingml/2006/main" xmlns:r="http://schemas.openxmlformats.org/officeDocument/2006/relationships" xmlns:p="http://schemas.openxmlformats.org/presentationml/2006/main">
   <p:cSld>
@@ -12892,115 +13026,402 @@
         </p:nvSpPr>
         <p:spPr>
           <a:xfrm>
-            <a:off x="457200" y="274638"/>
-            <a:ext cx="8229600" cy="944562"/>
+            <a:off x="457200" y="152400"/>
+            <a:ext cx="8229600" cy="838200"/>
           </a:xfrm>
         </p:spPr>
         <p:txBody>
+          <a:bodyPr/>
+          <a:lstStyle/>
+          <a:p>
+            <a:r>
+              <a:rPr lang="en-US" dirty="0" smtClean="0"/>
+              <a:t>Stored Function Example</a:t>
+            </a:r>
+            <a:endParaRPr lang="en-US" dirty="0"/>
+          </a:p>
+        </p:txBody>
+      </p:sp>
+      <p:sp>
+        <p:nvSpPr>
+          <p:cNvPr id="3" name="Content Placeholder 2"/>
+          <p:cNvSpPr>
+            <a:spLocks noGrp="1"/>
+          </p:cNvSpPr>
+          <p:nvPr>
+            <p:ph idx="1"/>
+          </p:nvPr>
+        </p:nvSpPr>
+        <p:spPr>
+          <a:xfrm>
+            <a:off x="457200" y="1295400"/>
+            <a:ext cx="7467600" cy="4724400"/>
+          </a:xfrm>
+        </p:spPr>
+        <p:txBody>
           <a:bodyPr>
-            <a:normAutofit/>
+            <a:normAutofit fontScale="40000" lnSpcReduction="20000"/>
           </a:bodyPr>
           <a:lstStyle/>
           <a:p>
             <a:r>
-              <a:rPr lang="en-US" b="1" cap="all" dirty="0"/>
-              <a:t>Stored Function </a:t>
-            </a:r>
-            <a:r>
-              <a:rPr lang="en-US" b="1" cap="all" dirty="0" smtClean="0"/>
-              <a:t>Syntax</a:t>
-            </a:r>
-            <a:endParaRPr lang="en-US" dirty="0"/>
-          </a:p>
-        </p:txBody>
-      </p:sp>
-      <p:sp>
-        <p:nvSpPr>
-          <p:cNvPr id="3" name="Content Placeholder 2"/>
-          <p:cNvSpPr>
-            <a:spLocks noGrp="1"/>
-          </p:cNvSpPr>
-          <p:nvPr>
-            <p:ph idx="1"/>
-          </p:nvPr>
-        </p:nvSpPr>
-        <p:spPr/>
-        <p:txBody>
-          <a:bodyPr/>
-          <a:lstStyle/>
-          <a:p>
-            <a:r>
-              <a:rPr lang="en-US" dirty="0"/>
-              <a:t>To create a function you supply the following syntax:</a:t>
+              <a:rPr lang="en-US" dirty="0"/>
+              <a:t>Here’s a function that tells you how comfortable the air temperature is:</a:t>
             </a:r>
           </a:p>
           <a:p>
             <a:pPr marL="0" indent="0">
               <a:buNone/>
             </a:pPr>
-            <a:r>
-              <a:rPr lang="en-US" b="1" dirty="0"/>
+            <a:endParaRPr lang="en-US" b="1" dirty="0" smtClean="0"/>
+          </a:p>
+          <a:p>
+            <a:pPr marL="0" indent="0">
+              <a:buNone/>
+            </a:pPr>
+            <a:r>
+              <a:rPr lang="en-US" sz="3800" b="1" dirty="0" smtClean="0"/>
+              <a:t>delimiter </a:t>
+            </a:r>
+            <a:r>
+              <a:rPr lang="en-US" sz="3800" b="1" dirty="0"/>
+              <a:t>$$</a:t>
+            </a:r>
+            <a:endParaRPr lang="en-US" sz="3800" dirty="0"/>
+          </a:p>
+          <a:p>
+            <a:endParaRPr lang="en-US" sz="3800" dirty="0"/>
+          </a:p>
+          <a:p>
+            <a:pPr marL="0" indent="0">
+              <a:buNone/>
+            </a:pPr>
+            <a:r>
+              <a:rPr lang="en-US" sz="3800" b="1" dirty="0"/>
               <a:t>CREATE FUNCTION </a:t>
             </a:r>
             <a:r>
-              <a:rPr lang="en-US" b="1" dirty="0" err="1"/>
-              <a:t>db_name.sp_name</a:t>
-            </a:r>
-            <a:r>
-              <a:rPr lang="en-US" b="1" dirty="0"/>
+              <a:rPr lang="en-US" sz="3800" b="1" dirty="0" err="1" smtClean="0"/>
+              <a:t>fnHotColdWarm</a:t>
+            </a:r>
+            <a:r>
+              <a:rPr lang="en-US" sz="3800" b="1" dirty="0" smtClean="0"/>
+              <a:t> (</a:t>
+            </a:r>
+            <a:r>
+              <a:rPr lang="en-US" sz="3800" b="1" dirty="0" err="1" smtClean="0"/>
+              <a:t>Tempc</a:t>
+            </a:r>
+            <a:r>
+              <a:rPr lang="en-US" sz="3800" b="1" dirty="0" smtClean="0"/>
+              <a:t> </a:t>
+            </a:r>
+            <a:r>
+              <a:rPr lang="en-US" sz="3800" b="1" dirty="0" err="1"/>
+              <a:t>int</a:t>
+            </a:r>
+            <a:r>
+              <a:rPr lang="en-US" sz="3800" b="1" dirty="0"/>
+              <a:t>) RETURNS </a:t>
+            </a:r>
+            <a:r>
+              <a:rPr lang="en-US" sz="3800" b="1" dirty="0" err="1"/>
+              <a:t>varchar</a:t>
+            </a:r>
+            <a:r>
+              <a:rPr lang="en-US" sz="3800" b="1" dirty="0"/>
+              <a:t>(5) </a:t>
+            </a:r>
+            <a:endParaRPr lang="en-US" sz="3800" dirty="0"/>
+          </a:p>
+          <a:p>
+            <a:pPr marL="0" indent="0">
+              <a:buNone/>
+            </a:pPr>
+            <a:r>
+              <a:rPr lang="en-US" sz="3800" b="1" dirty="0"/>
+              <a:t>    DETERMINISTIC</a:t>
+            </a:r>
+            <a:endParaRPr lang="en-US" sz="3800" dirty="0"/>
+          </a:p>
+          <a:p>
+            <a:pPr marL="0" indent="0">
+              <a:buNone/>
+            </a:pPr>
+            <a:r>
+              <a:rPr lang="en-US" sz="3800" b="1" dirty="0"/>
+              <a:t>    COMMENT 'Converts </a:t>
+            </a:r>
+            <a:r>
+              <a:rPr lang="en-US" sz="3800" b="1" dirty="0" err="1"/>
+              <a:t>Celcius</a:t>
+            </a:r>
+            <a:r>
+              <a:rPr lang="en-US" sz="3800" b="1" dirty="0"/>
+              <a:t> to Fahrenheit and returns the forecast'</a:t>
+            </a:r>
+            <a:endParaRPr lang="en-US" sz="3800" dirty="0"/>
+          </a:p>
+          <a:p>
+            <a:pPr marL="0" indent="0">
+              <a:buNone/>
+            </a:pPr>
+            <a:r>
+              <a:rPr lang="en-US" sz="3800" b="1" dirty="0"/>
+              <a:t>BEGIN</a:t>
+            </a:r>
+            <a:endParaRPr lang="en-US" sz="3800" dirty="0"/>
+          </a:p>
+          <a:p>
+            <a:pPr marL="0" indent="0">
+              <a:buNone/>
+            </a:pPr>
+            <a:r>
+              <a:rPr lang="en-US" sz="3800" b="1" dirty="0"/>
+              <a:t>    DECLARE </a:t>
+            </a:r>
+            <a:r>
+              <a:rPr lang="en-US" sz="3800" b="1" dirty="0" err="1"/>
+              <a:t>TempFResult</a:t>
+            </a:r>
+            <a:r>
+              <a:rPr lang="en-US" sz="3800" b="1" dirty="0"/>
+              <a:t> </a:t>
+            </a:r>
+            <a:r>
+              <a:rPr lang="en-US" sz="3800" b="1" dirty="0" err="1"/>
+              <a:t>int</a:t>
+            </a:r>
+            <a:r>
+              <a:rPr lang="en-US" sz="3800" b="1" dirty="0"/>
+              <a:t>;</a:t>
+            </a:r>
+            <a:endParaRPr lang="en-US" sz="3800" dirty="0"/>
+          </a:p>
+          <a:p>
+            <a:pPr marL="0" indent="0">
+              <a:buNone/>
+            </a:pPr>
+            <a:r>
+              <a:rPr lang="en-US" sz="3800" b="1" dirty="0"/>
+              <a:t>    DECLARE </a:t>
+            </a:r>
+            <a:r>
+              <a:rPr lang="en-US" sz="3800" b="1" dirty="0" err="1"/>
+              <a:t>TheResult</a:t>
+            </a:r>
+            <a:r>
+              <a:rPr lang="en-US" sz="3800" b="1" dirty="0"/>
+              <a:t> </a:t>
+            </a:r>
+            <a:r>
+              <a:rPr lang="en-US" sz="3800" b="1" dirty="0" err="1"/>
+              <a:t>varchar</a:t>
+            </a:r>
+            <a:r>
+              <a:rPr lang="en-US" sz="3800" b="1" dirty="0"/>
+              <a:t>(5);</a:t>
+            </a:r>
+            <a:endParaRPr lang="en-US" sz="3800" dirty="0"/>
+          </a:p>
+          <a:p>
+            <a:pPr marL="0" indent="0">
+              <a:buNone/>
+            </a:pPr>
+            <a:r>
+              <a:rPr lang="en-US" sz="3800" b="1" dirty="0"/>
               <a:t> </a:t>
             </a:r>
-            <a:endParaRPr lang="en-US" dirty="0"/>
+            <a:endParaRPr lang="en-US" sz="3800" dirty="0"/>
           </a:p>
           <a:p>
             <a:pPr marL="0" indent="0">
               <a:buNone/>
             </a:pPr>
             <a:r>
-              <a:rPr lang="en-US" b="1" dirty="0"/>
-              <a:t>([param1 type][,param2 type][,param2 type][…]}</a:t>
-            </a:r>
-            <a:endParaRPr lang="en-US" dirty="0"/>
+              <a:rPr lang="en-US" sz="3800" b="1" dirty="0"/>
+              <a:t>    SET </a:t>
+            </a:r>
+            <a:r>
+              <a:rPr lang="en-US" sz="3800" b="1" dirty="0" err="1"/>
+              <a:t>TempFResult</a:t>
+            </a:r>
+            <a:r>
+              <a:rPr lang="en-US" sz="3800" b="1" dirty="0"/>
+              <a:t> = </a:t>
+            </a:r>
+            <a:r>
+              <a:rPr lang="en-US" sz="3800" b="1" dirty="0" err="1"/>
+              <a:t>fnCelsiusToFahrenheit</a:t>
+            </a:r>
+            <a:r>
+              <a:rPr lang="en-US" sz="3800" b="1" dirty="0"/>
+              <a:t>(</a:t>
+            </a:r>
+            <a:r>
+              <a:rPr lang="en-US" sz="3800" b="1" dirty="0" err="1"/>
+              <a:t>TempC</a:t>
+            </a:r>
+            <a:r>
+              <a:rPr lang="en-US" sz="3800" b="1" dirty="0"/>
+              <a:t>);</a:t>
+            </a:r>
+            <a:endParaRPr lang="en-US" sz="3800" dirty="0"/>
           </a:p>
           <a:p>
             <a:pPr marL="0" indent="0">
               <a:buNone/>
             </a:pPr>
             <a:r>
-              <a:rPr lang="en-US" b="1" dirty="0"/>
-              <a:t>RETURNS Type</a:t>
-            </a:r>
-            <a:endParaRPr lang="en-US" dirty="0"/>
+              <a:rPr lang="en-US" sz="3800" b="1" dirty="0"/>
+              <a:t> </a:t>
+            </a:r>
+            <a:endParaRPr lang="en-US" sz="3800" dirty="0"/>
           </a:p>
           <a:p>
             <a:pPr marL="0" indent="0">
               <a:buNone/>
             </a:pPr>
             <a:r>
-              <a:rPr lang="en-US" b="1" dirty="0"/>
-              <a:t>[characteristic ...] </a:t>
-            </a:r>
-            <a:endParaRPr lang="en-US" dirty="0"/>
+              <a:rPr lang="en-US" sz="3800" b="1" dirty="0"/>
+              <a:t>    IF </a:t>
+            </a:r>
+            <a:r>
+              <a:rPr lang="en-US" sz="3800" b="1" dirty="0" err="1"/>
+              <a:t>TempFResult</a:t>
+            </a:r>
+            <a:r>
+              <a:rPr lang="en-US" sz="3800" b="1" dirty="0"/>
+              <a:t> &lt; 60 THEN SET </a:t>
+            </a:r>
+            <a:r>
+              <a:rPr lang="en-US" sz="3800" b="1" dirty="0" err="1"/>
+              <a:t>TheResult</a:t>
+            </a:r>
+            <a:r>
+              <a:rPr lang="en-US" sz="3800" b="1" dirty="0"/>
+              <a:t> = 'Cold';</a:t>
+            </a:r>
+            <a:endParaRPr lang="en-US" sz="3800" dirty="0"/>
           </a:p>
           <a:p>
             <a:pPr marL="0" indent="0">
               <a:buNone/>
             </a:pPr>
             <a:r>
-              <a:rPr lang="en-US" b="1" dirty="0" err="1"/>
-              <a:t>routine_body</a:t>
-            </a:r>
-            <a:endParaRPr lang="en-US" dirty="0"/>
-          </a:p>
-          <a:p>
-            <a:endParaRPr lang="en-US" dirty="0"/>
+              <a:rPr lang="en-US" sz="3800" b="1" dirty="0"/>
+              <a:t>    ELSEIF </a:t>
+            </a:r>
+            <a:r>
+              <a:rPr lang="en-US" sz="3800" b="1" dirty="0" err="1"/>
+              <a:t>TempFResult</a:t>
+            </a:r>
+            <a:r>
+              <a:rPr lang="en-US" sz="3800" b="1" dirty="0"/>
+              <a:t> &gt;= 60 and </a:t>
+            </a:r>
+            <a:r>
+              <a:rPr lang="en-US" sz="3800" b="1" dirty="0" err="1"/>
+              <a:t>empFResult</a:t>
+            </a:r>
+            <a:r>
+              <a:rPr lang="en-US" sz="3800" b="1" dirty="0"/>
+              <a:t> &lt; 76 THEN SET </a:t>
+            </a:r>
+            <a:r>
+              <a:rPr lang="en-US" sz="3800" b="1" dirty="0" err="1"/>
+              <a:t>TheResult</a:t>
+            </a:r>
+            <a:r>
+              <a:rPr lang="en-US" sz="3800" b="1" dirty="0"/>
+              <a:t> = 'Warm';</a:t>
+            </a:r>
+            <a:endParaRPr lang="en-US" sz="3800" dirty="0"/>
+          </a:p>
+          <a:p>
+            <a:pPr marL="0" indent="0">
+              <a:buNone/>
+            </a:pPr>
+            <a:r>
+              <a:rPr lang="en-US" sz="3800" b="1" dirty="0"/>
+              <a:t>    ELSEIF </a:t>
+            </a:r>
+            <a:r>
+              <a:rPr lang="en-US" sz="3800" b="1" dirty="0" err="1"/>
+              <a:t>TempFResult</a:t>
+            </a:r>
+            <a:r>
+              <a:rPr lang="en-US" sz="3800" b="1" dirty="0"/>
+              <a:t> &gt;= 76 THEN SET </a:t>
+            </a:r>
+            <a:r>
+              <a:rPr lang="en-US" sz="3800" b="1" dirty="0" err="1"/>
+              <a:t>TheResult</a:t>
+            </a:r>
+            <a:r>
+              <a:rPr lang="en-US" sz="3800" b="1" dirty="0"/>
+              <a:t> = 'Hot';</a:t>
+            </a:r>
+            <a:endParaRPr lang="en-US" sz="3800" dirty="0"/>
+          </a:p>
+          <a:p>
+            <a:pPr marL="0" indent="0">
+              <a:buNone/>
+            </a:pPr>
+            <a:r>
+              <a:rPr lang="en-US" sz="3800" b="1" dirty="0"/>
+              <a:t>    END IF;</a:t>
+            </a:r>
+            <a:endParaRPr lang="en-US" sz="3800" dirty="0"/>
+          </a:p>
+          <a:p>
+            <a:pPr marL="0" indent="0">
+              <a:buNone/>
+            </a:pPr>
+            <a:r>
+              <a:rPr lang="en-US" sz="3800" b="1" dirty="0"/>
+              <a:t> </a:t>
+            </a:r>
+            <a:endParaRPr lang="en-US" sz="3800" dirty="0"/>
+          </a:p>
+          <a:p>
+            <a:pPr marL="0" indent="0">
+              <a:buNone/>
+            </a:pPr>
+            <a:r>
+              <a:rPr lang="en-US" sz="3800" b="1" dirty="0"/>
+              <a:t>    RETURN </a:t>
+            </a:r>
+            <a:r>
+              <a:rPr lang="en-US" sz="3800" b="1" dirty="0" err="1"/>
+              <a:t>TheResult</a:t>
+            </a:r>
+            <a:r>
+              <a:rPr lang="en-US" sz="3800" b="1" dirty="0"/>
+              <a:t>;</a:t>
+            </a:r>
+            <a:endParaRPr lang="en-US" sz="3800" dirty="0"/>
+          </a:p>
+          <a:p>
+            <a:pPr marL="0" indent="0">
+              <a:buNone/>
+            </a:pPr>
+            <a:r>
+              <a:rPr lang="en-US" sz="3800" b="1" dirty="0"/>
+              <a:t>END</a:t>
+            </a:r>
+            <a:r>
+              <a:rPr lang="en-US" sz="3800" b="1" dirty="0" smtClean="0"/>
+              <a:t>$$</a:t>
+            </a:r>
+            <a:endParaRPr lang="en-US" sz="3800" dirty="0"/>
           </a:p>
         </p:txBody>
       </p:sp>
     </p:spTree>
     <p:extLst>
       <p:ext uri="{BB962C8B-B14F-4D97-AF65-F5344CB8AC3E}">
-        <p14:creationId xmlns:p14="http://schemas.microsoft.com/office/powerpoint/2010/main" val="3217832735"/>
+        <p14:creationId xmlns:p14="http://schemas.microsoft.com/office/powerpoint/2010/main" val="1051330878"/>
       </p:ext>
     </p:extLst>
   </p:cSld>
@@ -13172,404 +13593,43 @@
             <p:ph type="title"/>
           </p:nvPr>
         </p:nvSpPr>
-        <p:spPr>
-          <a:xfrm>
-            <a:off x="457200" y="152400"/>
-            <a:ext cx="8229600" cy="838200"/>
-          </a:xfrm>
-        </p:spPr>
+        <p:spPr/>
+        <p:txBody>
+          <a:bodyPr>
+            <a:normAutofit fontScale="90000"/>
+          </a:bodyPr>
+          <a:lstStyle/>
+          <a:p>
+            <a:r>
+              <a:rPr lang="en-US" b="1" i="1" cap="all" dirty="0"/>
+              <a:t>Exercise 4:  Building a Simple Deterministic Stored Function</a:t>
+            </a:r>
+          </a:p>
+        </p:txBody>
+      </p:sp>
+      <p:sp>
+        <p:nvSpPr>
+          <p:cNvPr id="3" name="Content Placeholder 2"/>
+          <p:cNvSpPr>
+            <a:spLocks noGrp="1"/>
+          </p:cNvSpPr>
+          <p:nvPr>
+            <p:ph idx="1"/>
+          </p:nvPr>
+        </p:nvSpPr>
+        <p:spPr/>
         <p:txBody>
           <a:bodyPr/>
           <a:lstStyle/>
           <a:p>
-            <a:r>
-              <a:rPr lang="en-US" dirty="0" smtClean="0"/>
-              <a:t>Stored Function Example</a:t>
-            </a:r>
-            <a:endParaRPr lang="en-US" dirty="0"/>
-          </a:p>
-        </p:txBody>
-      </p:sp>
-      <p:sp>
-        <p:nvSpPr>
-          <p:cNvPr id="3" name="Content Placeholder 2"/>
-          <p:cNvSpPr>
-            <a:spLocks noGrp="1"/>
-          </p:cNvSpPr>
-          <p:nvPr>
-            <p:ph idx="1"/>
-          </p:nvPr>
-        </p:nvSpPr>
-        <p:spPr>
-          <a:xfrm>
-            <a:off x="457200" y="1295400"/>
-            <a:ext cx="7467600" cy="4724400"/>
-          </a:xfrm>
-        </p:spPr>
-        <p:txBody>
-          <a:bodyPr>
-            <a:normAutofit fontScale="40000" lnSpcReduction="20000"/>
-          </a:bodyPr>
-          <a:lstStyle/>
-          <a:p>
-            <a:r>
-              <a:rPr lang="en-US" dirty="0"/>
-              <a:t>Here’s a function that tells you how comfortable the air temperature is:</a:t>
-            </a:r>
-          </a:p>
-          <a:p>
-            <a:pPr marL="0" indent="0">
-              <a:buNone/>
-            </a:pPr>
-            <a:endParaRPr lang="en-US" b="1" dirty="0" smtClean="0"/>
-          </a:p>
-          <a:p>
-            <a:pPr marL="0" indent="0">
-              <a:buNone/>
-            </a:pPr>
-            <a:r>
-              <a:rPr lang="en-US" sz="3800" b="1" dirty="0" smtClean="0"/>
-              <a:t>delimiter </a:t>
-            </a:r>
-            <a:r>
-              <a:rPr lang="en-US" sz="3800" b="1" dirty="0"/>
-              <a:t>$$</a:t>
-            </a:r>
-            <a:endParaRPr lang="en-US" sz="3800" dirty="0"/>
-          </a:p>
-          <a:p>
-            <a:endParaRPr lang="en-US" sz="3800" dirty="0"/>
-          </a:p>
-          <a:p>
-            <a:pPr marL="0" indent="0">
-              <a:buNone/>
-            </a:pPr>
-            <a:r>
-              <a:rPr lang="en-US" sz="3800" b="1" dirty="0"/>
-              <a:t>CREATE FUNCTION </a:t>
-            </a:r>
-            <a:r>
-              <a:rPr lang="en-US" sz="3800" b="1" dirty="0" err="1" smtClean="0"/>
-              <a:t>fnHotColdWarm</a:t>
-            </a:r>
-            <a:r>
-              <a:rPr lang="en-US" sz="3800" b="1" dirty="0" smtClean="0"/>
-              <a:t> (</a:t>
-            </a:r>
-            <a:r>
-              <a:rPr lang="en-US" sz="3800" b="1" dirty="0" err="1" smtClean="0"/>
-              <a:t>Tempc</a:t>
-            </a:r>
-            <a:r>
-              <a:rPr lang="en-US" sz="3800" b="1" dirty="0" smtClean="0"/>
-              <a:t> </a:t>
-            </a:r>
-            <a:r>
-              <a:rPr lang="en-US" sz="3800" b="1" dirty="0" err="1"/>
-              <a:t>int</a:t>
-            </a:r>
-            <a:r>
-              <a:rPr lang="en-US" sz="3800" b="1" dirty="0"/>
-              <a:t>) RETURNS </a:t>
-            </a:r>
-            <a:r>
-              <a:rPr lang="en-US" sz="3800" b="1" dirty="0" err="1"/>
-              <a:t>varchar</a:t>
-            </a:r>
-            <a:r>
-              <a:rPr lang="en-US" sz="3800" b="1" dirty="0"/>
-              <a:t>(5) </a:t>
-            </a:r>
-            <a:endParaRPr lang="en-US" sz="3800" dirty="0"/>
-          </a:p>
-          <a:p>
-            <a:pPr marL="0" indent="0">
-              <a:buNone/>
-            </a:pPr>
-            <a:r>
-              <a:rPr lang="en-US" sz="3800" b="1" dirty="0"/>
-              <a:t>    DETERMINISTIC</a:t>
-            </a:r>
-            <a:endParaRPr lang="en-US" sz="3800" dirty="0"/>
-          </a:p>
-          <a:p>
-            <a:pPr marL="0" indent="0">
-              <a:buNone/>
-            </a:pPr>
-            <a:r>
-              <a:rPr lang="en-US" sz="3800" b="1" dirty="0"/>
-              <a:t>    COMMENT 'Converts </a:t>
-            </a:r>
-            <a:r>
-              <a:rPr lang="en-US" sz="3800" b="1" dirty="0" err="1"/>
-              <a:t>Celcius</a:t>
-            </a:r>
-            <a:r>
-              <a:rPr lang="en-US" sz="3800" b="1" dirty="0"/>
-              <a:t> to Fahrenheit and returns the forecast'</a:t>
-            </a:r>
-            <a:endParaRPr lang="en-US" sz="3800" dirty="0"/>
-          </a:p>
-          <a:p>
-            <a:pPr marL="0" indent="0">
-              <a:buNone/>
-            </a:pPr>
-            <a:r>
-              <a:rPr lang="en-US" sz="3800" b="1" dirty="0"/>
-              <a:t>BEGIN</a:t>
-            </a:r>
-            <a:endParaRPr lang="en-US" sz="3800" dirty="0"/>
-          </a:p>
-          <a:p>
-            <a:pPr marL="0" indent="0">
-              <a:buNone/>
-            </a:pPr>
-            <a:r>
-              <a:rPr lang="en-US" sz="3800" b="1" dirty="0"/>
-              <a:t>    DECLARE </a:t>
-            </a:r>
-            <a:r>
-              <a:rPr lang="en-US" sz="3800" b="1" dirty="0" err="1"/>
-              <a:t>TempFResult</a:t>
-            </a:r>
-            <a:r>
-              <a:rPr lang="en-US" sz="3800" b="1" dirty="0"/>
-              <a:t> </a:t>
-            </a:r>
-            <a:r>
-              <a:rPr lang="en-US" sz="3800" b="1" dirty="0" err="1"/>
-              <a:t>int</a:t>
-            </a:r>
-            <a:r>
-              <a:rPr lang="en-US" sz="3800" b="1" dirty="0"/>
-              <a:t>;</a:t>
-            </a:r>
-            <a:endParaRPr lang="en-US" sz="3800" dirty="0"/>
-          </a:p>
-          <a:p>
-            <a:pPr marL="0" indent="0">
-              <a:buNone/>
-            </a:pPr>
-            <a:r>
-              <a:rPr lang="en-US" sz="3800" b="1" dirty="0"/>
-              <a:t>    DECLARE </a:t>
-            </a:r>
-            <a:r>
-              <a:rPr lang="en-US" sz="3800" b="1" dirty="0" err="1"/>
-              <a:t>TheResult</a:t>
-            </a:r>
-            <a:r>
-              <a:rPr lang="en-US" sz="3800" b="1" dirty="0"/>
-              <a:t> </a:t>
-            </a:r>
-            <a:r>
-              <a:rPr lang="en-US" sz="3800" b="1" dirty="0" err="1"/>
-              <a:t>varchar</a:t>
-            </a:r>
-            <a:r>
-              <a:rPr lang="en-US" sz="3800" b="1" dirty="0"/>
-              <a:t>(5);</a:t>
-            </a:r>
-            <a:endParaRPr lang="en-US" sz="3800" dirty="0"/>
-          </a:p>
-          <a:p>
-            <a:pPr marL="0" indent="0">
-              <a:buNone/>
-            </a:pPr>
-            <a:r>
-              <a:rPr lang="en-US" sz="3800" b="1" dirty="0"/>
-              <a:t> </a:t>
-            </a:r>
-            <a:endParaRPr lang="en-US" sz="3800" dirty="0"/>
-          </a:p>
-          <a:p>
-            <a:pPr marL="0" indent="0">
-              <a:buNone/>
-            </a:pPr>
-            <a:r>
-              <a:rPr lang="en-US" sz="3800" b="1" dirty="0"/>
-              <a:t>    SET </a:t>
-            </a:r>
-            <a:r>
-              <a:rPr lang="en-US" sz="3800" b="1" dirty="0" err="1"/>
-              <a:t>TempFResult</a:t>
-            </a:r>
-            <a:r>
-              <a:rPr lang="en-US" sz="3800" b="1" dirty="0"/>
-              <a:t> = </a:t>
-            </a:r>
-            <a:r>
-              <a:rPr lang="en-US" sz="3800" b="1" dirty="0" err="1"/>
-              <a:t>fnCelsiusToFahrenheit</a:t>
-            </a:r>
-            <a:r>
-              <a:rPr lang="en-US" sz="3800" b="1" dirty="0"/>
-              <a:t>(</a:t>
-            </a:r>
-            <a:r>
-              <a:rPr lang="en-US" sz="3800" b="1" dirty="0" err="1"/>
-              <a:t>TempC</a:t>
-            </a:r>
-            <a:r>
-              <a:rPr lang="en-US" sz="3800" b="1" dirty="0"/>
-              <a:t>);</a:t>
-            </a:r>
-            <a:endParaRPr lang="en-US" sz="3800" dirty="0"/>
-          </a:p>
-          <a:p>
-            <a:pPr marL="0" indent="0">
-              <a:buNone/>
-            </a:pPr>
-            <a:r>
-              <a:rPr lang="en-US" sz="3800" b="1" dirty="0"/>
-              <a:t> </a:t>
-            </a:r>
-            <a:endParaRPr lang="en-US" sz="3800" dirty="0"/>
-          </a:p>
-          <a:p>
-            <a:pPr marL="0" indent="0">
-              <a:buNone/>
-            </a:pPr>
-            <a:r>
-              <a:rPr lang="en-US" sz="3800" b="1" dirty="0"/>
-              <a:t>    IF </a:t>
-            </a:r>
-            <a:r>
-              <a:rPr lang="en-US" sz="3800" b="1" dirty="0" err="1"/>
-              <a:t>TempFResult</a:t>
-            </a:r>
-            <a:r>
-              <a:rPr lang="en-US" sz="3800" b="1" dirty="0"/>
-              <a:t> &lt; 60 THEN SET </a:t>
-            </a:r>
-            <a:r>
-              <a:rPr lang="en-US" sz="3800" b="1" dirty="0" err="1"/>
-              <a:t>TheResult</a:t>
-            </a:r>
-            <a:r>
-              <a:rPr lang="en-US" sz="3800" b="1" dirty="0"/>
-              <a:t> = 'Cold';</a:t>
-            </a:r>
-            <a:endParaRPr lang="en-US" sz="3800" dirty="0"/>
-          </a:p>
-          <a:p>
-            <a:pPr marL="0" indent="0">
-              <a:buNone/>
-            </a:pPr>
-            <a:r>
-              <a:rPr lang="en-US" sz="3800" b="1" dirty="0"/>
-              <a:t>    ELSEIF </a:t>
-            </a:r>
-            <a:r>
-              <a:rPr lang="en-US" sz="3800" b="1" dirty="0" err="1"/>
-              <a:t>TempFResult</a:t>
-            </a:r>
-            <a:r>
-              <a:rPr lang="en-US" sz="3800" b="1" dirty="0"/>
-              <a:t> &gt;= 60 and </a:t>
-            </a:r>
-            <a:r>
-              <a:rPr lang="en-US" sz="3800" b="1" dirty="0" err="1"/>
-              <a:t>empFResult</a:t>
-            </a:r>
-            <a:r>
-              <a:rPr lang="en-US" sz="3800" b="1" dirty="0"/>
-              <a:t> &lt; 76 THEN SET </a:t>
-            </a:r>
-            <a:r>
-              <a:rPr lang="en-US" sz="3800" b="1" dirty="0" err="1"/>
-              <a:t>TheResult</a:t>
-            </a:r>
-            <a:r>
-              <a:rPr lang="en-US" sz="3800" b="1" dirty="0"/>
-              <a:t> = 'Warm';</a:t>
-            </a:r>
-            <a:endParaRPr lang="en-US" sz="3800" dirty="0"/>
-          </a:p>
-          <a:p>
-            <a:pPr marL="0" indent="0">
-              <a:buNone/>
-            </a:pPr>
-            <a:r>
-              <a:rPr lang="en-US" sz="3800" b="1" dirty="0"/>
-              <a:t>    ELSEIF </a:t>
-            </a:r>
-            <a:r>
-              <a:rPr lang="en-US" sz="3800" b="1" dirty="0" err="1"/>
-              <a:t>TempFResult</a:t>
-            </a:r>
-            <a:r>
-              <a:rPr lang="en-US" sz="3800" b="1" dirty="0"/>
-              <a:t> &gt;= 76 THEN SET </a:t>
-            </a:r>
-            <a:r>
-              <a:rPr lang="en-US" sz="3800" b="1" dirty="0" err="1"/>
-              <a:t>TheResult</a:t>
-            </a:r>
-            <a:r>
-              <a:rPr lang="en-US" sz="3800" b="1" dirty="0"/>
-              <a:t> = 'Hot';</a:t>
-            </a:r>
-            <a:endParaRPr lang="en-US" sz="3800" dirty="0"/>
-          </a:p>
-          <a:p>
-            <a:pPr marL="0" indent="0">
-              <a:buNone/>
-            </a:pPr>
-            <a:r>
-              <a:rPr lang="en-US" sz="3800" b="1" dirty="0"/>
-              <a:t>    END IF;</a:t>
-            </a:r>
-            <a:endParaRPr lang="en-US" sz="3800" dirty="0"/>
-          </a:p>
-          <a:p>
-            <a:pPr marL="0" indent="0">
-              <a:buNone/>
-            </a:pPr>
-            <a:r>
-              <a:rPr lang="en-US" sz="3800" b="1" dirty="0"/>
-              <a:t> </a:t>
-            </a:r>
-            <a:endParaRPr lang="en-US" sz="3800" dirty="0"/>
-          </a:p>
-          <a:p>
-            <a:pPr marL="0" indent="0">
-              <a:buNone/>
-            </a:pPr>
-            <a:r>
-              <a:rPr lang="en-US" sz="3800" b="1" dirty="0"/>
-              <a:t>    RETURN </a:t>
-            </a:r>
-            <a:r>
-              <a:rPr lang="en-US" sz="3800" b="1" dirty="0" err="1"/>
-              <a:t>TheResult</a:t>
-            </a:r>
-            <a:r>
-              <a:rPr lang="en-US" sz="3800" b="1" dirty="0"/>
-              <a:t>;</a:t>
-            </a:r>
-            <a:endParaRPr lang="en-US" sz="3800" dirty="0"/>
-          </a:p>
-          <a:p>
-            <a:pPr marL="0" indent="0">
-              <a:buNone/>
-            </a:pPr>
-            <a:r>
-              <a:rPr lang="en-US" sz="3800" b="1" dirty="0"/>
-              <a:t>END</a:t>
-            </a:r>
-            <a:r>
-              <a:rPr lang="en-US" sz="3800" b="1" dirty="0" smtClean="0"/>
-              <a:t>$$</a:t>
-            </a:r>
-            <a:endParaRPr lang="en-US" sz="3800" dirty="0"/>
+            <a:endParaRPr lang="en-US"/>
           </a:p>
         </p:txBody>
       </p:sp>
     </p:spTree>
     <p:extLst>
       <p:ext uri="{BB962C8B-B14F-4D97-AF65-F5344CB8AC3E}">
-        <p14:creationId xmlns:p14="http://schemas.microsoft.com/office/powerpoint/2010/main" val="1051330878"/>
+        <p14:creationId xmlns:p14="http://schemas.microsoft.com/office/powerpoint/2010/main" val="647721507"/>
       </p:ext>
     </p:extLst>
   </p:cSld>
@@ -13606,17 +13666,27 @@
             <p:ph type="title"/>
           </p:nvPr>
         </p:nvSpPr>
-        <p:spPr/>
+        <p:spPr>
+          <a:xfrm>
+            <a:off x="457200" y="274638"/>
+            <a:ext cx="8229600" cy="868362"/>
+          </a:xfrm>
+        </p:spPr>
         <p:txBody>
           <a:bodyPr>
-            <a:normAutofit fontScale="90000"/>
+            <a:normAutofit/>
           </a:bodyPr>
           <a:lstStyle/>
           <a:p>
             <a:r>
-              <a:rPr lang="en-US" b="1" i="1" cap="all" dirty="0"/>
-              <a:t>Exercise 4:  Building a Simple Deterministic Stored Function</a:t>
-            </a:r>
+              <a:rPr lang="en-US" b="1" cap="all" dirty="0"/>
+              <a:t>Naming your stored </a:t>
+            </a:r>
+            <a:r>
+              <a:rPr lang="en-US" b="1" cap="all" dirty="0" smtClean="0"/>
+              <a:t>routine</a:t>
+            </a:r>
+            <a:endParaRPr lang="en-US" dirty="0"/>
           </a:p>
         </p:txBody>
       </p:sp>
@@ -13630,19 +13700,45 @@
             <p:ph idx="1"/>
           </p:nvPr>
         </p:nvSpPr>
-        <p:spPr/>
+        <p:spPr>
+          <a:xfrm>
+            <a:off x="457200" y="1143000"/>
+            <a:ext cx="8229600" cy="4983163"/>
+          </a:xfrm>
+        </p:spPr>
         <p:txBody>
           <a:bodyPr/>
           <a:lstStyle/>
           <a:p>
-            <a:endParaRPr lang="en-US"/>
+            <a:r>
+              <a:rPr lang="en-US" dirty="0"/>
+              <a:t>By default, a routine is associated with the default </a:t>
+            </a:r>
+            <a:r>
+              <a:rPr lang="en-US" dirty="0" smtClean="0"/>
+              <a:t>database</a:t>
+            </a:r>
+          </a:p>
+          <a:p>
+            <a:r>
+              <a:rPr lang="en-US" dirty="0"/>
+              <a:t>To associate the routine explicitly with a given database, specify the name as </a:t>
+            </a:r>
+            <a:r>
+              <a:rPr lang="en-US" b="1" dirty="0" err="1"/>
+              <a:t>db_name.sp_name</a:t>
+            </a:r>
+            <a:r>
+              <a:rPr lang="en-US" dirty="0"/>
+              <a:t> when you create it.</a:t>
+            </a:r>
           </a:p>
         </p:txBody>
       </p:sp>
     </p:spTree>
     <p:extLst>
       <p:ext uri="{BB962C8B-B14F-4D97-AF65-F5344CB8AC3E}">
-        <p14:creationId xmlns:p14="http://schemas.microsoft.com/office/powerpoint/2010/main" val="647721507"/>
+        <p14:creationId xmlns:p14="http://schemas.microsoft.com/office/powerpoint/2010/main" val="4137669801"/>
       </p:ext>
     </p:extLst>
   </p:cSld>
@@ -13681,25 +13777,19 @@
         </p:nvSpPr>
         <p:spPr>
           <a:xfrm>
-            <a:off x="457200" y="274638"/>
-            <a:ext cx="8229600" cy="868362"/>
+            <a:off x="457200" y="33068"/>
+            <a:ext cx="8229600" cy="792162"/>
           </a:xfrm>
         </p:spPr>
         <p:txBody>
-          <a:bodyPr>
-            <a:normAutofit/>
-          </a:bodyPr>
-          <a:lstStyle/>
-          <a:p>
-            <a:r>
-              <a:rPr lang="en-US" b="1" cap="all" dirty="0"/>
-              <a:t>Naming your stored </a:t>
-            </a:r>
-            <a:r>
-              <a:rPr lang="en-US" b="1" cap="all" dirty="0" smtClean="0"/>
-              <a:t>routine</a:t>
-            </a:r>
-            <a:endParaRPr lang="en-US" dirty="0"/>
+          <a:bodyPr/>
+          <a:lstStyle/>
+          <a:p>
+            <a:r>
+              <a:rPr lang="en-US" b="1" dirty="0" smtClean="0"/>
+              <a:t>Stored Procedure Example</a:t>
+            </a:r>
+            <a:endParaRPr lang="en-US" b="1" dirty="0"/>
           </a:p>
         </p:txBody>
       </p:sp>
@@ -13715,44 +13805,401 @@
         </p:nvSpPr>
         <p:spPr>
           <a:xfrm>
-            <a:off x="457200" y="1143000"/>
-            <a:ext cx="8229600" cy="4983163"/>
+            <a:off x="304800" y="838200"/>
+            <a:ext cx="8534400" cy="5334000"/>
           </a:xfrm>
         </p:spPr>
         <p:txBody>
-          <a:bodyPr/>
-          <a:lstStyle/>
-          <a:p>
-            <a:r>
-              <a:rPr lang="en-US" dirty="0"/>
-              <a:t>By default, a routine is associated with the default </a:t>
-            </a:r>
-            <a:r>
-              <a:rPr lang="en-US" dirty="0" smtClean="0"/>
-              <a:t>database</a:t>
-            </a:r>
-          </a:p>
-          <a:p>
-            <a:r>
-              <a:rPr lang="en-US" dirty="0"/>
-              <a:t>To associate the routine explicitly with a given database, specify the name as </a:t>
-            </a:r>
-            <a:r>
-              <a:rPr lang="en-US" b="1" dirty="0" err="1"/>
-              <a:t>db_name.sp_name</a:t>
-            </a:r>
-            <a:r>
-              <a:rPr lang="en-US" dirty="0"/>
-              <a:t> when you create it.</a:t>
-            </a:r>
-            <a:endParaRPr lang="en-US" dirty="0"/>
+          <a:bodyPr>
+            <a:noAutofit/>
+          </a:bodyPr>
+          <a:lstStyle/>
+          <a:p>
+            <a:pPr marL="0" indent="0">
+              <a:buNone/>
+            </a:pPr>
+            <a:r>
+              <a:rPr lang="en-US" sz="1600" b="1" dirty="0"/>
+              <a:t>DROP PROCEDURE IF EXISTS baseball.usp_insert_team</a:t>
+            </a:r>
+            <a:r>
+              <a:rPr lang="en-US" sz="1600" b="1" dirty="0" smtClean="0"/>
+              <a:t>;</a:t>
+            </a:r>
+            <a:endParaRPr lang="en-US" sz="1600" dirty="0"/>
+          </a:p>
+          <a:p>
+            <a:pPr marL="0" indent="0">
+              <a:buNone/>
+            </a:pPr>
+            <a:r>
+              <a:rPr lang="en-US" sz="1600" b="1" dirty="0"/>
+              <a:t>DELIMITER </a:t>
+            </a:r>
+            <a:r>
+              <a:rPr lang="en-US" sz="1600" b="1" dirty="0" smtClean="0"/>
+              <a:t>$$</a:t>
+            </a:r>
+          </a:p>
+          <a:p>
+            <a:pPr marL="0" indent="0">
+              <a:buNone/>
+            </a:pPr>
+            <a:endParaRPr lang="en-US" sz="1600" dirty="0"/>
+          </a:p>
+          <a:p>
+            <a:pPr marL="0" indent="0">
+              <a:buNone/>
+            </a:pPr>
+            <a:r>
+              <a:rPr lang="en-US" sz="1600" b="1" dirty="0"/>
+              <a:t>CREATE PROCEDURE </a:t>
+            </a:r>
+            <a:r>
+              <a:rPr lang="en-US" sz="1600" b="1" dirty="0" smtClean="0"/>
+              <a:t>baseball.usp_insert_team (</a:t>
+            </a:r>
+            <a:endParaRPr lang="en-US" sz="1600" dirty="0"/>
+          </a:p>
+          <a:p>
+            <a:pPr marL="0" indent="0">
+              <a:buNone/>
+            </a:pPr>
+            <a:r>
+              <a:rPr lang="en-US" sz="1600" b="1" dirty="0"/>
+              <a:t>  IN </a:t>
+            </a:r>
+            <a:r>
+              <a:rPr lang="en-US" sz="1600" b="1" dirty="0" err="1"/>
+              <a:t>p_teamname</a:t>
+            </a:r>
+            <a:r>
+              <a:rPr lang="en-US" sz="1600" b="1" dirty="0"/>
+              <a:t> </a:t>
+            </a:r>
+            <a:r>
+              <a:rPr lang="en-US" sz="1600" b="1" dirty="0" err="1"/>
+              <a:t>varchar</a:t>
+            </a:r>
+            <a:r>
+              <a:rPr lang="en-US" sz="1600" b="1" dirty="0"/>
+              <a:t>(75)</a:t>
+            </a:r>
+            <a:endParaRPr lang="en-US" sz="1600" dirty="0"/>
+          </a:p>
+          <a:p>
+            <a:pPr marL="0" indent="0">
+              <a:buNone/>
+            </a:pPr>
+            <a:r>
+              <a:rPr lang="en-US" sz="1600" b="1" dirty="0"/>
+              <a:t>, IN </a:t>
+            </a:r>
+            <a:r>
+              <a:rPr lang="en-US" sz="1600" b="1" dirty="0" err="1"/>
+              <a:t>p_abbreviation</a:t>
+            </a:r>
+            <a:r>
+              <a:rPr lang="en-US" sz="1600" b="1" dirty="0"/>
+              <a:t> char(3)</a:t>
+            </a:r>
+            <a:endParaRPr lang="en-US" sz="1600" dirty="0"/>
+          </a:p>
+          <a:p>
+            <a:pPr marL="0" indent="0">
+              <a:buNone/>
+            </a:pPr>
+            <a:r>
+              <a:rPr lang="en-US" sz="1600" b="1" dirty="0"/>
+              <a:t>, IN </a:t>
+            </a:r>
+            <a:r>
+              <a:rPr lang="en-US" sz="1600" b="1" dirty="0" err="1"/>
+              <a:t>p_league</a:t>
+            </a:r>
+            <a:r>
+              <a:rPr lang="en-US" sz="1600" b="1" dirty="0"/>
+              <a:t> </a:t>
+            </a:r>
+            <a:r>
+              <a:rPr lang="en-US" sz="1600" b="1" dirty="0" err="1"/>
+              <a:t>enum</a:t>
+            </a:r>
+            <a:r>
+              <a:rPr lang="en-US" sz="1600" b="1" dirty="0"/>
+              <a:t>('AL','NL')</a:t>
+            </a:r>
+            <a:endParaRPr lang="en-US" sz="1600" dirty="0"/>
+          </a:p>
+          <a:p>
+            <a:pPr marL="0" indent="0">
+              <a:buNone/>
+            </a:pPr>
+            <a:r>
+              <a:rPr lang="en-US" sz="1600" b="1" dirty="0"/>
+              <a:t>, IN </a:t>
+            </a:r>
+            <a:r>
+              <a:rPr lang="en-US" sz="1600" b="1" dirty="0" err="1"/>
+              <a:t>p_divisionname</a:t>
+            </a:r>
+            <a:r>
+              <a:rPr lang="en-US" sz="1600" b="1" dirty="0"/>
+              <a:t> </a:t>
+            </a:r>
+            <a:r>
+              <a:rPr lang="en-US" sz="1600" b="1" dirty="0" err="1"/>
+              <a:t>enum</a:t>
+            </a:r>
+            <a:r>
+              <a:rPr lang="en-US" sz="1600" b="1" dirty="0"/>
+              <a:t>('AL EAST','AL CENTRAL','AL WEST','NL EAST','NL CENTRAL','NL WEST') </a:t>
+            </a:r>
+            <a:endParaRPr lang="en-US" sz="1600" dirty="0"/>
+          </a:p>
+          <a:p>
+            <a:pPr marL="0" indent="0">
+              <a:buNone/>
+            </a:pPr>
+            <a:r>
+              <a:rPr lang="en-US" sz="1600" b="1" dirty="0"/>
+              <a:t>, OUT </a:t>
+            </a:r>
+            <a:r>
+              <a:rPr lang="en-US" sz="1600" b="1" dirty="0" err="1"/>
+              <a:t>p_teamid</a:t>
+            </a:r>
+            <a:r>
+              <a:rPr lang="en-US" sz="1600" b="1" dirty="0"/>
+              <a:t> INT</a:t>
+            </a:r>
+            <a:endParaRPr lang="en-US" sz="1600" dirty="0"/>
+          </a:p>
+          <a:p>
+            <a:pPr marL="0" indent="0">
+              <a:buNone/>
+            </a:pPr>
+            <a:r>
+              <a:rPr lang="en-US" sz="1600" b="1" dirty="0"/>
+              <a:t>)</a:t>
+            </a:r>
+            <a:endParaRPr lang="en-US" sz="1600" dirty="0"/>
+          </a:p>
+          <a:p>
+            <a:pPr marL="0" indent="0">
+              <a:buNone/>
+            </a:pPr>
+            <a:r>
+              <a:rPr lang="en-US" sz="1600" b="1" dirty="0" smtClean="0"/>
+              <a:t>BEGIN</a:t>
+            </a:r>
+            <a:endParaRPr lang="en-US" sz="1600" dirty="0"/>
+          </a:p>
+          <a:p>
+            <a:pPr marL="0" indent="0">
+              <a:buNone/>
+            </a:pPr>
+            <a:r>
+              <a:rPr lang="en-US" sz="1600" b="1" dirty="0" smtClean="0"/>
+              <a:t>/* The </a:t>
+            </a:r>
+            <a:r>
+              <a:rPr lang="en-US" sz="1600" b="1" dirty="0"/>
+              <a:t>logic goes in between the BEGIN and END </a:t>
+            </a:r>
+            <a:r>
+              <a:rPr lang="en-US" sz="1600" dirty="0" smtClean="0"/>
+              <a:t>.  </a:t>
+            </a:r>
+            <a:r>
+              <a:rPr lang="en-US" sz="1600" b="1" dirty="0" smtClean="0"/>
+              <a:t>The </a:t>
+            </a:r>
+            <a:r>
+              <a:rPr lang="en-US" sz="1600" b="1" dirty="0"/>
+              <a:t>logic below takes the parameters from the </a:t>
+            </a:r>
+            <a:r>
+              <a:rPr lang="en-US" sz="1600" b="1" dirty="0" smtClean="0"/>
+              <a:t>procedure and </a:t>
+            </a:r>
+            <a:r>
+              <a:rPr lang="en-US" sz="1600" b="1" dirty="0"/>
+              <a:t>inserts a row into the team table. </a:t>
+            </a:r>
+            <a:r>
+              <a:rPr lang="en-US" sz="1600" b="1" dirty="0" smtClean="0"/>
+              <a:t>*/</a:t>
+            </a:r>
+            <a:endParaRPr lang="en-US" sz="1600" dirty="0"/>
+          </a:p>
+          <a:p>
+            <a:pPr marL="0" indent="0">
+              <a:buNone/>
+            </a:pPr>
+            <a:r>
+              <a:rPr lang="en-US" sz="1600" b="1" dirty="0"/>
+              <a:t>INSERT INTO </a:t>
+            </a:r>
+            <a:r>
+              <a:rPr lang="en-US" sz="1600" b="1" dirty="0" err="1"/>
+              <a:t>baseball.team</a:t>
+            </a:r>
+            <a:endParaRPr lang="en-US" sz="1600" dirty="0"/>
+          </a:p>
+          <a:p>
+            <a:pPr marL="0" indent="0">
+              <a:buNone/>
+            </a:pPr>
+            <a:r>
+              <a:rPr lang="en-US" sz="1600" b="1" dirty="0" smtClean="0"/>
+              <a:t>(</a:t>
+            </a:r>
+            <a:r>
+              <a:rPr lang="en-US" sz="1600" b="1" dirty="0" err="1" smtClean="0"/>
+              <a:t>TeamName</a:t>
+            </a:r>
+            <a:r>
+              <a:rPr lang="en-US" sz="1600" b="1" dirty="0" smtClean="0"/>
+              <a:t>,</a:t>
+            </a:r>
+            <a:r>
+              <a:rPr lang="en-US" sz="1600" dirty="0"/>
+              <a:t> </a:t>
+            </a:r>
+            <a:r>
+              <a:rPr lang="en-US" sz="1600" b="1" dirty="0" smtClean="0"/>
+              <a:t>ABBR,</a:t>
+            </a:r>
+            <a:r>
+              <a:rPr lang="en-US" sz="1600" dirty="0"/>
+              <a:t> </a:t>
+            </a:r>
+            <a:r>
+              <a:rPr lang="en-US" sz="1600" b="1" dirty="0" smtClean="0"/>
+              <a:t>League,</a:t>
+            </a:r>
+            <a:r>
+              <a:rPr lang="en-US" sz="1600" dirty="0"/>
+              <a:t> </a:t>
+            </a:r>
+            <a:r>
+              <a:rPr lang="en-US" sz="1600" b="1" dirty="0" err="1" smtClean="0"/>
+              <a:t>DivisionName</a:t>
+            </a:r>
+            <a:r>
+              <a:rPr lang="en-US" sz="1600" b="1" dirty="0" smtClean="0"/>
+              <a:t>)</a:t>
+            </a:r>
+            <a:endParaRPr lang="en-US" sz="1600" dirty="0"/>
+          </a:p>
+          <a:p>
+            <a:pPr marL="0" indent="0">
+              <a:buNone/>
+            </a:pPr>
+            <a:r>
+              <a:rPr lang="en-US" sz="1600" b="1" dirty="0" smtClean="0"/>
+              <a:t>VALUES</a:t>
+            </a:r>
+            <a:r>
+              <a:rPr lang="en-US" sz="1600" dirty="0"/>
+              <a:t> </a:t>
+            </a:r>
+            <a:r>
+              <a:rPr lang="en-US" sz="1600" b="1" dirty="0" smtClean="0"/>
+              <a:t>(</a:t>
+            </a:r>
+            <a:r>
+              <a:rPr lang="en-US" sz="1600" b="1" dirty="0" err="1" smtClean="0"/>
+              <a:t>p_teamname</a:t>
+            </a:r>
+            <a:r>
+              <a:rPr lang="en-US" sz="1600" b="1" dirty="0" smtClean="0"/>
+              <a:t>, </a:t>
+            </a:r>
+            <a:r>
+              <a:rPr lang="en-US" sz="1600" b="1" dirty="0" err="1" smtClean="0"/>
+              <a:t>p_abbreviation</a:t>
+            </a:r>
+            <a:r>
+              <a:rPr lang="en-US" sz="1600" b="1" dirty="0" smtClean="0"/>
+              <a:t>, </a:t>
+            </a:r>
+            <a:r>
+              <a:rPr lang="en-US" sz="1600" b="1" dirty="0" err="1" smtClean="0"/>
+              <a:t>p_league</a:t>
+            </a:r>
+            <a:r>
+              <a:rPr lang="en-US" sz="1600" b="1" dirty="0" smtClean="0"/>
+              <a:t>, </a:t>
+            </a:r>
+            <a:r>
+              <a:rPr lang="en-US" sz="1600" b="1" dirty="0" err="1" smtClean="0"/>
+              <a:t>p_divisionname</a:t>
+            </a:r>
+            <a:r>
+              <a:rPr lang="en-US" sz="1600" b="1" dirty="0" smtClean="0"/>
+              <a:t>);</a:t>
+            </a:r>
+          </a:p>
+          <a:p>
+            <a:pPr marL="0" indent="0">
+              <a:buNone/>
+            </a:pPr>
+            <a:endParaRPr lang="en-US" sz="1600" dirty="0"/>
+          </a:p>
+          <a:p>
+            <a:pPr marL="0" indent="0">
+              <a:buNone/>
+            </a:pPr>
+            <a:r>
+              <a:rPr lang="en-US" sz="1600" b="1" dirty="0"/>
+              <a:t>SET </a:t>
+            </a:r>
+            <a:r>
+              <a:rPr lang="en-US" sz="1600" b="1" dirty="0" err="1"/>
+              <a:t>p_teamid</a:t>
+            </a:r>
+            <a:r>
+              <a:rPr lang="en-US" sz="1600" b="1" dirty="0"/>
+              <a:t> = LAST_INSERT_ID</a:t>
+            </a:r>
+            <a:r>
+              <a:rPr lang="en-US" sz="1600" b="1" dirty="0" smtClean="0"/>
+              <a:t>();</a:t>
+            </a:r>
+            <a:endParaRPr lang="en-US" sz="1600" dirty="0"/>
+          </a:p>
+          <a:p>
+            <a:pPr marL="0" indent="0">
+              <a:buNone/>
+            </a:pPr>
+            <a:r>
+              <a:rPr lang="en-US" sz="1600" b="1" dirty="0"/>
+              <a:t>END$$</a:t>
+            </a:r>
+            <a:endParaRPr lang="en-US" sz="1600" dirty="0"/>
+          </a:p>
+          <a:p>
+            <a:pPr marL="0" indent="0">
+              <a:buNone/>
+            </a:pPr>
+            <a:r>
+              <a:rPr lang="en-US" sz="1600" b="1" dirty="0"/>
+              <a:t>DELIMITER </a:t>
+            </a:r>
+            <a:r>
+              <a:rPr lang="en-US" sz="1600" b="1" dirty="0" smtClean="0"/>
+              <a:t>;</a:t>
+            </a:r>
+            <a:endParaRPr lang="en-US" sz="1600" dirty="0"/>
           </a:p>
         </p:txBody>
       </p:sp>
     </p:spTree>
     <p:extLst>
       <p:ext uri="{BB962C8B-B14F-4D97-AF65-F5344CB8AC3E}">
-        <p14:creationId xmlns:p14="http://schemas.microsoft.com/office/powerpoint/2010/main" val="4137669801"/>
+        <p14:creationId xmlns:p14="http://schemas.microsoft.com/office/powerpoint/2010/main" val="1055255097"/>
       </p:ext>
     </p:extLst>
   </p:cSld>
@@ -13789,21 +14236,22 @@
             <p:ph type="title"/>
           </p:nvPr>
         </p:nvSpPr>
-        <p:spPr>
-          <a:xfrm>
-            <a:off x="457200" y="33068"/>
-            <a:ext cx="8229600" cy="792162"/>
-          </a:xfrm>
-        </p:spPr>
-        <p:txBody>
-          <a:bodyPr/>
-          <a:lstStyle/>
-          <a:p>
-            <a:r>
-              <a:rPr lang="en-US" b="1" dirty="0" smtClean="0"/>
-              <a:t>Stored Procedure Example</a:t>
-            </a:r>
-            <a:endParaRPr lang="en-US" b="1" dirty="0"/>
+        <p:spPr/>
+        <p:txBody>
+          <a:bodyPr>
+            <a:normAutofit/>
+          </a:bodyPr>
+          <a:lstStyle/>
+          <a:p>
+            <a:r>
+              <a:rPr lang="en-US" b="1" cap="all" dirty="0"/>
+              <a:t>BEGIN and END </a:t>
+            </a:r>
+            <a:r>
+              <a:rPr lang="en-US" b="1" cap="all" dirty="0" smtClean="0"/>
+              <a:t>blocks</a:t>
+            </a:r>
+            <a:endParaRPr lang="en-US" dirty="0"/>
           </a:p>
         </p:txBody>
       </p:sp>
@@ -13817,403 +14265,72 @@
             <p:ph idx="1"/>
           </p:nvPr>
         </p:nvSpPr>
-        <p:spPr>
-          <a:xfrm>
-            <a:off x="304800" y="838200"/>
-            <a:ext cx="8534400" cy="5334000"/>
-          </a:xfrm>
-        </p:spPr>
+        <p:spPr/>
         <p:txBody>
           <a:bodyPr>
-            <a:noAutofit/>
+            <a:normAutofit fontScale="92500" lnSpcReduction="10000"/>
           </a:bodyPr>
           <a:lstStyle/>
           <a:p>
-            <a:pPr marL="0" indent="0">
-              <a:buNone/>
-            </a:pPr>
-            <a:r>
-              <a:rPr lang="en-US" sz="1600" b="1" dirty="0"/>
-              <a:t>DROP PROCEDURE IF EXISTS baseball.usp_insert_team</a:t>
-            </a:r>
-            <a:r>
-              <a:rPr lang="en-US" sz="1600" b="1" dirty="0" smtClean="0"/>
-              <a:t>;</a:t>
-            </a:r>
-            <a:endParaRPr lang="en-US" sz="1600" dirty="0"/>
-          </a:p>
-          <a:p>
-            <a:pPr marL="0" indent="0">
-              <a:buNone/>
-            </a:pPr>
-            <a:r>
-              <a:rPr lang="en-US" sz="1600" b="1" dirty="0"/>
-              <a:t>DELIMITER </a:t>
-            </a:r>
-            <a:r>
-              <a:rPr lang="en-US" sz="1600" b="1" dirty="0" smtClean="0"/>
-              <a:t>$$</a:t>
-            </a:r>
-          </a:p>
-          <a:p>
-            <a:pPr marL="0" indent="0">
-              <a:buNone/>
-            </a:pPr>
-            <a:endParaRPr lang="en-US" sz="1600" dirty="0"/>
-          </a:p>
-          <a:p>
-            <a:pPr marL="0" indent="0">
-              <a:buNone/>
-            </a:pPr>
-            <a:r>
-              <a:rPr lang="en-US" sz="1600" b="1" dirty="0"/>
-              <a:t>CREATE PROCEDURE </a:t>
-            </a:r>
-            <a:r>
-              <a:rPr lang="en-US" sz="1600" b="1" dirty="0" smtClean="0"/>
-              <a:t>baseball.usp_insert_team (</a:t>
-            </a:r>
-            <a:endParaRPr lang="en-US" sz="1600" dirty="0"/>
-          </a:p>
-          <a:p>
-            <a:pPr marL="0" indent="0">
-              <a:buNone/>
-            </a:pPr>
-            <a:r>
-              <a:rPr lang="en-US" sz="1600" b="1" dirty="0"/>
-              <a:t>  IN </a:t>
-            </a:r>
-            <a:r>
-              <a:rPr lang="en-US" sz="1600" b="1" dirty="0" err="1"/>
-              <a:t>p_teamname</a:t>
-            </a:r>
-            <a:r>
-              <a:rPr lang="en-US" sz="1600" b="1" dirty="0"/>
+            <a:r>
+              <a:rPr lang="en-US" dirty="0"/>
+              <a:t>Stored programs contain one or more blocks which contain one or multiple statements. </a:t>
+            </a:r>
+            <a:endParaRPr lang="en-US" dirty="0" smtClean="0"/>
+          </a:p>
+          <a:p>
+            <a:r>
+              <a:rPr lang="en-US" dirty="0" smtClean="0"/>
+              <a:t>A </a:t>
+            </a:r>
+            <a:r>
+              <a:rPr lang="en-US" dirty="0"/>
+              <a:t>block is enclosed by the BEGIN and END keywords</a:t>
+            </a:r>
+            <a:r>
+              <a:rPr lang="en-US" dirty="0" smtClean="0"/>
+              <a:t>.</a:t>
+            </a:r>
+          </a:p>
+          <a:p>
+            <a:r>
+              <a:rPr lang="en-US" dirty="0"/>
+              <a:t>A</a:t>
+            </a:r>
+            <a:r>
+              <a:rPr lang="en-US" dirty="0" smtClean="0"/>
               <a:t> </a:t>
             </a:r>
             <a:r>
-              <a:rPr lang="en-US" sz="1600" b="1" dirty="0" err="1"/>
-              <a:t>varchar</a:t>
-            </a:r>
-            <a:r>
-              <a:rPr lang="en-US" sz="1600" b="1" dirty="0"/>
-              <a:t>(75)</a:t>
-            </a:r>
-            <a:endParaRPr lang="en-US" sz="1600" dirty="0"/>
-          </a:p>
-          <a:p>
-            <a:pPr marL="0" indent="0">
-              <a:buNone/>
-            </a:pPr>
-            <a:r>
-              <a:rPr lang="en-US" sz="1600" b="1" dirty="0"/>
-              <a:t>, IN </a:t>
-            </a:r>
-            <a:r>
-              <a:rPr lang="en-US" sz="1600" b="1" dirty="0" err="1"/>
-              <a:t>p_abbreviation</a:t>
-            </a:r>
-            <a:r>
-              <a:rPr lang="en-US" sz="1600" b="1" dirty="0"/>
-              <a:t> char(3)</a:t>
-            </a:r>
-            <a:endParaRPr lang="en-US" sz="1600" dirty="0"/>
-          </a:p>
-          <a:p>
-            <a:pPr marL="0" indent="0">
-              <a:buNone/>
-            </a:pPr>
-            <a:r>
-              <a:rPr lang="en-US" sz="1600" b="1" dirty="0"/>
-              <a:t>, IN </a:t>
-            </a:r>
-            <a:r>
-              <a:rPr lang="en-US" sz="1600" b="1" dirty="0" err="1"/>
-              <a:t>p_league</a:t>
-            </a:r>
-            <a:r>
-              <a:rPr lang="en-US" sz="1600" b="1" dirty="0"/>
-              <a:t> </a:t>
-            </a:r>
-            <a:r>
-              <a:rPr lang="en-US" sz="1600" b="1" dirty="0" err="1"/>
-              <a:t>enum</a:t>
-            </a:r>
-            <a:r>
-              <a:rPr lang="en-US" sz="1600" b="1" dirty="0"/>
-              <a:t>('AL','NL')</a:t>
-            </a:r>
-            <a:endParaRPr lang="en-US" sz="1600" dirty="0"/>
-          </a:p>
-          <a:p>
-            <a:pPr marL="0" indent="0">
-              <a:buNone/>
-            </a:pPr>
-            <a:r>
-              <a:rPr lang="en-US" sz="1600" b="1" dirty="0"/>
-              <a:t>, IN </a:t>
-            </a:r>
-            <a:r>
-              <a:rPr lang="en-US" sz="1600" b="1" dirty="0" err="1"/>
-              <a:t>p_divisionname</a:t>
-            </a:r>
-            <a:r>
-              <a:rPr lang="en-US" sz="1600" b="1" dirty="0"/>
-              <a:t> </a:t>
-            </a:r>
-            <a:r>
-              <a:rPr lang="en-US" sz="1600" b="1" dirty="0" err="1"/>
-              <a:t>enum</a:t>
-            </a:r>
-            <a:r>
-              <a:rPr lang="en-US" sz="1600" b="1" dirty="0"/>
-              <a:t>('AL EAST','AL CENTRAL','AL WEST','NL EAST','NL CENTRAL','NL WEST') </a:t>
-            </a:r>
-            <a:endParaRPr lang="en-US" sz="1600" dirty="0"/>
-          </a:p>
-          <a:p>
-            <a:pPr marL="0" indent="0">
-              <a:buNone/>
-            </a:pPr>
-            <a:r>
-              <a:rPr lang="en-US" sz="1600" b="1" dirty="0"/>
-              <a:t>, OUT </a:t>
-            </a:r>
-            <a:r>
-              <a:rPr lang="en-US" sz="1600" b="1" dirty="0" err="1"/>
-              <a:t>p_teamid</a:t>
-            </a:r>
-            <a:r>
-              <a:rPr lang="en-US" sz="1600" b="1" dirty="0"/>
-              <a:t> INT</a:t>
-            </a:r>
-            <a:endParaRPr lang="en-US" sz="1600" dirty="0"/>
-          </a:p>
-          <a:p>
-            <a:pPr marL="0" indent="0">
-              <a:buNone/>
-            </a:pPr>
-            <a:r>
-              <a:rPr lang="en-US" sz="1600" b="1" dirty="0"/>
-              <a:t>)</a:t>
-            </a:r>
-            <a:endParaRPr lang="en-US" sz="1600" dirty="0"/>
-          </a:p>
-          <a:p>
-            <a:pPr marL="0" indent="0">
-              <a:buNone/>
-            </a:pPr>
-            <a:r>
-              <a:rPr lang="en-US" sz="1600" b="1" dirty="0" smtClean="0"/>
-              <a:t>BEGIN</a:t>
-            </a:r>
-            <a:endParaRPr lang="en-US" sz="1600" dirty="0"/>
-          </a:p>
-          <a:p>
-            <a:pPr marL="0" indent="0">
-              <a:buNone/>
-            </a:pPr>
-            <a:r>
-              <a:rPr lang="en-US" sz="1600" b="1" dirty="0" smtClean="0"/>
-              <a:t>/* The </a:t>
-            </a:r>
-            <a:r>
-              <a:rPr lang="en-US" sz="1600" b="1" dirty="0"/>
-              <a:t>logic goes in between the BEGIN and END </a:t>
-            </a:r>
-            <a:r>
-              <a:rPr lang="en-US" sz="1600" dirty="0" smtClean="0"/>
-              <a:t>.  </a:t>
-            </a:r>
-            <a:r>
-              <a:rPr lang="en-US" sz="1600" b="1" dirty="0" smtClean="0"/>
-              <a:t>The </a:t>
-            </a:r>
-            <a:r>
-              <a:rPr lang="en-US" sz="1600" b="1" dirty="0"/>
-              <a:t>logic below takes the parameters from the </a:t>
-            </a:r>
-            <a:r>
-              <a:rPr lang="en-US" sz="1600" b="1" dirty="0" smtClean="0"/>
-              <a:t>procedure and </a:t>
-            </a:r>
-            <a:r>
-              <a:rPr lang="en-US" sz="1600" b="1" dirty="0"/>
-              <a:t>inserts a row into the team table. </a:t>
-            </a:r>
-            <a:r>
-              <a:rPr lang="en-US" sz="1600" b="1" dirty="0" smtClean="0"/>
-              <a:t>*/</a:t>
-            </a:r>
-            <a:endParaRPr lang="en-US" sz="1600" dirty="0"/>
-          </a:p>
-          <a:p>
-            <a:pPr marL="0" indent="0">
-              <a:buNone/>
-            </a:pPr>
-            <a:r>
-              <a:rPr lang="en-US" sz="1600" b="1" dirty="0"/>
-              <a:t>INSERT INTO </a:t>
-            </a:r>
-            <a:r>
-              <a:rPr lang="en-US" sz="1600" b="1" dirty="0" err="1"/>
-              <a:t>baseball.team</a:t>
-            </a:r>
-            <a:endParaRPr lang="en-US" sz="1600" dirty="0"/>
-          </a:p>
-          <a:p>
-            <a:pPr marL="0" indent="0">
-              <a:buNone/>
-            </a:pPr>
-            <a:r>
-              <a:rPr lang="en-US" sz="1600" b="1" dirty="0" smtClean="0"/>
-              <a:t>(</a:t>
-            </a:r>
-            <a:r>
-              <a:rPr lang="en-US" sz="1600" b="1" dirty="0" err="1" smtClean="0"/>
-              <a:t>TeamName</a:t>
-            </a:r>
-            <a:r>
-              <a:rPr lang="en-US" sz="1600" b="1" dirty="0" smtClean="0"/>
-              <a:t>,</a:t>
-            </a:r>
-            <a:r>
-              <a:rPr lang="en-US" sz="1600" dirty="0"/>
-              <a:t> </a:t>
-            </a:r>
-            <a:r>
-              <a:rPr lang="en-US" sz="1600" b="1" dirty="0" smtClean="0"/>
-              <a:t>ABBR,</a:t>
-            </a:r>
-            <a:r>
-              <a:rPr lang="en-US" sz="1600" dirty="0"/>
-              <a:t> </a:t>
-            </a:r>
-            <a:r>
-              <a:rPr lang="en-US" sz="1600" b="1" dirty="0" smtClean="0"/>
-              <a:t>League,</a:t>
-            </a:r>
-            <a:r>
-              <a:rPr lang="en-US" sz="1600" dirty="0"/>
-              <a:t> </a:t>
-            </a:r>
-            <a:r>
-              <a:rPr lang="en-US" sz="1600" b="1" dirty="0" err="1" smtClean="0"/>
-              <a:t>DivisionName</a:t>
-            </a:r>
-            <a:r>
-              <a:rPr lang="en-US" sz="1600" b="1" dirty="0" smtClean="0"/>
-              <a:t>)</a:t>
-            </a:r>
-            <a:endParaRPr lang="en-US" sz="1600" dirty="0"/>
-          </a:p>
-          <a:p>
-            <a:pPr marL="0" indent="0">
-              <a:buNone/>
-            </a:pPr>
-            <a:r>
-              <a:rPr lang="en-US" sz="1600" b="1" dirty="0" smtClean="0"/>
-              <a:t>VALUES</a:t>
-            </a:r>
-            <a:r>
-              <a:rPr lang="en-US" sz="1600" dirty="0"/>
-              <a:t> </a:t>
-            </a:r>
-            <a:r>
-              <a:rPr lang="en-US" sz="1600" b="1" dirty="0" smtClean="0"/>
-              <a:t>(</a:t>
-            </a:r>
-            <a:r>
-              <a:rPr lang="en-US" sz="1600" b="1" dirty="0" err="1" smtClean="0"/>
-              <a:t>p_teamname</a:t>
-            </a:r>
-            <a:r>
-              <a:rPr lang="en-US" sz="1600" b="1" dirty="0" smtClean="0"/>
-              <a:t>, </a:t>
-            </a:r>
-            <a:r>
-              <a:rPr lang="en-US" sz="1600" b="1" dirty="0" err="1" smtClean="0"/>
-              <a:t>p_abbreviation</a:t>
-            </a:r>
-            <a:r>
-              <a:rPr lang="en-US" sz="1600" b="1" dirty="0" smtClean="0"/>
-              <a:t>, </a:t>
-            </a:r>
-            <a:r>
-              <a:rPr lang="en-US" sz="1600" b="1" dirty="0" err="1" smtClean="0"/>
-              <a:t>p_league</a:t>
-            </a:r>
-            <a:r>
-              <a:rPr lang="en-US" sz="1600" b="1" dirty="0" smtClean="0"/>
-              <a:t>, </a:t>
-            </a:r>
-            <a:r>
-              <a:rPr lang="en-US" sz="1600" b="1" dirty="0" err="1" smtClean="0"/>
-              <a:t>p_divisionname</a:t>
-            </a:r>
-            <a:r>
-              <a:rPr lang="en-US" sz="1600" b="1" dirty="0" smtClean="0"/>
-              <a:t>);</a:t>
-            </a:r>
-          </a:p>
-          <a:p>
-            <a:pPr marL="0" indent="0">
-              <a:buNone/>
-            </a:pPr>
-            <a:endParaRPr lang="en-US" sz="1600" dirty="0"/>
-          </a:p>
-          <a:p>
-            <a:pPr marL="0" indent="0">
-              <a:buNone/>
-            </a:pPr>
-            <a:r>
-              <a:rPr lang="en-US" sz="1600" b="1" dirty="0"/>
-              <a:t>SET </a:t>
-            </a:r>
-            <a:r>
-              <a:rPr lang="en-US" sz="1600" b="1" dirty="0" err="1"/>
-              <a:t>p_teamid</a:t>
-            </a:r>
-            <a:r>
-              <a:rPr lang="en-US" sz="1600" b="1" dirty="0"/>
-              <a:t> = LAST_INSERT_ID</a:t>
-            </a:r>
-            <a:r>
-              <a:rPr lang="en-US" sz="1600" b="1" dirty="0" smtClean="0"/>
-              <a:t>();</a:t>
-            </a:r>
-            <a:endParaRPr lang="en-US" sz="1600" dirty="0"/>
-          </a:p>
-          <a:p>
-            <a:pPr marL="0" indent="0">
-              <a:buNone/>
-            </a:pPr>
-            <a:r>
-              <a:rPr lang="en-US" sz="1600" b="1" dirty="0"/>
-              <a:t>END$$</a:t>
-            </a:r>
-            <a:endParaRPr lang="en-US" sz="1600" dirty="0"/>
-          </a:p>
-          <a:p>
-            <a:pPr marL="0" indent="0">
-              <a:buNone/>
-            </a:pPr>
-            <a:r>
-              <a:rPr lang="en-US" sz="1600" b="1" dirty="0"/>
-              <a:t>DELIMITER </a:t>
-            </a:r>
-            <a:r>
-              <a:rPr lang="en-US" sz="1600" b="1" dirty="0" smtClean="0"/>
-              <a:t>;</a:t>
-            </a:r>
-            <a:endParaRPr lang="en-US" sz="1600" dirty="0"/>
+              <a:rPr lang="en-US" dirty="0"/>
+              <a:t>block allows you to group related individual statements together. </a:t>
+            </a:r>
+            <a:endParaRPr lang="en-US" dirty="0" smtClean="0"/>
+          </a:p>
+          <a:p>
+            <a:r>
+              <a:rPr lang="en-US" dirty="0" smtClean="0"/>
+              <a:t>A block </a:t>
+            </a:r>
+            <a:r>
+              <a:rPr lang="en-US" dirty="0"/>
+              <a:t>allows you to control the scope of variables. </a:t>
+            </a:r>
+            <a:endParaRPr lang="en-US" dirty="0" smtClean="0"/>
+          </a:p>
+          <a:p>
+            <a:pPr lvl="1"/>
+            <a:r>
+              <a:rPr lang="en-US" dirty="0"/>
+              <a:t>you can declare a variable within a block and that is not visible outside of the block. </a:t>
+            </a:r>
           </a:p>
         </p:txBody>
       </p:sp>
     </p:spTree>
     <p:extLst>
       <p:ext uri="{BB962C8B-B14F-4D97-AF65-F5344CB8AC3E}">
-        <p14:creationId xmlns:p14="http://schemas.microsoft.com/office/powerpoint/2010/main" val="1055255097"/>
+        <p14:creationId xmlns:p14="http://schemas.microsoft.com/office/powerpoint/2010/main" val="134817160"/>
       </p:ext>
     </p:extLst>
   </p:cSld>
@@ -14252,18 +14369,12 @@
         </p:nvSpPr>
         <p:spPr/>
         <p:txBody>
-          <a:bodyPr>
-            <a:normAutofit/>
-          </a:bodyPr>
-          <a:lstStyle/>
-          <a:p>
-            <a:r>
-              <a:rPr lang="en-US" b="1" cap="all" dirty="0"/>
-              <a:t>BEGIN and END </a:t>
-            </a:r>
-            <a:r>
-              <a:rPr lang="en-US" b="1" cap="all" dirty="0" smtClean="0"/>
-              <a:t>blocks</a:t>
+          <a:bodyPr/>
+          <a:lstStyle/>
+          <a:p>
+            <a:r>
+              <a:rPr lang="en-US" dirty="0" smtClean="0"/>
+              <a:t>More about BEGIN and END blocks</a:t>
             </a:r>
             <a:endParaRPr lang="en-US" dirty="0"/>
           </a:p>
@@ -14279,65 +14390,117 @@
             <p:ph idx="1"/>
           </p:nvPr>
         </p:nvSpPr>
-        <p:spPr/>
-        <p:txBody>
-          <a:bodyPr>
-            <a:normAutofit fontScale="92500" lnSpcReduction="10000"/>
-          </a:bodyPr>
-          <a:lstStyle/>
-          <a:p>
-            <a:r>
-              <a:rPr lang="en-US" dirty="0"/>
-              <a:t>Stored programs contain one or more blocks which contain one or multiple statements. </a:t>
-            </a:r>
-            <a:endParaRPr lang="en-US" dirty="0" smtClean="0"/>
-          </a:p>
-          <a:p>
-            <a:r>
-              <a:rPr lang="en-US" dirty="0" smtClean="0"/>
-              <a:t>A </a:t>
-            </a:r>
-            <a:r>
-              <a:rPr lang="en-US" dirty="0"/>
-              <a:t>block is enclosed by the BEGIN and END keywords</a:t>
-            </a:r>
-            <a:r>
-              <a:rPr lang="en-US" dirty="0" smtClean="0"/>
-              <a:t>.</a:t>
-            </a:r>
-          </a:p>
-          <a:p>
-            <a:r>
-              <a:rPr lang="en-US" dirty="0"/>
-              <a:t>A</a:t>
-            </a:r>
-            <a:r>
-              <a:rPr lang="en-US" dirty="0" smtClean="0"/>
-              <a:t> </a:t>
-            </a:r>
-            <a:r>
-              <a:rPr lang="en-US" dirty="0"/>
-              <a:t>block allows you to group related individual statements together. </a:t>
-            </a:r>
-            <a:endParaRPr lang="en-US" dirty="0" smtClean="0"/>
-          </a:p>
-          <a:p>
-            <a:r>
-              <a:rPr lang="en-US" dirty="0" smtClean="0"/>
-              <a:t>A block </a:t>
-            </a:r>
-            <a:r>
-              <a:rPr lang="en-US" dirty="0"/>
-              <a:t>allows you to control the scope of variables. </a:t>
-            </a:r>
-            <a:endParaRPr lang="en-US" dirty="0" smtClean="0"/>
-          </a:p>
-          <a:p>
-            <a:pPr lvl="1"/>
-            <a:r>
-              <a:rPr lang="en-US" dirty="0"/>
-              <a:t>you can declare a variable within a block and that is not visible outside of the block. </a:t>
-            </a:r>
+        <p:spPr>
+          <a:ln>
+            <a:noFill/>
+          </a:ln>
+        </p:spPr>
+        <p:txBody>
+          <a:bodyPr/>
+          <a:lstStyle/>
+          <a:p>
+            <a:r>
+              <a:rPr lang="en-US" dirty="0"/>
+              <a:t>Each statement within the BEGIN and END code block should terminated by a semicolon (</a:t>
+            </a:r>
+            <a:r>
+              <a:rPr lang="en-US" b="1" dirty="0"/>
+              <a:t>;</a:t>
+            </a:r>
+            <a:r>
+              <a:rPr lang="en-US" dirty="0"/>
+              <a:t>) statement delimiter.</a:t>
+            </a:r>
+          </a:p>
+          <a:p>
+            <a:r>
+              <a:rPr lang="en-US" dirty="0" smtClean="0"/>
+              <a:t>You </a:t>
+            </a:r>
+            <a:r>
+              <a:rPr lang="en-US" dirty="0"/>
+              <a:t>can </a:t>
+            </a:r>
+            <a:r>
+              <a:rPr lang="en-US" dirty="0">
+                <a:solidFill>
+                  <a:srgbClr val="FF0000"/>
+                </a:solidFill>
+              </a:rPr>
+              <a:t>label</a:t>
+            </a:r>
+            <a:r>
+              <a:rPr lang="en-US" dirty="0"/>
+              <a:t> a block to ease code readability:</a:t>
+            </a:r>
+          </a:p>
+          <a:p>
+            <a:pPr marL="0" indent="0">
+              <a:buNone/>
+            </a:pPr>
+            <a:r>
+              <a:rPr lang="en-US" b="1" dirty="0" smtClean="0">
+                <a:solidFill>
+                  <a:srgbClr val="FF0000"/>
+                </a:solidFill>
+              </a:rPr>
+              <a:t>	MYLABEL</a:t>
+            </a:r>
+            <a:r>
+              <a:rPr lang="en-US" b="1" dirty="0">
+                <a:solidFill>
+                  <a:srgbClr val="FF0000"/>
+                </a:solidFill>
+              </a:rPr>
+              <a:t>: </a:t>
+            </a:r>
+            <a:r>
+              <a:rPr lang="en-US" b="1" dirty="0"/>
+              <a:t>BEGIN</a:t>
+            </a:r>
+            <a:endParaRPr lang="en-US" dirty="0"/>
+          </a:p>
+          <a:p>
+            <a:pPr marL="0" indent="0">
+              <a:buNone/>
+            </a:pPr>
+            <a:r>
+              <a:rPr lang="en-US" b="1" dirty="0"/>
+              <a:t>	</a:t>
+            </a:r>
+            <a:r>
+              <a:rPr lang="en-US" b="1" dirty="0" smtClean="0"/>
+              <a:t>	&lt;</a:t>
+            </a:r>
+            <a:r>
+              <a:rPr lang="en-US" b="1" dirty="0"/>
+              <a:t>YOU CODE GOES HERE&gt;</a:t>
+            </a:r>
+            <a:endParaRPr lang="en-US" dirty="0"/>
+          </a:p>
+          <a:p>
+            <a:pPr marL="0" indent="0">
+              <a:buNone/>
+            </a:pPr>
+            <a:r>
+              <a:rPr lang="en-US" b="1" dirty="0" smtClean="0"/>
+              <a:t>	END </a:t>
+            </a:r>
+            <a:r>
+              <a:rPr lang="en-US" b="1" dirty="0">
+                <a:solidFill>
+                  <a:srgbClr val="FF0000"/>
+                </a:solidFill>
+              </a:rPr>
+              <a:t>MYLABEL</a:t>
+            </a:r>
+            <a:r>
+              <a:rPr lang="en-US" b="1" dirty="0"/>
+              <a:t>;</a:t>
+            </a:r>
+            <a:endParaRPr lang="en-US" dirty="0"/>
+          </a:p>
+          <a:p>
             <a:endParaRPr lang="en-US" dirty="0"/>
           </a:p>
         </p:txBody>
@@ -14345,7 +14508,7 @@
     </p:spTree>
     <p:extLst>
       <p:ext uri="{BB962C8B-B14F-4D97-AF65-F5344CB8AC3E}">
-        <p14:creationId xmlns:p14="http://schemas.microsoft.com/office/powerpoint/2010/main" val="134817160"/>
+        <p14:creationId xmlns:p14="http://schemas.microsoft.com/office/powerpoint/2010/main" val="1044374159"/>
       </p:ext>
     </p:extLst>
   </p:cSld>
@@ -14382,184 +14545,6 @@
             <p:ph type="title"/>
           </p:nvPr>
         </p:nvSpPr>
-        <p:spPr/>
-        <p:txBody>
-          <a:bodyPr/>
-          <a:lstStyle/>
-          <a:p>
-            <a:r>
-              <a:rPr lang="en-US" dirty="0" smtClean="0"/>
-              <a:t>More about BEGIN and END blocks</a:t>
-            </a:r>
-            <a:endParaRPr lang="en-US" dirty="0"/>
-          </a:p>
-        </p:txBody>
-      </p:sp>
-      <p:sp>
-        <p:nvSpPr>
-          <p:cNvPr id="3" name="Content Placeholder 2"/>
-          <p:cNvSpPr>
-            <a:spLocks noGrp="1"/>
-          </p:cNvSpPr>
-          <p:nvPr>
-            <p:ph idx="1"/>
-          </p:nvPr>
-        </p:nvSpPr>
-        <p:spPr>
-          <a:ln>
-            <a:noFill/>
-          </a:ln>
-        </p:spPr>
-        <p:txBody>
-          <a:bodyPr/>
-          <a:lstStyle/>
-          <a:p>
-            <a:r>
-              <a:rPr lang="en-US" dirty="0"/>
-              <a:t>Each statement within the BEGIN and END code block should terminated by a semicolon (</a:t>
-            </a:r>
-            <a:r>
-              <a:rPr lang="en-US" b="1" dirty="0"/>
-              <a:t>;</a:t>
-            </a:r>
-            <a:r>
-              <a:rPr lang="en-US" dirty="0"/>
-              <a:t>) statement delimiter.</a:t>
-            </a:r>
-          </a:p>
-          <a:p>
-            <a:r>
-              <a:rPr lang="en-US" dirty="0" smtClean="0"/>
-              <a:t>You </a:t>
-            </a:r>
-            <a:r>
-              <a:rPr lang="en-US" dirty="0"/>
-              <a:t>can </a:t>
-            </a:r>
-            <a:r>
-              <a:rPr lang="en-US" dirty="0">
-                <a:solidFill>
-                  <a:srgbClr val="FF0000"/>
-                </a:solidFill>
-              </a:rPr>
-              <a:t>label</a:t>
-            </a:r>
-            <a:r>
-              <a:rPr lang="en-US" dirty="0"/>
-              <a:t> a block to ease code readability:</a:t>
-            </a:r>
-          </a:p>
-          <a:p>
-            <a:pPr marL="0" indent="0">
-              <a:buNone/>
-            </a:pPr>
-            <a:r>
-              <a:rPr lang="en-US" b="1" dirty="0" smtClean="0">
-                <a:solidFill>
-                  <a:srgbClr val="FF0000"/>
-                </a:solidFill>
-              </a:rPr>
-              <a:t>	MYLABEL</a:t>
-            </a:r>
-            <a:r>
-              <a:rPr lang="en-US" b="1" dirty="0">
-                <a:solidFill>
-                  <a:srgbClr val="FF0000"/>
-                </a:solidFill>
-              </a:rPr>
-              <a:t>: </a:t>
-            </a:r>
-            <a:r>
-              <a:rPr lang="en-US" b="1" dirty="0"/>
-              <a:t>BEGIN</a:t>
-            </a:r>
-            <a:endParaRPr lang="en-US" dirty="0"/>
-          </a:p>
-          <a:p>
-            <a:pPr marL="0" indent="0">
-              <a:buNone/>
-            </a:pPr>
-            <a:r>
-              <a:rPr lang="en-US" b="1" dirty="0"/>
-              <a:t>	</a:t>
-            </a:r>
-            <a:r>
-              <a:rPr lang="en-US" b="1" dirty="0" smtClean="0"/>
-              <a:t>	&lt;</a:t>
-            </a:r>
-            <a:r>
-              <a:rPr lang="en-US" b="1" dirty="0"/>
-              <a:t>YOU CODE GOES HERE&gt;</a:t>
-            </a:r>
-            <a:endParaRPr lang="en-US" dirty="0"/>
-          </a:p>
-          <a:p>
-            <a:pPr marL="0" indent="0">
-              <a:buNone/>
-            </a:pPr>
-            <a:r>
-              <a:rPr lang="en-US" b="1" dirty="0" smtClean="0"/>
-              <a:t>	END </a:t>
-            </a:r>
-            <a:r>
-              <a:rPr lang="en-US" b="1" dirty="0">
-                <a:solidFill>
-                  <a:srgbClr val="FF0000"/>
-                </a:solidFill>
-              </a:rPr>
-              <a:t>MYLABEL</a:t>
-            </a:r>
-            <a:r>
-              <a:rPr lang="en-US" b="1" dirty="0"/>
-              <a:t>;</a:t>
-            </a:r>
-            <a:endParaRPr lang="en-US" dirty="0"/>
-          </a:p>
-          <a:p>
-            <a:endParaRPr lang="en-US" dirty="0"/>
-          </a:p>
-        </p:txBody>
-      </p:sp>
-    </p:spTree>
-    <p:extLst>
-      <p:ext uri="{BB962C8B-B14F-4D97-AF65-F5344CB8AC3E}">
-        <p14:creationId xmlns:p14="http://schemas.microsoft.com/office/powerpoint/2010/main" val="1044374159"/>
-      </p:ext>
-    </p:extLst>
-  </p:cSld>
-  <p:clrMapOvr>
-    <a:masterClrMapping/>
-  </p:clrMapOvr>
-</p:sld>
-</file>
-
-<file path=ppt/slides/slide66.xml><?xml version="1.0" encoding="utf-8"?>
-<p:sld xmlns:a="http://schemas.openxmlformats.org/drawingml/2006/main" xmlns:r="http://schemas.openxmlformats.org/officeDocument/2006/relationships" xmlns:p="http://schemas.openxmlformats.org/presentationml/2006/main">
-  <p:cSld>
-    <p:spTree>
-      <p:nvGrpSpPr>
-        <p:cNvPr id="1" name=""/>
-        <p:cNvGrpSpPr/>
-        <p:nvPr/>
-      </p:nvGrpSpPr>
-      <p:grpSpPr>
-        <a:xfrm>
-          <a:off x="0" y="0"/>
-          <a:ext cx="0" cy="0"/>
-          <a:chOff x="0" y="0"/>
-          <a:chExt cx="0" cy="0"/>
-        </a:xfrm>
-      </p:grpSpPr>
-      <p:sp>
-        <p:nvSpPr>
-          <p:cNvPr id="2" name="Title 1"/>
-          <p:cNvSpPr>
-            <a:spLocks noGrp="1"/>
-          </p:cNvSpPr>
-          <p:nvPr>
-            <p:ph type="title"/>
-          </p:nvPr>
-        </p:nvSpPr>
         <p:spPr>
           <a:xfrm>
             <a:off x="457200" y="152400"/>
@@ -14849,7 +14834,7 @@
 </p:sld>
 </file>
 
-<file path=ppt/slides/slide67.xml><?xml version="1.0" encoding="utf-8"?>
+<file path=ppt/slides/slide66.xml><?xml version="1.0" encoding="utf-8"?>
 <p:sld xmlns:a="http://schemas.openxmlformats.org/drawingml/2006/main" xmlns:r="http://schemas.openxmlformats.org/officeDocument/2006/relationships" xmlns:p="http://schemas.openxmlformats.org/presentationml/2006/main">
   <p:cSld>
     <p:spTree>
@@ -14935,6 +14920,132 @@
 </p:sld>
 </file>
 
+<file path=ppt/slides/slide67.xml><?xml version="1.0" encoding="utf-8"?>
+<p:sld xmlns:a="http://schemas.openxmlformats.org/drawingml/2006/main" xmlns:r="http://schemas.openxmlformats.org/officeDocument/2006/relationships" xmlns:p="http://schemas.openxmlformats.org/presentationml/2006/main">
+  <p:cSld>
+    <p:spTree>
+      <p:nvGrpSpPr>
+        <p:cNvPr id="1" name=""/>
+        <p:cNvGrpSpPr/>
+        <p:nvPr/>
+      </p:nvGrpSpPr>
+      <p:grpSpPr>
+        <a:xfrm>
+          <a:off x="0" y="0"/>
+          <a:ext cx="0" cy="0"/>
+          <a:chOff x="0" y="0"/>
+          <a:chExt cx="0" cy="0"/>
+        </a:xfrm>
+      </p:grpSpPr>
+      <p:sp>
+        <p:nvSpPr>
+          <p:cNvPr id="2" name="Title 1"/>
+          <p:cNvSpPr>
+            <a:spLocks noGrp="1"/>
+          </p:cNvSpPr>
+          <p:nvPr>
+            <p:ph type="title"/>
+          </p:nvPr>
+        </p:nvSpPr>
+        <p:spPr>
+          <a:xfrm>
+            <a:off x="457200" y="228600"/>
+            <a:ext cx="8229600" cy="868362"/>
+          </a:xfrm>
+        </p:spPr>
+        <p:txBody>
+          <a:bodyPr/>
+          <a:lstStyle/>
+          <a:p>
+            <a:r>
+              <a:rPr lang="en-US" dirty="0"/>
+              <a:t>DELIMETER statement</a:t>
+            </a:r>
+          </a:p>
+        </p:txBody>
+      </p:sp>
+      <p:sp>
+        <p:nvSpPr>
+          <p:cNvPr id="3" name="Content Placeholder 2"/>
+          <p:cNvSpPr>
+            <a:spLocks noGrp="1"/>
+          </p:cNvSpPr>
+          <p:nvPr>
+            <p:ph idx="1"/>
+          </p:nvPr>
+        </p:nvSpPr>
+        <p:spPr>
+          <a:xfrm>
+            <a:off x="685800" y="1219200"/>
+            <a:ext cx="7924800" cy="5410200"/>
+          </a:xfrm>
+        </p:spPr>
+        <p:txBody>
+          <a:bodyPr/>
+          <a:lstStyle/>
+          <a:p>
+            <a:r>
+              <a:rPr lang="en-US" dirty="0" smtClean="0"/>
+              <a:t>A way </a:t>
+            </a:r>
+            <a:r>
+              <a:rPr lang="en-US" dirty="0"/>
+              <a:t>to tell mysql that we are through defining the </a:t>
+            </a:r>
+            <a:r>
+              <a:rPr lang="en-US" dirty="0" smtClean="0"/>
+              <a:t>script.</a:t>
+            </a:r>
+          </a:p>
+          <a:p>
+            <a:r>
+              <a:rPr lang="en-US" dirty="0" smtClean="0"/>
+              <a:t>normally </a:t>
+            </a:r>
+            <a:r>
+              <a:rPr lang="en-US" dirty="0"/>
+              <a:t>use a semi colon (;) to end a </a:t>
+            </a:r>
+            <a:r>
+              <a:rPr lang="en-US" i="1" dirty="0"/>
+              <a:t>statement</a:t>
+            </a:r>
+            <a:r>
+              <a:rPr lang="en-US" dirty="0"/>
+              <a:t>. </a:t>
+            </a:r>
+            <a:endParaRPr lang="en-US" i="1" dirty="0" smtClean="0"/>
+          </a:p>
+          <a:p>
+            <a:r>
+              <a:rPr lang="en-US" dirty="0" smtClean="0"/>
+              <a:t>Within a script you use several statements that end with a semi colon. </a:t>
+            </a:r>
+          </a:p>
+          <a:p>
+            <a:r>
+              <a:rPr lang="en-US" dirty="0"/>
+              <a:t>When you use Workbench to create a stored routine, the system will suggest using $$.</a:t>
+            </a:r>
+          </a:p>
+          <a:p>
+            <a:endParaRPr lang="en-US" dirty="0"/>
+          </a:p>
+        </p:txBody>
+      </p:sp>
+    </p:spTree>
+    <p:extLst>
+      <p:ext uri="{BB962C8B-B14F-4D97-AF65-F5344CB8AC3E}">
+        <p14:creationId xmlns:p14="http://schemas.microsoft.com/office/powerpoint/2010/main" val="310046802"/>
+      </p:ext>
+    </p:extLst>
+  </p:cSld>
+  <p:clrMapOvr>
+    <a:masterClrMapping/>
+  </p:clrMapOvr>
+</p:sld>
+</file>
+
 <file path=ppt/slides/slide68.xml><?xml version="1.0" encoding="utf-8"?>
 <p:sld xmlns:a="http://schemas.openxmlformats.org/drawingml/2006/main" xmlns:r="http://schemas.openxmlformats.org/officeDocument/2006/relationships" xmlns:p="http://schemas.openxmlformats.org/presentationml/2006/main">
   <p:cSld>
@@ -14962,19 +15073,14 @@
             <p:ph type="title"/>
           </p:nvPr>
         </p:nvSpPr>
-        <p:spPr>
-          <a:xfrm>
-            <a:off x="457200" y="228600"/>
-            <a:ext cx="8229600" cy="868362"/>
-          </a:xfrm>
-        </p:spPr>
+        <p:spPr/>
         <p:txBody>
           <a:bodyPr/>
           <a:lstStyle/>
           <a:p>
             <a:r>
-              <a:rPr lang="en-US" dirty="0"/>
-              <a:t>DELIMETER statement</a:t>
+              <a:rPr lang="en-US" dirty="0" smtClean="0"/>
+              <a:t>Stored Procedure Parameters</a:t>
             </a:r>
             <a:endParaRPr lang="en-US" dirty="0"/>
           </a:p>
@@ -14990,59 +15096,62 @@
             <p:ph idx="1"/>
           </p:nvPr>
         </p:nvSpPr>
-        <p:spPr>
-          <a:xfrm>
-            <a:off x="685800" y="1219200"/>
-            <a:ext cx="7924800" cy="5410200"/>
-          </a:xfrm>
-        </p:spPr>
+        <p:spPr/>
         <p:txBody>
           <a:bodyPr/>
           <a:lstStyle/>
           <a:p>
             <a:r>
               <a:rPr lang="en-US" dirty="0" smtClean="0"/>
-              <a:t>A way </a:t>
-            </a:r>
-            <a:r>
-              <a:rPr lang="en-US" dirty="0"/>
-              <a:t>to tell mysql that we are through defining the </a:t>
-            </a:r>
-            <a:r>
-              <a:rPr lang="en-US" dirty="0" smtClean="0"/>
-              <a:t>script.</a:t>
-            </a:r>
-          </a:p>
-          <a:p>
-            <a:r>
-              <a:rPr lang="en-US" dirty="0" smtClean="0"/>
-              <a:t>normally </a:t>
-            </a:r>
-            <a:r>
-              <a:rPr lang="en-US" dirty="0"/>
-              <a:t>use a semi colon (;) to end a </a:t>
-            </a:r>
-            <a:r>
-              <a:rPr lang="en-US" i="1" dirty="0"/>
-              <a:t>statement</a:t>
-            </a:r>
-            <a:r>
-              <a:rPr lang="en-US" dirty="0"/>
-              <a:t>. </a:t>
-            </a:r>
-            <a:endParaRPr lang="en-US" i="1" dirty="0" smtClean="0"/>
-          </a:p>
-          <a:p>
-            <a:r>
-              <a:rPr lang="en-US" dirty="0" smtClean="0"/>
-              <a:t>Within a script you use several statements that end with a semi colon. </a:t>
-            </a:r>
-          </a:p>
-          <a:p>
-            <a:r>
-              <a:rPr lang="en-US" dirty="0"/>
-              <a:t>When you use Workbench to create a stored routine, the system will suggest using $$.</a:t>
-            </a:r>
+              <a:t>Parameters </a:t>
+            </a:r>
+            <a:r>
+              <a:rPr lang="en-US" dirty="0"/>
+              <a:t>to make the program more </a:t>
+            </a:r>
+            <a:r>
+              <a:rPr lang="en-US" dirty="0" smtClean="0"/>
+              <a:t>flexible</a:t>
+            </a:r>
+          </a:p>
+          <a:p>
+            <a:r>
+              <a:rPr lang="en-US" dirty="0"/>
+              <a:t>Parameters come in 3 different </a:t>
+            </a:r>
+            <a:r>
+              <a:rPr lang="en-US" dirty="0" smtClean="0"/>
+              <a:t>modes</a:t>
+            </a:r>
+            <a:r>
+              <a:rPr lang="en-US" dirty="0"/>
+              <a:t>: </a:t>
+            </a:r>
+            <a:endParaRPr lang="en-US" dirty="0" smtClean="0"/>
+          </a:p>
+          <a:p>
+            <a:pPr lvl="1"/>
+            <a:r>
+              <a:rPr lang="en-US" dirty="0" smtClean="0"/>
+              <a:t>IN (Default)</a:t>
+            </a:r>
+          </a:p>
+          <a:p>
+            <a:pPr lvl="1"/>
+            <a:r>
+              <a:rPr lang="en-US" dirty="0" smtClean="0"/>
+              <a:t>OUT</a:t>
+            </a:r>
+          </a:p>
+          <a:p>
+            <a:pPr lvl="1"/>
+            <a:r>
+              <a:rPr lang="en-US" dirty="0" smtClean="0"/>
+              <a:t>INOUT</a:t>
+            </a:r>
+          </a:p>
+          <a:p>
+            <a:endParaRPr lang="en-US" dirty="0" smtClean="0"/>
           </a:p>
           <a:p>
             <a:endParaRPr lang="en-US" dirty="0"/>
@@ -15052,7 +15161,7 @@
     </p:spTree>
     <p:extLst>
       <p:ext uri="{BB962C8B-B14F-4D97-AF65-F5344CB8AC3E}">
-        <p14:creationId xmlns:p14="http://schemas.microsoft.com/office/powerpoint/2010/main" val="310046802"/>
+        <p14:creationId xmlns:p14="http://schemas.microsoft.com/office/powerpoint/2010/main" val="1959231557"/>
       </p:ext>
     </p:extLst>
   </p:cSld>
@@ -15089,14 +15198,19 @@
             <p:ph type="title"/>
           </p:nvPr>
         </p:nvSpPr>
-        <p:spPr/>
+        <p:spPr>
+          <a:xfrm>
+            <a:off x="457200" y="76200"/>
+            <a:ext cx="8229600" cy="792162"/>
+          </a:xfrm>
+        </p:spPr>
         <p:txBody>
           <a:bodyPr/>
           <a:lstStyle/>
           <a:p>
             <a:r>
               <a:rPr lang="en-US" dirty="0" smtClean="0"/>
-              <a:t>Stored Procedure Parameters</a:t>
+              <a:t>Parameter:  IN</a:t>
             </a:r>
             <a:endParaRPr lang="en-US" dirty="0"/>
           </a:p>
@@ -15112,64 +15226,277 @@
             <p:ph idx="1"/>
           </p:nvPr>
         </p:nvSpPr>
-        <p:spPr/>
-        <p:txBody>
-          <a:bodyPr/>
-          <a:lstStyle/>
-          <a:p>
-            <a:r>
-              <a:rPr lang="en-US" dirty="0" smtClean="0"/>
-              <a:t>Parameters </a:t>
-            </a:r>
-            <a:r>
-              <a:rPr lang="en-US" dirty="0"/>
-              <a:t>to make the program more </a:t>
-            </a:r>
-            <a:r>
-              <a:rPr lang="en-US" dirty="0" smtClean="0"/>
-              <a:t>flexible</a:t>
-            </a:r>
-          </a:p>
-          <a:p>
-            <a:r>
-              <a:rPr lang="en-US" dirty="0"/>
-              <a:t>Parameters come in 3 different </a:t>
-            </a:r>
-            <a:r>
-              <a:rPr lang="en-US" dirty="0" smtClean="0"/>
-              <a:t>modes</a:t>
-            </a:r>
-            <a:r>
-              <a:rPr lang="en-US" dirty="0"/>
-              <a:t>: </a:t>
-            </a:r>
-            <a:endParaRPr lang="en-US" dirty="0" smtClean="0"/>
-          </a:p>
-          <a:p>
-            <a:pPr lvl="1"/>
-            <a:r>
-              <a:rPr lang="en-US" dirty="0" smtClean="0"/>
-              <a:t>IN (Default)</a:t>
-            </a:r>
-          </a:p>
-          <a:p>
-            <a:pPr lvl="1"/>
-            <a:r>
-              <a:rPr lang="en-US" dirty="0" smtClean="0"/>
-              <a:t>OUT</a:t>
-            </a:r>
-          </a:p>
-          <a:p>
-            <a:pPr lvl="1"/>
-            <a:r>
-              <a:rPr lang="en-US" dirty="0" smtClean="0"/>
-              <a:t>INOUT</a:t>
-            </a:r>
-          </a:p>
-          <a:p>
-            <a:endParaRPr lang="en-US" dirty="0" smtClean="0"/>
-          </a:p>
-          <a:p>
+        <p:spPr>
+          <a:xfrm>
+            <a:off x="228600" y="914400"/>
+            <a:ext cx="8610600" cy="5486400"/>
+          </a:xfrm>
+        </p:spPr>
+        <p:txBody>
+          <a:bodyPr>
+            <a:normAutofit fontScale="62500" lnSpcReduction="20000"/>
+          </a:bodyPr>
+          <a:lstStyle/>
+          <a:p>
+            <a:r>
+              <a:rPr lang="en-US" dirty="0"/>
+              <a:t>IN:  client passes IN the parameter to the </a:t>
+            </a:r>
+            <a:r>
+              <a:rPr lang="en-US" dirty="0" smtClean="0"/>
+              <a:t>SP</a:t>
+            </a:r>
+          </a:p>
+          <a:p>
+            <a:r>
+              <a:rPr lang="en-US" dirty="0" smtClean="0"/>
+              <a:t>The </a:t>
+            </a:r>
+            <a:r>
+              <a:rPr lang="en-US" dirty="0"/>
+              <a:t>value of the parameter can be changed </a:t>
+            </a:r>
+            <a:r>
+              <a:rPr lang="en-US" dirty="0" err="1"/>
+              <a:t>INside</a:t>
+            </a:r>
+            <a:r>
+              <a:rPr lang="en-US" dirty="0"/>
+              <a:t> the stored </a:t>
+            </a:r>
+            <a:r>
+              <a:rPr lang="en-US" dirty="0" smtClean="0"/>
+              <a:t>routine</a:t>
+            </a:r>
+          </a:p>
+          <a:p>
+            <a:r>
+              <a:rPr lang="en-US" dirty="0"/>
+              <a:t>T</a:t>
+            </a:r>
+            <a:r>
+              <a:rPr lang="en-US" dirty="0" smtClean="0"/>
+              <a:t>he </a:t>
+            </a:r>
+            <a:r>
+              <a:rPr lang="en-US" dirty="0"/>
+              <a:t>calling client will NOT have visibility to any change in the parameter’s value inside of the stored routine. </a:t>
+            </a:r>
+          </a:p>
+          <a:p>
+            <a:pPr marL="0" indent="0">
+              <a:buNone/>
+            </a:pPr>
+            <a:endParaRPr lang="en-US" b="1" dirty="0" smtClean="0"/>
+          </a:p>
+          <a:p>
+            <a:pPr marL="0" indent="0">
+              <a:buNone/>
+            </a:pPr>
+            <a:r>
+              <a:rPr lang="en-US" b="1" dirty="0" smtClean="0"/>
+              <a:t>USE </a:t>
+            </a:r>
+            <a:r>
+              <a:rPr lang="en-US" b="1" dirty="0"/>
+              <a:t>rockstarday2</a:t>
+            </a:r>
+            <a:r>
+              <a:rPr lang="en-US" b="1" dirty="0" smtClean="0"/>
+              <a:t>;</a:t>
+            </a:r>
+            <a:endParaRPr lang="en-US" dirty="0"/>
+          </a:p>
+          <a:p>
+            <a:pPr marL="0" indent="0">
+              <a:buNone/>
+            </a:pPr>
+            <a:r>
+              <a:rPr lang="en-US" b="1" dirty="0"/>
+              <a:t>DROP procedure IF EXISTS </a:t>
+            </a:r>
+            <a:r>
+              <a:rPr lang="en-US" b="1" dirty="0" err="1"/>
+              <a:t>usp_search_individualbylast</a:t>
+            </a:r>
+            <a:r>
+              <a:rPr lang="en-US" b="1" dirty="0"/>
+              <a:t>;</a:t>
+            </a:r>
+            <a:endParaRPr lang="en-US" dirty="0"/>
+          </a:p>
+          <a:p>
+            <a:pPr marL="0" indent="0">
+              <a:buNone/>
+            </a:pPr>
+            <a:r>
+              <a:rPr lang="en-US" b="1" dirty="0"/>
+              <a:t> </a:t>
+            </a:r>
+            <a:endParaRPr lang="en-US" dirty="0"/>
+          </a:p>
+          <a:p>
+            <a:pPr marL="0" indent="0">
+              <a:buNone/>
+            </a:pPr>
+            <a:r>
+              <a:rPr lang="en-US" b="1" dirty="0"/>
+              <a:t>DELIMITER //</a:t>
+            </a:r>
+            <a:endParaRPr lang="en-US" dirty="0"/>
+          </a:p>
+          <a:p>
+            <a:pPr marL="0" indent="0">
+              <a:buNone/>
+            </a:pPr>
+            <a:r>
+              <a:rPr lang="en-US" b="1" dirty="0"/>
+              <a:t>CREATE PROCEDURE </a:t>
+            </a:r>
+            <a:r>
+              <a:rPr lang="en-US" b="1" dirty="0" err="1"/>
+              <a:t>usp_search_individualbylast</a:t>
+            </a:r>
+            <a:r>
+              <a:rPr lang="en-US" b="1" dirty="0"/>
+              <a:t>(</a:t>
+            </a:r>
+            <a:r>
+              <a:rPr lang="en-US" b="1" dirty="0">
+                <a:solidFill>
+                  <a:srgbClr val="FF0000"/>
+                </a:solidFill>
+              </a:rPr>
+              <a:t>IN </a:t>
+            </a:r>
+            <a:r>
+              <a:rPr lang="en-US" b="1" dirty="0" err="1">
+                <a:solidFill>
+                  <a:srgbClr val="FF0000"/>
+                </a:solidFill>
+              </a:rPr>
+              <a:t>plastname</a:t>
+            </a:r>
+            <a:r>
+              <a:rPr lang="en-US" b="1" dirty="0">
+                <a:solidFill>
+                  <a:srgbClr val="FF0000"/>
+                </a:solidFill>
+              </a:rPr>
+              <a:t> VARCHAR(50)</a:t>
+            </a:r>
+            <a:r>
+              <a:rPr lang="en-US" b="1" dirty="0"/>
+              <a:t>)</a:t>
+            </a:r>
+            <a:endParaRPr lang="en-US" dirty="0"/>
+          </a:p>
+          <a:p>
+            <a:pPr marL="0" indent="0">
+              <a:buNone/>
+            </a:pPr>
+            <a:r>
+              <a:rPr lang="en-US" b="1" dirty="0"/>
+              <a:t>    BEGIN</a:t>
+            </a:r>
+            <a:endParaRPr lang="en-US" dirty="0"/>
+          </a:p>
+          <a:p>
+            <a:pPr marL="0" indent="0">
+              <a:buNone/>
+            </a:pPr>
+            <a:r>
+              <a:rPr lang="en-US" b="1" dirty="0"/>
+              <a:t>        SELECT * </a:t>
+            </a:r>
+            <a:endParaRPr lang="en-US" dirty="0"/>
+          </a:p>
+          <a:p>
+            <a:pPr marL="0" indent="0">
+              <a:buNone/>
+            </a:pPr>
+            <a:r>
+              <a:rPr lang="en-US" b="1" dirty="0"/>
+              <a:t>         FROM Individual</a:t>
+            </a:r>
+            <a:endParaRPr lang="en-US" dirty="0"/>
+          </a:p>
+          <a:p>
+            <a:pPr marL="0" indent="0">
+              <a:buNone/>
+            </a:pPr>
+            <a:r>
+              <a:rPr lang="en-US" b="1" dirty="0"/>
+              <a:t>         WHERE </a:t>
+            </a:r>
+            <a:r>
+              <a:rPr lang="en-US" b="1" dirty="0" err="1"/>
+              <a:t>LastName</a:t>
+            </a:r>
+            <a:r>
+              <a:rPr lang="en-US" b="1" dirty="0"/>
+              <a:t> = </a:t>
+            </a:r>
+            <a:r>
+              <a:rPr lang="en-US" b="1" dirty="0" err="1"/>
+              <a:t>plastname</a:t>
+            </a:r>
+            <a:r>
+              <a:rPr lang="en-US" b="1" dirty="0"/>
+              <a:t>;</a:t>
+            </a:r>
+            <a:endParaRPr lang="en-US" dirty="0"/>
+          </a:p>
+          <a:p>
+            <a:pPr marL="0" indent="0">
+              <a:buNone/>
+            </a:pPr>
+            <a:r>
+              <a:rPr lang="en-US" b="1" dirty="0"/>
+              <a:t>    END //</a:t>
+            </a:r>
+            <a:endParaRPr lang="en-US" dirty="0"/>
+          </a:p>
+          <a:p>
+            <a:pPr marL="0" indent="0">
+              <a:buNone/>
+            </a:pPr>
+            <a:r>
+              <a:rPr lang="en-US" b="1" dirty="0"/>
+              <a:t>DELIMITER ;</a:t>
+            </a:r>
+            <a:endParaRPr lang="en-US" dirty="0"/>
+          </a:p>
+          <a:p>
+            <a:pPr marL="0" indent="0">
+              <a:buNone/>
+            </a:pPr>
+            <a:r>
+              <a:rPr lang="en-US" b="1" dirty="0"/>
+              <a:t> </a:t>
+            </a:r>
+            <a:endParaRPr lang="en-US" dirty="0"/>
+          </a:p>
+          <a:p>
+            <a:pPr marL="0" indent="0">
+              <a:buNone/>
+            </a:pPr>
+            <a:r>
+              <a:rPr lang="en-US" b="1" dirty="0"/>
+              <a:t>CALL </a:t>
+            </a:r>
+            <a:r>
+              <a:rPr lang="en-US" b="1" dirty="0" err="1"/>
+              <a:t>usp_search_individualbylast</a:t>
+            </a:r>
+            <a:r>
+              <a:rPr lang="en-US" b="1" dirty="0"/>
+              <a:t>('Ramone</a:t>
+            </a:r>
+            <a:r>
+              <a:rPr lang="en-US" b="1" dirty="0" smtClean="0"/>
+              <a:t>');</a:t>
+            </a:r>
             <a:endParaRPr lang="en-US" dirty="0"/>
           </a:p>
         </p:txBody>
@@ -15177,7 +15504,7 @@
     </p:spTree>
     <p:extLst>
       <p:ext uri="{BB962C8B-B14F-4D97-AF65-F5344CB8AC3E}">
-        <p14:creationId xmlns:p14="http://schemas.microsoft.com/office/powerpoint/2010/main" val="1959231557"/>
+        <p14:creationId xmlns:p14="http://schemas.microsoft.com/office/powerpoint/2010/main" val="2085675867"/>
       </p:ext>
     </p:extLst>
   </p:cSld>
@@ -15379,8 +15706,8 @@
         </p:nvSpPr>
         <p:spPr>
           <a:xfrm>
-            <a:off x="457200" y="76200"/>
-            <a:ext cx="8229600" cy="792162"/>
+            <a:off x="457200" y="152400"/>
+            <a:ext cx="8229600" cy="914400"/>
           </a:xfrm>
         </p:spPr>
         <p:txBody>
@@ -15389,7 +15716,7 @@
           <a:p>
             <a:r>
               <a:rPr lang="en-US" dirty="0" smtClean="0"/>
-              <a:t>Parameter:  IN</a:t>
+              <a:t>Parameter: OUT</a:t>
             </a:r>
             <a:endParaRPr lang="en-US" dirty="0"/>
           </a:p>
@@ -15407,61 +15734,28 @@
         </p:nvSpPr>
         <p:spPr>
           <a:xfrm>
-            <a:off x="228600" y="914400"/>
-            <a:ext cx="8610600" cy="5486400"/>
+            <a:off x="457200" y="1219200"/>
+            <a:ext cx="8153400" cy="5334000"/>
           </a:xfrm>
         </p:spPr>
         <p:txBody>
           <a:bodyPr>
-            <a:normAutofit fontScale="62500" lnSpcReduction="20000"/>
+            <a:normAutofit fontScale="70000" lnSpcReduction="20000"/>
           </a:bodyPr>
           <a:lstStyle/>
           <a:p>
             <a:r>
-              <a:rPr lang="en-US" dirty="0"/>
-              <a:t>IN:  client passes IN the parameter to the </a:t>
-            </a:r>
-            <a:r>
-              <a:rPr lang="en-US" dirty="0" smtClean="0"/>
-              <a:t>SP</a:t>
-            </a:r>
-          </a:p>
-          <a:p>
-            <a:r>
-              <a:rPr lang="en-US" dirty="0" smtClean="0"/>
-              <a:t>The </a:t>
-            </a:r>
-            <a:r>
-              <a:rPr lang="en-US" dirty="0"/>
-              <a:t>value of the parameter can be changed </a:t>
-            </a:r>
-            <a:r>
-              <a:rPr lang="en-US" dirty="0" err="1"/>
-              <a:t>INside</a:t>
-            </a:r>
-            <a:r>
-              <a:rPr lang="en-US" dirty="0"/>
-              <a:t> the stored </a:t>
-            </a:r>
-            <a:r>
-              <a:rPr lang="en-US" dirty="0" smtClean="0"/>
-              <a:t>routine</a:t>
-            </a:r>
-          </a:p>
-          <a:p>
-            <a:r>
-              <a:rPr lang="en-US" dirty="0"/>
-              <a:t>T</a:t>
-            </a:r>
-            <a:r>
-              <a:rPr lang="en-US" dirty="0" smtClean="0"/>
-              <a:t>he </a:t>
-            </a:r>
-            <a:r>
-              <a:rPr lang="en-US" dirty="0"/>
-              <a:t>calling client will NOT have visibility to any change in the parameter’s value inside of the stored routine. </a:t>
-            </a:r>
-            <a:endParaRPr lang="en-US" dirty="0"/>
+              <a:rPr lang="en-US" dirty="0" smtClean="0"/>
+              <a:t>The value </a:t>
+            </a:r>
+            <a:r>
+              <a:rPr lang="en-US" dirty="0"/>
+              <a:t>of an OUT parameter can be changed inside the stored procedure and its new value is passed back OUT to the calling </a:t>
+            </a:r>
+            <a:r>
+              <a:rPr lang="en-US" dirty="0" smtClean="0"/>
+              <a:t>program.</a:t>
+            </a:r>
           </a:p>
           <a:p>
             <a:pPr marL="0" indent="0">
@@ -15493,11 +15787,11 @@
             </a:pPr>
             <a:r>
               <a:rPr lang="en-US" b="1" dirty="0"/>
-              <a:t>DROP procedure IF EXISTS </a:t>
+              <a:t>DROP PROCEDURE IF EXISTS </a:t>
             </a:r>
             <a:r>
               <a:rPr lang="en-US" b="1" dirty="0" err="1"/>
-              <a:t>usp_search_individualbylast</a:t>
+              <a:t>simpleproc</a:t>
             </a:r>
             <a:r>
               <a:rPr lang="en-US" b="1" dirty="0"/>
@@ -15521,7 +15815,7 @@
             </a:pPr>
             <a:r>
               <a:rPr lang="en-US" b="1" dirty="0"/>
-              <a:t>DELIMITER //</a:t>
+              <a:t>delimiter //</a:t>
             </a:r>
             <a:endParaRPr lang="en-US" dirty="0"/>
           </a:p>
@@ -15535,39 +15829,21 @@
             </a:r>
             <a:r>
               <a:rPr lang="en-US" b="1" dirty="0" err="1"/>
-              <a:t>usp_search_individualbylast</a:t>
+              <a:t>simpleproc</a:t>
             </a:r>
             <a:r>
               <a:rPr lang="en-US" b="1" dirty="0"/>
-              <a:t>(</a:t>
-            </a:r>
-            <a:r>
-              <a:rPr lang="en-US" b="1" dirty="0">
-                <a:solidFill>
-                  <a:srgbClr val="FF0000"/>
-                </a:solidFill>
-              </a:rPr>
-              <a:t>IN </a:t>
-            </a:r>
-            <a:r>
-              <a:rPr lang="en-US" b="1" dirty="0" err="1">
-                <a:solidFill>
-                  <a:srgbClr val="FF0000"/>
-                </a:solidFill>
-              </a:rPr>
-              <a:t>plastname</a:t>
-            </a:r>
-            <a:r>
-              <a:rPr lang="en-US" b="1" dirty="0">
-                <a:solidFill>
-                  <a:srgbClr val="FF0000"/>
-                </a:solidFill>
-              </a:rPr>
-              <a:t> VARCHAR(50)</a:t>
-            </a:r>
+              <a:t> (OUT param1 INT)</a:t>
+            </a:r>
+            <a:endParaRPr lang="en-US" dirty="0"/>
+          </a:p>
+          <a:p>
+            <a:pPr marL="0" indent="0">
+              <a:buNone/>
+            </a:pPr>
             <a:r>
               <a:rPr lang="en-US" b="1" dirty="0"/>
-              <a:t>)</a:t>
+              <a:t>BEGIN </a:t>
             </a:r>
             <a:endParaRPr lang="en-US" dirty="0"/>
           </a:p>
@@ -15577,7 +15853,7 @@
             </a:pPr>
             <a:r>
               <a:rPr lang="en-US" b="1" dirty="0"/>
-              <a:t>    BEGIN</a:t>
+              <a:t>SELECT COUNT(*) INTO param1 FROM individual;</a:t>
             </a:r>
             <a:endParaRPr lang="en-US" dirty="0"/>
           </a:p>
@@ -15587,7 +15863,7 @@
             </a:pPr>
             <a:r>
               <a:rPr lang="en-US" b="1" dirty="0"/>
-              <a:t>        SELECT * </a:t>
+              <a:t>END//</a:t>
             </a:r>
             <a:endParaRPr lang="en-US" dirty="0"/>
           </a:p>
@@ -15597,7 +15873,7 @@
             </a:pPr>
             <a:r>
               <a:rPr lang="en-US" b="1" dirty="0"/>
-              <a:t>         FROM Individual</a:t>
+              <a:t>delimiter ;</a:t>
             </a:r>
             <a:endParaRPr lang="en-US" dirty="0"/>
           </a:p>
@@ -15605,56 +15881,6 @@
             <a:pPr marL="0" indent="0">
               <a:buNone/>
             </a:pPr>
-            <a:r>
-              <a:rPr lang="en-US" b="1" dirty="0"/>
-              <a:t>         WHERE </a:t>
-            </a:r>
-            <a:r>
-              <a:rPr lang="en-US" b="1" dirty="0" err="1"/>
-              <a:t>LastName</a:t>
-            </a:r>
-            <a:r>
-              <a:rPr lang="en-US" b="1" dirty="0"/>
-              <a:t> = </a:t>
-            </a:r>
-            <a:r>
-              <a:rPr lang="en-US" b="1" dirty="0" err="1"/>
-              <a:t>plastname</a:t>
-            </a:r>
-            <a:r>
-              <a:rPr lang="en-US" b="1" dirty="0"/>
-              <a:t>;</a:t>
-            </a:r>
-            <a:endParaRPr lang="en-US" dirty="0"/>
-          </a:p>
-          <a:p>
-            <a:pPr marL="0" indent="0">
-              <a:buNone/>
-            </a:pPr>
-            <a:r>
-              <a:rPr lang="en-US" b="1" dirty="0"/>
-              <a:t>    END //</a:t>
-            </a:r>
-            <a:endParaRPr lang="en-US" dirty="0"/>
-          </a:p>
-          <a:p>
-            <a:pPr marL="0" indent="0">
-              <a:buNone/>
-            </a:pPr>
-            <a:r>
-              <a:rPr lang="en-US" b="1" dirty="0"/>
-              <a:t>DELIMITER ;</a:t>
-            </a:r>
-            <a:endParaRPr lang="en-US" dirty="0"/>
-          </a:p>
-          <a:p>
-            <a:pPr marL="0" indent="0">
-              <a:buNone/>
-            </a:pPr>
-            <a:r>
-              <a:rPr lang="en-US" b="1" dirty="0"/>
-              <a:t> </a:t>
-            </a:r>
             <a:endParaRPr lang="en-US" dirty="0"/>
           </a:p>
           <a:p>
@@ -15667,16 +15893,25 @@
             </a:r>
             <a:r>
               <a:rPr lang="en-US" b="1" dirty="0" err="1"/>
-              <a:t>usp_search_individualbylast</a:t>
+              <a:t>simpleproc</a:t>
             </a:r>
             <a:r>
               <a:rPr lang="en-US" b="1" dirty="0"/>
-              <a:t>('Ramone</a:t>
-            </a:r>
-            <a:r>
-              <a:rPr lang="en-US" b="1" dirty="0" smtClean="0"/>
-              <a:t>');</a:t>
-            </a:r>
+              <a:t>(@a);</a:t>
+            </a:r>
+            <a:endParaRPr lang="en-US" dirty="0"/>
+          </a:p>
+          <a:p>
+            <a:pPr marL="0" indent="0">
+              <a:buNone/>
+            </a:pPr>
+            <a:r>
+              <a:rPr lang="en-US" b="1" dirty="0"/>
+              <a:t>SELECT @a;</a:t>
+            </a:r>
+            <a:endParaRPr lang="en-US" dirty="0"/>
+          </a:p>
+          <a:p>
             <a:endParaRPr lang="en-US" dirty="0"/>
           </a:p>
         </p:txBody>
@@ -15684,7 +15919,7 @@
     </p:spTree>
     <p:extLst>
       <p:ext uri="{BB962C8B-B14F-4D97-AF65-F5344CB8AC3E}">
-        <p14:creationId xmlns:p14="http://schemas.microsoft.com/office/powerpoint/2010/main" val="2085675867"/>
+        <p14:creationId xmlns:p14="http://schemas.microsoft.com/office/powerpoint/2010/main" val="2300684174"/>
       </p:ext>
     </p:extLst>
   </p:cSld>
@@ -15721,19 +15956,14 @@
             <p:ph type="title"/>
           </p:nvPr>
         </p:nvSpPr>
-        <p:spPr>
-          <a:xfrm>
-            <a:off x="457200" y="152400"/>
-            <a:ext cx="8229600" cy="914400"/>
-          </a:xfrm>
-        </p:spPr>
+        <p:spPr/>
         <p:txBody>
           <a:bodyPr/>
           <a:lstStyle/>
           <a:p>
             <a:r>
               <a:rPr lang="en-US" dirty="0" smtClean="0"/>
-              <a:t>Parameter: OUT</a:t>
+              <a:t>Parameter: INOUT</a:t>
             </a:r>
             <a:endParaRPr lang="en-US" dirty="0"/>
           </a:p>
@@ -15749,259 +15979,12 @@
             <p:ph idx="1"/>
           </p:nvPr>
         </p:nvSpPr>
-        <p:spPr>
-          <a:xfrm>
-            <a:off x="457200" y="1219200"/>
-            <a:ext cx="8153400" cy="5334000"/>
-          </a:xfrm>
-        </p:spPr>
-        <p:txBody>
-          <a:bodyPr>
-            <a:normAutofit fontScale="70000" lnSpcReduction="20000"/>
-          </a:bodyPr>
-          <a:lstStyle/>
-          <a:p>
-            <a:r>
-              <a:rPr lang="en-US" dirty="0" smtClean="0"/>
-              <a:t>The value </a:t>
-            </a:r>
-            <a:r>
-              <a:rPr lang="en-US" dirty="0"/>
-              <a:t>of an OUT parameter can be changed inside the stored procedure and its new value is passed back OUT to the calling </a:t>
-            </a:r>
-            <a:r>
-              <a:rPr lang="en-US" dirty="0" smtClean="0"/>
-              <a:t>program.</a:t>
-            </a:r>
-          </a:p>
-          <a:p>
-            <a:pPr marL="0" indent="0">
-              <a:buNone/>
-            </a:pPr>
-            <a:endParaRPr lang="en-US" b="1" dirty="0" smtClean="0"/>
-          </a:p>
-          <a:p>
-            <a:pPr marL="0" indent="0">
-              <a:buNone/>
-            </a:pPr>
-            <a:r>
-              <a:rPr lang="en-US" b="1" dirty="0" smtClean="0"/>
-              <a:t>USE </a:t>
-            </a:r>
-            <a:r>
-              <a:rPr lang="en-US" b="1" dirty="0"/>
-              <a:t>rockstarday2</a:t>
-            </a:r>
-            <a:r>
-              <a:rPr lang="en-US" b="1" dirty="0" smtClean="0"/>
-              <a:t>;</a:t>
-            </a:r>
-            <a:endParaRPr lang="en-US" dirty="0"/>
-          </a:p>
-          <a:p>
-            <a:pPr marL="0" indent="0">
-              <a:buNone/>
-            </a:pPr>
-            <a:r>
-              <a:rPr lang="en-US" b="1" dirty="0"/>
-              <a:t>DROP PROCEDURE IF EXISTS </a:t>
-            </a:r>
-            <a:r>
-              <a:rPr lang="en-US" b="1" dirty="0" err="1"/>
-              <a:t>simpleproc</a:t>
-            </a:r>
-            <a:r>
-              <a:rPr lang="en-US" b="1" dirty="0"/>
-              <a:t>;</a:t>
-            </a:r>
-            <a:endParaRPr lang="en-US" dirty="0"/>
-          </a:p>
-          <a:p>
-            <a:pPr marL="0" indent="0">
-              <a:buNone/>
-            </a:pPr>
-            <a:r>
-              <a:rPr lang="en-US" b="1" dirty="0"/>
-              <a:t> </a:t>
-            </a:r>
-            <a:endParaRPr lang="en-US" dirty="0"/>
-          </a:p>
-          <a:p>
-            <a:pPr marL="0" indent="0">
-              <a:buNone/>
-            </a:pPr>
-            <a:r>
-              <a:rPr lang="en-US" b="1" dirty="0"/>
-              <a:t>delimiter //</a:t>
-            </a:r>
-            <a:endParaRPr lang="en-US" dirty="0"/>
-          </a:p>
-          <a:p>
-            <a:pPr marL="0" indent="0">
-              <a:buNone/>
-            </a:pPr>
-            <a:r>
-              <a:rPr lang="en-US" b="1" dirty="0"/>
-              <a:t>CREATE PROCEDURE </a:t>
-            </a:r>
-            <a:r>
-              <a:rPr lang="en-US" b="1" dirty="0" err="1"/>
-              <a:t>simpleproc</a:t>
-            </a:r>
-            <a:r>
-              <a:rPr lang="en-US" b="1" dirty="0"/>
-              <a:t> (OUT param1 INT)</a:t>
-            </a:r>
-            <a:endParaRPr lang="en-US" dirty="0"/>
-          </a:p>
-          <a:p>
-            <a:pPr marL="0" indent="0">
-              <a:buNone/>
-            </a:pPr>
-            <a:r>
-              <a:rPr lang="en-US" b="1" dirty="0"/>
-              <a:t>BEGIN </a:t>
-            </a:r>
-            <a:endParaRPr lang="en-US" dirty="0"/>
-          </a:p>
-          <a:p>
-            <a:pPr marL="0" indent="0">
-              <a:buNone/>
-            </a:pPr>
-            <a:r>
-              <a:rPr lang="en-US" b="1" dirty="0"/>
-              <a:t>SELECT COUNT(*) INTO param1 FROM individual;</a:t>
-            </a:r>
-            <a:endParaRPr lang="en-US" dirty="0"/>
-          </a:p>
-          <a:p>
-            <a:pPr marL="0" indent="0">
-              <a:buNone/>
-            </a:pPr>
-            <a:r>
-              <a:rPr lang="en-US" b="1" dirty="0"/>
-              <a:t>END//</a:t>
-            </a:r>
-            <a:endParaRPr lang="en-US" dirty="0"/>
-          </a:p>
-          <a:p>
-            <a:pPr marL="0" indent="0">
-              <a:buNone/>
-            </a:pPr>
-            <a:r>
-              <a:rPr lang="en-US" b="1" dirty="0"/>
-              <a:t>delimiter ;</a:t>
-            </a:r>
-            <a:endParaRPr lang="en-US" dirty="0"/>
-          </a:p>
-          <a:p>
-            <a:pPr marL="0" indent="0">
-              <a:buNone/>
-            </a:pPr>
-            <a:endParaRPr lang="en-US" dirty="0"/>
-          </a:p>
-          <a:p>
-            <a:pPr marL="0" indent="0">
-              <a:buNone/>
-            </a:pPr>
-            <a:r>
-              <a:rPr lang="en-US" b="1" dirty="0"/>
-              <a:t>CALL </a:t>
-            </a:r>
-            <a:r>
-              <a:rPr lang="en-US" b="1" dirty="0" err="1"/>
-              <a:t>simpleproc</a:t>
-            </a:r>
-            <a:r>
-              <a:rPr lang="en-US" b="1" dirty="0"/>
-              <a:t>(@a);</a:t>
-            </a:r>
-            <a:endParaRPr lang="en-US" dirty="0"/>
-          </a:p>
-          <a:p>
-            <a:pPr marL="0" indent="0">
-              <a:buNone/>
-            </a:pPr>
-            <a:r>
-              <a:rPr lang="en-US" b="1" dirty="0"/>
-              <a:t>SELECT @a;</a:t>
-            </a:r>
-            <a:endParaRPr lang="en-US" dirty="0"/>
-          </a:p>
-          <a:p>
-            <a:endParaRPr lang="en-US" dirty="0"/>
-          </a:p>
-        </p:txBody>
-      </p:sp>
-    </p:spTree>
-    <p:extLst>
-      <p:ext uri="{BB962C8B-B14F-4D97-AF65-F5344CB8AC3E}">
-        <p14:creationId xmlns:p14="http://schemas.microsoft.com/office/powerpoint/2010/main" val="2300684174"/>
-      </p:ext>
-    </p:extLst>
-  </p:cSld>
-  <p:clrMapOvr>
-    <a:masterClrMapping/>
-  </p:clrMapOvr>
-</p:sld>
-</file>
-
-<file path=ppt/slides/slide72.xml><?xml version="1.0" encoding="utf-8"?>
-<p:sld xmlns:a="http://schemas.openxmlformats.org/drawingml/2006/main" xmlns:r="http://schemas.openxmlformats.org/officeDocument/2006/relationships" xmlns:p="http://schemas.openxmlformats.org/presentationml/2006/main">
-  <p:cSld>
-    <p:spTree>
-      <p:nvGrpSpPr>
-        <p:cNvPr id="1" name=""/>
-        <p:cNvGrpSpPr/>
-        <p:nvPr/>
-      </p:nvGrpSpPr>
-      <p:grpSpPr>
-        <a:xfrm>
-          <a:off x="0" y="0"/>
-          <a:ext cx="0" cy="0"/>
-          <a:chOff x="0" y="0"/>
-          <a:chExt cx="0" cy="0"/>
-        </a:xfrm>
-      </p:grpSpPr>
-      <p:sp>
-        <p:nvSpPr>
-          <p:cNvPr id="2" name="Title 1"/>
-          <p:cNvSpPr>
-            <a:spLocks noGrp="1"/>
-          </p:cNvSpPr>
-          <p:nvPr>
-            <p:ph type="title"/>
-          </p:nvPr>
-        </p:nvSpPr>
         <p:spPr/>
         <p:txBody>
           <a:bodyPr/>
           <a:lstStyle/>
           <a:p>
             <a:r>
-              <a:rPr lang="en-US" dirty="0" smtClean="0"/>
-              <a:t>Parameter: INOUT</a:t>
-            </a:r>
-            <a:endParaRPr lang="en-US" dirty="0"/>
-          </a:p>
-        </p:txBody>
-      </p:sp>
-      <p:sp>
-        <p:nvSpPr>
-          <p:cNvPr id="3" name="Content Placeholder 2"/>
-          <p:cNvSpPr>
-            <a:spLocks noGrp="1"/>
-          </p:cNvSpPr>
-          <p:nvPr>
-            <p:ph idx="1"/>
-          </p:nvPr>
-        </p:nvSpPr>
-        <p:spPr/>
-        <p:txBody>
-          <a:bodyPr/>
-          <a:lstStyle/>
-          <a:p>
-            <a:r>
               <a:rPr lang="en-US" dirty="0"/>
               <a:t>An INOUT parameter is the combination of IN parameter and OUT </a:t>
             </a:r>
@@ -16019,7 +16002,6 @@
               <a:rPr lang="en-US" dirty="0"/>
               <a:t>program may pass the argument, and the stored procedure can modify the INOUT parameter and pass the new value back to the calling program.</a:t>
             </a:r>
-            <a:endParaRPr lang="en-US" dirty="0"/>
           </a:p>
         </p:txBody>
       </p:sp>
@@ -16036,7 +16018,7 @@
 </p:sld>
 </file>
 
-<file path=ppt/slides/slide73.xml><?xml version="1.0" encoding="utf-8"?>
+<file path=ppt/slides/slide72.xml><?xml version="1.0" encoding="utf-8"?>
 <p:sld xmlns:a="http://schemas.openxmlformats.org/drawingml/2006/main" xmlns:r="http://schemas.openxmlformats.org/officeDocument/2006/relationships" xmlns:p="http://schemas.openxmlformats.org/presentationml/2006/main">
   <p:cSld>
     <p:spTree>
@@ -16116,7 +16098,7 @@
 </p:sld>
 </file>
 
-<file path=ppt/slides/slide74.xml><?xml version="1.0" encoding="utf-8"?>
+<file path=ppt/slides/slide73.xml><?xml version="1.0" encoding="utf-8"?>
 <p:sld xmlns:a="http://schemas.openxmlformats.org/drawingml/2006/main" xmlns:r="http://schemas.openxmlformats.org/officeDocument/2006/relationships" xmlns:p="http://schemas.openxmlformats.org/presentationml/2006/main">
   <p:cSld>
     <p:spTree>
@@ -16254,7 +16236,7 @@
 </p:sld>
 </file>
 
-<file path=ppt/slides/slide75.xml><?xml version="1.0" encoding="utf-8"?>
+<file path=ppt/slides/slide74.xml><?xml version="1.0" encoding="utf-8"?>
 <p:sld xmlns:a="http://schemas.openxmlformats.org/drawingml/2006/main" xmlns:r="http://schemas.openxmlformats.org/officeDocument/2006/relationships" xmlns:p="http://schemas.openxmlformats.org/presentationml/2006/main">
   <p:cSld>
     <p:spTree>
@@ -16436,6 +16418,192 @@
 </p:sld>
 </file>
 
+<file path=ppt/slides/slide75.xml><?xml version="1.0" encoding="utf-8"?>
+<p:sld xmlns:a="http://schemas.openxmlformats.org/drawingml/2006/main" xmlns:r="http://schemas.openxmlformats.org/officeDocument/2006/relationships" xmlns:p="http://schemas.openxmlformats.org/presentationml/2006/main">
+  <p:cSld>
+    <p:spTree>
+      <p:nvGrpSpPr>
+        <p:cNvPr id="1" name=""/>
+        <p:cNvGrpSpPr/>
+        <p:nvPr/>
+      </p:nvGrpSpPr>
+      <p:grpSpPr>
+        <a:xfrm>
+          <a:off x="0" y="0"/>
+          <a:ext cx="0" cy="0"/>
+          <a:chOff x="0" y="0"/>
+          <a:chExt cx="0" cy="0"/>
+        </a:xfrm>
+      </p:grpSpPr>
+      <p:sp>
+        <p:nvSpPr>
+          <p:cNvPr id="2" name="Title 1"/>
+          <p:cNvSpPr>
+            <a:spLocks noGrp="1"/>
+          </p:cNvSpPr>
+          <p:nvPr>
+            <p:ph type="title"/>
+          </p:nvPr>
+        </p:nvSpPr>
+        <p:spPr>
+          <a:xfrm>
+            <a:off x="381000" y="304800"/>
+            <a:ext cx="8229600" cy="1295400"/>
+          </a:xfrm>
+        </p:spPr>
+        <p:txBody>
+          <a:bodyPr>
+            <a:normAutofit/>
+          </a:bodyPr>
+          <a:lstStyle/>
+          <a:p>
+            <a:r>
+              <a:rPr lang="en-US" sz="3100" b="1" cap="all" dirty="0"/>
+              <a:t>Local Variable DECLARE Syntax within a stored </a:t>
+            </a:r>
+            <a:r>
+              <a:rPr lang="en-US" sz="3100" b="1" cap="all" dirty="0" smtClean="0"/>
+              <a:t>program/routine</a:t>
+            </a:r>
+            <a:endParaRPr lang="en-US" dirty="0"/>
+          </a:p>
+        </p:txBody>
+      </p:sp>
+      <p:sp>
+        <p:nvSpPr>
+          <p:cNvPr id="3" name="Content Placeholder 2"/>
+          <p:cNvSpPr>
+            <a:spLocks noGrp="1"/>
+          </p:cNvSpPr>
+          <p:nvPr>
+            <p:ph idx="1"/>
+          </p:nvPr>
+        </p:nvSpPr>
+        <p:spPr>
+          <a:xfrm>
+            <a:off x="304800" y="1905000"/>
+            <a:ext cx="8229600" cy="3611563"/>
+          </a:xfrm>
+        </p:spPr>
+        <p:txBody>
+          <a:bodyPr>
+            <a:normAutofit fontScale="70000" lnSpcReduction="20000"/>
+          </a:bodyPr>
+          <a:lstStyle/>
+          <a:p>
+            <a:r>
+              <a:rPr lang="en-US" dirty="0"/>
+              <a:t>Use the DECLARE statement to declare local variables within stored routines</a:t>
+            </a:r>
+            <a:r>
+              <a:rPr lang="en-US" dirty="0" smtClean="0"/>
+              <a:t>.</a:t>
+            </a:r>
+          </a:p>
+          <a:p>
+            <a:r>
+              <a:rPr lang="en-US" dirty="0" smtClean="0"/>
+              <a:t>Define </a:t>
+            </a:r>
+            <a:r>
+              <a:rPr lang="en-US" dirty="0"/>
+              <a:t>the data type. ex:  INT or VARCHAR(25</a:t>
+            </a:r>
+            <a:r>
+              <a:rPr lang="en-US" dirty="0" smtClean="0"/>
+              <a:t>)</a:t>
+            </a:r>
+          </a:p>
+          <a:p>
+            <a:r>
+              <a:rPr lang="en-US" b="1" dirty="0"/>
+              <a:t>DECLARE </a:t>
+            </a:r>
+            <a:r>
+              <a:rPr lang="en-US" b="1" dirty="0" err="1"/>
+              <a:t>var_name</a:t>
+            </a:r>
+            <a:r>
+              <a:rPr lang="en-US" b="1" dirty="0"/>
+              <a:t> </a:t>
+            </a:r>
+            <a:r>
+              <a:rPr lang="en-US" b="1" dirty="0" smtClean="0"/>
+              <a:t> type </a:t>
+            </a:r>
+            <a:r>
+              <a:rPr lang="en-US" b="1" dirty="0"/>
+              <a:t>[DEFAULT value</a:t>
+            </a:r>
+            <a:r>
+              <a:rPr lang="en-US" b="1" dirty="0" smtClean="0"/>
+              <a:t>];</a:t>
+            </a:r>
+            <a:endParaRPr lang="en-US" dirty="0"/>
+          </a:p>
+          <a:p>
+            <a:r>
+              <a:rPr lang="en-US" dirty="0"/>
+              <a:t>To provide a default value for a variable, include a DEFAULT clause. The value can be specified as an expression; it need not be a constant. If the DEFAULT clause is missing, the initial value is NULL</a:t>
+            </a:r>
+            <a:r>
+              <a:rPr lang="en-US" dirty="0" smtClean="0"/>
+              <a:t>.</a:t>
+            </a:r>
+          </a:p>
+          <a:p>
+            <a:r>
+              <a:rPr lang="en-US" dirty="0"/>
+              <a:t>The scope of a local variable is the BEGIN ... END block within which it is declared</a:t>
+            </a:r>
+            <a:r>
+              <a:rPr lang="en-US" dirty="0" smtClean="0"/>
+              <a:t>.</a:t>
+            </a:r>
+          </a:p>
+          <a:p>
+            <a:r>
+              <a:rPr lang="en-US" dirty="0" smtClean="0"/>
+              <a:t>Let’s check out: </a:t>
+            </a:r>
+            <a:r>
+              <a:rPr lang="en-US" b="1" dirty="0" err="1" smtClean="0"/>
+              <a:t>usp_teamcountbyleague</a:t>
+            </a:r>
+            <a:endParaRPr lang="en-US" b="1" dirty="0" smtClean="0"/>
+          </a:p>
+          <a:p>
+            <a:pPr lvl="1"/>
+            <a:r>
+              <a:rPr lang="en-US" b="1" dirty="0" smtClean="0"/>
+              <a:t>Within the SQLSCRIPTS\BASEBALL folder</a:t>
+            </a:r>
+            <a:endParaRPr lang="en-US" b="1" dirty="0"/>
+          </a:p>
+          <a:p>
+            <a:pPr marL="0" indent="0">
+              <a:buNone/>
+            </a:pPr>
+            <a:endParaRPr lang="en-US" dirty="0"/>
+          </a:p>
+          <a:p>
+            <a:endParaRPr lang="en-US" dirty="0"/>
+          </a:p>
+        </p:txBody>
+      </p:sp>
+    </p:spTree>
+    <p:extLst>
+      <p:ext uri="{BB962C8B-B14F-4D97-AF65-F5344CB8AC3E}">
+        <p14:creationId xmlns:p14="http://schemas.microsoft.com/office/powerpoint/2010/main" val="1126444081"/>
+      </p:ext>
+    </p:extLst>
+  </p:cSld>
+  <p:clrMapOvr>
+    <a:masterClrMapping/>
+  </p:clrMapOvr>
+</p:sld>
+</file>
+
 <file path=ppt/slides/slide76.xml><?xml version="1.0" encoding="utf-8"?>
 <p:sld xmlns:a="http://schemas.openxmlformats.org/drawingml/2006/main" xmlns:r="http://schemas.openxmlformats.org/officeDocument/2006/relationships" xmlns:p="http://schemas.openxmlformats.org/presentationml/2006/main">
   <p:cSld>
@@ -16465,154 +16633,117 @@
         </p:nvSpPr>
         <p:spPr>
           <a:xfrm>
-            <a:off x="381000" y="304800"/>
-            <a:ext cx="8229600" cy="1295400"/>
+            <a:off x="304800" y="685800"/>
+            <a:ext cx="8229600" cy="1143000"/>
           </a:xfrm>
         </p:spPr>
         <p:txBody>
-          <a:bodyPr>
-            <a:normAutofit/>
+          <a:bodyPr vert="horz" lIns="91440" tIns="45720" rIns="91440" bIns="45720" rtlCol="0" anchor="ctr">
+            <a:noAutofit/>
           </a:bodyPr>
           <a:lstStyle/>
           <a:p>
             <a:r>
-              <a:rPr lang="en-US" sz="3100" b="1" cap="all" dirty="0"/>
-              <a:t>Local Variable DECLARE Syntax within a stored </a:t>
-            </a:r>
-            <a:r>
-              <a:rPr lang="en-US" sz="3100" b="1" cap="all" dirty="0" smtClean="0"/>
-              <a:t>program/routine</a:t>
-            </a:r>
-            <a:endParaRPr lang="en-US" dirty="0"/>
-          </a:p>
-        </p:txBody>
-      </p:sp>
-      <p:sp>
-        <p:nvSpPr>
-          <p:cNvPr id="3" name="Content Placeholder 2"/>
-          <p:cNvSpPr>
-            <a:spLocks noGrp="1"/>
-          </p:cNvSpPr>
-          <p:nvPr>
-            <p:ph idx="1"/>
-          </p:nvPr>
+              <a:rPr lang="en-US" sz="3600" b="1" i="1" cap="all" dirty="0"/>
+              <a:t>EXERCISE 7:  CREATE A SIMPLE STORED PROCEDURE WITH AN IN PARAMETER</a:t>
+            </a:r>
+          </a:p>
+        </p:txBody>
+      </p:sp>
+      <p:sp>
+        <p:nvSpPr>
+          <p:cNvPr id="4" name="Title 1"/>
+          <p:cNvSpPr txBox="1">
+            <a:spLocks/>
+          </p:cNvSpPr>
+          <p:nvPr/>
         </p:nvSpPr>
         <p:spPr>
           <a:xfrm>
-            <a:off x="304800" y="1905000"/>
-            <a:ext cx="8229600" cy="3611563"/>
+            <a:off x="370268" y="4114800"/>
+            <a:ext cx="8229600" cy="1143000"/>
           </a:xfrm>
+          <a:prstGeom prst="rect">
+            <a:avLst/>
+          </a:prstGeom>
         </p:spPr>
         <p:txBody>
-          <a:bodyPr>
-            <a:normAutofit fontScale="70000" lnSpcReduction="20000"/>
+          <a:bodyPr vert="horz" lIns="91440" tIns="45720" rIns="91440" bIns="45720" rtlCol="0" anchor="ctr">
+            <a:normAutofit fontScale="97500" lnSpcReduction="10000"/>
           </a:bodyPr>
-          <a:lstStyle/>
-          <a:p>
-            <a:r>
-              <a:rPr lang="en-US" dirty="0"/>
-              <a:t>Use the DECLARE statement to declare local variables within stored routines</a:t>
-            </a:r>
-            <a:r>
-              <a:rPr lang="en-US" dirty="0" smtClean="0"/>
-              <a:t>.</a:t>
-            </a:r>
-          </a:p>
-          <a:p>
-            <a:r>
-              <a:rPr lang="en-US" dirty="0" smtClean="0"/>
-              <a:t>Define </a:t>
-            </a:r>
-            <a:r>
-              <a:rPr lang="en-US" dirty="0"/>
-              <a:t>the data type. ex:  INT or VARCHAR(25</a:t>
-            </a:r>
-            <a:r>
-              <a:rPr lang="en-US" dirty="0" smtClean="0"/>
-              <a:t>)</a:t>
-            </a:r>
-          </a:p>
-          <a:p>
-            <a:r>
-              <a:rPr lang="en-US" b="1" dirty="0"/>
-              <a:t>DECLARE </a:t>
-            </a:r>
-            <a:r>
-              <a:rPr lang="en-US" b="1" dirty="0" err="1"/>
-              <a:t>var_name</a:t>
-            </a:r>
-            <a:r>
-              <a:rPr lang="en-US" b="1" dirty="0"/>
-              <a:t> </a:t>
-            </a:r>
-            <a:r>
-              <a:rPr lang="en-US" b="1" dirty="0" smtClean="0"/>
-              <a:t> type </a:t>
-            </a:r>
-            <a:r>
-              <a:rPr lang="en-US" b="1" dirty="0"/>
-              <a:t>[DEFAULT value</a:t>
-            </a:r>
-            <a:r>
-              <a:rPr lang="en-US" b="1" dirty="0" smtClean="0"/>
-              <a:t>];</a:t>
-            </a:r>
-            <a:endParaRPr lang="en-US" dirty="0"/>
-          </a:p>
-          <a:p>
-            <a:r>
-              <a:rPr lang="en-US" dirty="0"/>
-              <a:t>To provide a default value for a variable, include a DEFAULT clause. The value can be specified as an expression; it need not be a constant. If the DEFAULT clause is missing, the initial value is NULL</a:t>
-            </a:r>
-            <a:r>
-              <a:rPr lang="en-US" dirty="0" smtClean="0"/>
-              <a:t>.</a:t>
-            </a:r>
-          </a:p>
-          <a:p>
-            <a:r>
-              <a:rPr lang="en-US" dirty="0"/>
-              <a:t>The scope of a local variable is the BEGIN ... END block within which it is declared</a:t>
-            </a:r>
-            <a:r>
-              <a:rPr lang="en-US" dirty="0" smtClean="0"/>
-              <a:t>.</a:t>
-            </a:r>
-          </a:p>
-          <a:p>
-            <a:r>
-              <a:rPr lang="en-US" dirty="0" smtClean="0"/>
-              <a:t>Let’s check out: </a:t>
-            </a:r>
-            <a:r>
-              <a:rPr lang="en-US" b="1" dirty="0" err="1" smtClean="0"/>
-              <a:t>usp_teamcountbyleague</a:t>
-            </a:r>
-            <a:endParaRPr lang="en-US" b="1" dirty="0" smtClean="0"/>
-          </a:p>
-          <a:p>
-            <a:pPr lvl="1"/>
-            <a:r>
-              <a:rPr lang="en-US" b="1" dirty="0" smtClean="0"/>
-              <a:t>Within the SQLSCRIPTS\BASEBALL folder</a:t>
-            </a:r>
-            <a:endParaRPr lang="en-US" b="1" dirty="0"/>
-          </a:p>
-          <a:p>
-            <a:pPr marL="0" indent="0">
-              <a:buNone/>
-            </a:pPr>
-            <a:endParaRPr lang="en-US" dirty="0"/>
-          </a:p>
-          <a:p>
-            <a:endParaRPr lang="en-US" dirty="0"/>
+          <a:lstStyle>
+            <a:lvl1pPr algn="ctr" defTabSz="914400" rtl="0" eaLnBrk="1" latinLnBrk="0" hangingPunct="1">
+              <a:spcBef>
+                <a:spcPct val="0"/>
+              </a:spcBef>
+              <a:buNone/>
+              <a:defRPr sz="4400" kern="1200">
+                <a:solidFill>
+                  <a:schemeClr val="tx1"/>
+                </a:solidFill>
+                <a:latin typeface="+mj-lt"/>
+                <a:ea typeface="+mj-ea"/>
+                <a:cs typeface="+mj-cs"/>
+              </a:defRPr>
+            </a:lvl1pPr>
+          </a:lstStyle>
+          <a:p>
+            <a:r>
+              <a:rPr lang="en-US" sz="3600" b="1" i="1" cap="all" dirty="0"/>
+              <a:t>Exercise 9:  Rewrite using INOUT parameter</a:t>
+            </a:r>
+          </a:p>
+        </p:txBody>
+      </p:sp>
+      <p:sp>
+        <p:nvSpPr>
+          <p:cNvPr id="5" name="Title 1"/>
+          <p:cNvSpPr txBox="1">
+            <a:spLocks/>
+          </p:cNvSpPr>
+          <p:nvPr/>
+        </p:nvSpPr>
+        <p:spPr>
+          <a:xfrm>
+            <a:off x="370268" y="2362200"/>
+            <a:ext cx="8229600" cy="1143000"/>
+          </a:xfrm>
+          <a:prstGeom prst="rect">
+            <a:avLst/>
+          </a:prstGeom>
+        </p:spPr>
+        <p:txBody>
+          <a:bodyPr vert="horz" lIns="91440" tIns="45720" rIns="91440" bIns="45720" rtlCol="0" anchor="ctr">
+            <a:normAutofit fontScale="97500" lnSpcReduction="10000"/>
+          </a:bodyPr>
+          <a:lstStyle>
+            <a:lvl1pPr algn="ctr" defTabSz="914400" rtl="0" eaLnBrk="1" latinLnBrk="0" hangingPunct="1">
+              <a:spcBef>
+                <a:spcPct val="0"/>
+              </a:spcBef>
+              <a:buNone/>
+              <a:defRPr sz="4400" kern="1200">
+                <a:solidFill>
+                  <a:schemeClr val="tx1"/>
+                </a:solidFill>
+                <a:latin typeface="+mj-lt"/>
+                <a:ea typeface="+mj-ea"/>
+                <a:cs typeface="+mj-cs"/>
+              </a:defRPr>
+            </a:lvl1pPr>
+          </a:lstStyle>
+          <a:p>
+            <a:r>
+              <a:rPr lang="en-US" sz="3600" b="1" i="1" cap="all" dirty="0"/>
+              <a:t>Exercise 8:  Create a Stored Procedure with an IN and OUT parameters</a:t>
+            </a:r>
           </a:p>
         </p:txBody>
       </p:sp>
     </p:spTree>
     <p:extLst>
       <p:ext uri="{BB962C8B-B14F-4D97-AF65-F5344CB8AC3E}">
-        <p14:creationId xmlns:p14="http://schemas.microsoft.com/office/powerpoint/2010/main" val="1126444081"/>
+        <p14:creationId xmlns:p14="http://schemas.microsoft.com/office/powerpoint/2010/main" val="3675892026"/>
       </p:ext>
     </p:extLst>
   </p:cSld>
@@ -16649,119 +16780,103 @@
             <p:ph type="title"/>
           </p:nvPr>
         </p:nvSpPr>
-        <p:spPr>
-          <a:xfrm>
-            <a:off x="304800" y="685800"/>
-            <a:ext cx="8229600" cy="1143000"/>
-          </a:xfrm>
-        </p:spPr>
-        <p:txBody>
-          <a:bodyPr vert="horz" lIns="91440" tIns="45720" rIns="91440" bIns="45720" rtlCol="0" anchor="ctr">
-            <a:noAutofit/>
+        <p:spPr/>
+        <p:txBody>
+          <a:bodyPr>
+            <a:normAutofit/>
           </a:bodyPr>
           <a:lstStyle/>
           <a:p>
             <a:r>
-              <a:rPr lang="en-US" sz="3600" b="1" i="1" cap="all" dirty="0"/>
-              <a:t>EXERCISE 7:  CREATE A SIMPLE STORED PROCEDURE WITH AN IN PARAMETER</a:t>
-            </a:r>
-          </a:p>
-        </p:txBody>
-      </p:sp>
-      <p:sp>
-        <p:nvSpPr>
-          <p:cNvPr id="4" name="Title 1"/>
-          <p:cNvSpPr txBox="1">
-            <a:spLocks/>
-          </p:cNvSpPr>
-          <p:nvPr/>
-        </p:nvSpPr>
-        <p:spPr>
-          <a:xfrm>
-            <a:off x="370268" y="4114800"/>
-            <a:ext cx="8229600" cy="1143000"/>
-          </a:xfrm>
-          <a:prstGeom prst="rect">
-            <a:avLst/>
-          </a:prstGeom>
-        </p:spPr>
-        <p:txBody>
-          <a:bodyPr vert="horz" lIns="91440" tIns="45720" rIns="91440" bIns="45720" rtlCol="0" anchor="ctr">
-            <a:normAutofit fontScale="97500" lnSpcReduction="10000"/>
-          </a:bodyPr>
-          <a:lstStyle>
-            <a:lvl1pPr algn="ctr" defTabSz="914400" rtl="0" eaLnBrk="1" latinLnBrk="0" hangingPunct="1">
-              <a:spcBef>
-                <a:spcPct val="0"/>
-              </a:spcBef>
-              <a:buNone/>
-              <a:defRPr sz="4400" kern="1200">
-                <a:solidFill>
-                  <a:schemeClr val="tx1"/>
-                </a:solidFill>
-                <a:latin typeface="+mj-lt"/>
-                <a:ea typeface="+mj-ea"/>
-                <a:cs typeface="+mj-cs"/>
-              </a:defRPr>
-            </a:lvl1pPr>
-          </a:lstStyle>
-          <a:p>
-            <a:r>
-              <a:rPr lang="en-US" sz="3600" b="1" i="1" cap="all" dirty="0"/>
-              <a:t>Exercise 9:  Rewrite using INOUT parameter</a:t>
-            </a:r>
-          </a:p>
-        </p:txBody>
-      </p:sp>
-      <p:sp>
-        <p:nvSpPr>
-          <p:cNvPr id="5" name="Title 1"/>
-          <p:cNvSpPr txBox="1">
-            <a:spLocks/>
-          </p:cNvSpPr>
-          <p:nvPr/>
-        </p:nvSpPr>
-        <p:spPr>
-          <a:xfrm>
-            <a:off x="370268" y="2362200"/>
-            <a:ext cx="8229600" cy="1143000"/>
-          </a:xfrm>
-          <a:prstGeom prst="rect">
-            <a:avLst/>
-          </a:prstGeom>
-        </p:spPr>
-        <p:txBody>
-          <a:bodyPr vert="horz" lIns="91440" tIns="45720" rIns="91440" bIns="45720" rtlCol="0" anchor="ctr">
-            <a:normAutofit fontScale="97500" lnSpcReduction="10000"/>
-          </a:bodyPr>
-          <a:lstStyle>
-            <a:lvl1pPr algn="ctr" defTabSz="914400" rtl="0" eaLnBrk="1" latinLnBrk="0" hangingPunct="1">
-              <a:spcBef>
-                <a:spcPct val="0"/>
-              </a:spcBef>
-              <a:buNone/>
-              <a:defRPr sz="4400" kern="1200">
-                <a:solidFill>
-                  <a:schemeClr val="tx1"/>
-                </a:solidFill>
-                <a:latin typeface="+mj-lt"/>
-                <a:ea typeface="+mj-ea"/>
-                <a:cs typeface="+mj-cs"/>
-              </a:defRPr>
-            </a:lvl1pPr>
-          </a:lstStyle>
-          <a:p>
-            <a:r>
-              <a:rPr lang="en-US" sz="3600" b="1" i="1" cap="all" dirty="0"/>
-              <a:t>Exercise 8:  Create a Stored Procedure with an IN and OUT parameters</a:t>
-            </a:r>
+              <a:rPr lang="en-US" b="1" cap="all" dirty="0"/>
+              <a:t>Using the IF </a:t>
+            </a:r>
+            <a:r>
+              <a:rPr lang="en-US" b="1" cap="all" dirty="0" smtClean="0"/>
+              <a:t>Statement</a:t>
+            </a:r>
+            <a:endParaRPr lang="en-US" dirty="0"/>
+          </a:p>
+        </p:txBody>
+      </p:sp>
+      <p:sp>
+        <p:nvSpPr>
+          <p:cNvPr id="3" name="Content Placeholder 2"/>
+          <p:cNvSpPr>
+            <a:spLocks noGrp="1"/>
+          </p:cNvSpPr>
+          <p:nvPr>
+            <p:ph idx="1"/>
+          </p:nvPr>
+        </p:nvSpPr>
+        <p:spPr/>
+        <p:txBody>
+          <a:bodyPr/>
+          <a:lstStyle/>
+          <a:p>
+            <a:r>
+              <a:rPr lang="en-US" dirty="0" smtClean="0"/>
+              <a:t>Conditionally </a:t>
+            </a:r>
+            <a:r>
+              <a:rPr lang="en-US" dirty="0"/>
+              <a:t>branch your execution </a:t>
+            </a:r>
+            <a:r>
+              <a:rPr lang="en-US" dirty="0" smtClean="0"/>
+              <a:t>logic</a:t>
+            </a:r>
+          </a:p>
+          <a:p>
+            <a:r>
+              <a:rPr lang="en-US" dirty="0" smtClean="0"/>
+              <a:t>Evaluate a condition, if True then perform SQL statements</a:t>
+            </a:r>
+          </a:p>
+          <a:p>
+            <a:pPr marL="0" indent="0">
+              <a:buNone/>
+            </a:pPr>
+            <a:r>
+              <a:rPr lang="en-US" b="1" dirty="0"/>
+              <a:t>IF &lt;some condition&gt; THEN </a:t>
+            </a:r>
+            <a:endParaRPr lang="en-US" dirty="0"/>
+          </a:p>
+          <a:p>
+            <a:pPr marL="0" indent="0">
+              <a:buNone/>
+            </a:pPr>
+            <a:r>
+              <a:rPr lang="en-US" b="1" dirty="0" smtClean="0"/>
+              <a:t>	&lt;</a:t>
+            </a:r>
+            <a:r>
+              <a:rPr lang="en-US" b="1" dirty="0"/>
+              <a:t>Perform Some Statements&gt;  </a:t>
+            </a:r>
+            <a:endParaRPr lang="en-US" dirty="0"/>
+          </a:p>
+          <a:p>
+            <a:pPr marL="0" indent="0">
+              <a:buNone/>
+            </a:pPr>
+            <a:r>
+              <a:rPr lang="en-US" b="1" dirty="0"/>
+              <a:t>END IF</a:t>
+            </a:r>
+            <a:r>
+              <a:rPr lang="en-US" dirty="0" smtClean="0"/>
+              <a:t> </a:t>
+            </a:r>
+            <a:endParaRPr lang="en-US" dirty="0"/>
           </a:p>
         </p:txBody>
       </p:sp>
     </p:spTree>
     <p:extLst>
       <p:ext uri="{BB962C8B-B14F-4D97-AF65-F5344CB8AC3E}">
-        <p14:creationId xmlns:p14="http://schemas.microsoft.com/office/powerpoint/2010/main" val="3675892026"/>
+        <p14:creationId xmlns:p14="http://schemas.microsoft.com/office/powerpoint/2010/main" val="1408560917"/>
       </p:ext>
     </p:extLst>
   </p:cSld>
@@ -16798,7 +16913,12 @@
             <p:ph type="title"/>
           </p:nvPr>
         </p:nvSpPr>
-        <p:spPr/>
+        <p:spPr>
+          <a:xfrm>
+            <a:off x="457200" y="152400"/>
+            <a:ext cx="8229600" cy="868362"/>
+          </a:xfrm>
+        </p:spPr>
         <p:txBody>
           <a:bodyPr>
             <a:normAutofit/>
@@ -16806,14 +16926,10 @@
           <a:lstStyle/>
           <a:p>
             <a:r>
-              <a:rPr lang="en-US" b="1" cap="all" dirty="0"/>
-              <a:t>Using the IF </a:t>
-            </a:r>
-            <a:r>
-              <a:rPr lang="en-US" b="1" cap="all" dirty="0" smtClean="0"/>
-              <a:t>Statement</a:t>
-            </a:r>
-            <a:endParaRPr lang="en-US" dirty="0"/>
+              <a:rPr lang="en-US" b="1" dirty="0" smtClean="0"/>
+              <a:t>ELSEIF</a:t>
+            </a:r>
+            <a:endParaRPr lang="en-US" b="1" dirty="0"/>
           </a:p>
         </p:txBody>
       </p:sp>
@@ -16827,18 +16943,21 @@
             <p:ph idx="1"/>
           </p:nvPr>
         </p:nvSpPr>
-        <p:spPr/>
-        <p:txBody>
-          <a:bodyPr/>
-          <a:lstStyle/>
-          <a:p>
-            <a:r>
-              <a:rPr lang="en-US" dirty="0" smtClean="0"/>
-              <a:t>Conditionally </a:t>
-            </a:r>
-            <a:r>
-              <a:rPr lang="en-US" dirty="0"/>
-              <a:t>branch your execution </a:t>
+        <p:spPr>
+          <a:xfrm>
+            <a:off x="457200" y="1143000"/>
+            <a:ext cx="8229600" cy="4983163"/>
+          </a:xfrm>
+        </p:spPr>
+        <p:txBody>
+          <a:bodyPr>
+            <a:normAutofit fontScale="85000" lnSpcReduction="20000"/>
+          </a:bodyPr>
+          <a:lstStyle/>
+          <a:p>
+            <a:r>
+              <a:rPr lang="en-US" dirty="0"/>
+              <a:t>ELSEIF statement to create another branch in your </a:t>
             </a:r>
             <a:r>
               <a:rPr lang="en-US" dirty="0" smtClean="0"/>
@@ -16847,17 +16966,28 @@
           </a:p>
           <a:p>
             <a:r>
-              <a:rPr lang="en-US" dirty="0" smtClean="0"/>
-              <a:t>Evaluate a condition, if True then perform SQL statements</a:t>
-            </a:r>
+              <a:rPr lang="en-US" dirty="0"/>
+              <a:t>mutually exclusive clauses </a:t>
+            </a:r>
+            <a:endParaRPr lang="en-US" dirty="0" smtClean="0"/>
           </a:p>
           <a:p>
             <a:pPr marL="0" indent="0">
               <a:buNone/>
             </a:pPr>
+            <a:endParaRPr lang="en-US" b="1" dirty="0" smtClean="0"/>
+          </a:p>
+          <a:p>
+            <a:pPr marL="0" indent="0">
+              <a:buNone/>
+            </a:pPr>
+            <a:r>
+              <a:rPr lang="en-US" b="1" dirty="0" smtClean="0"/>
+              <a:t>IF </a:t>
+            </a:r>
             <a:r>
               <a:rPr lang="en-US" b="1" dirty="0"/>
-              <a:t>IF &lt;some condition&gt; THEN </a:t>
+              <a:t>condition1 THEN</a:t>
             </a:r>
             <a:endParaRPr lang="en-US" dirty="0"/>
           </a:p>
@@ -16866,12 +16996,8 @@
               <a:buNone/>
             </a:pPr>
             <a:r>
-              <a:rPr lang="en-US" b="1" dirty="0" smtClean="0"/>
-              <a:t>	&lt;</a:t>
-            </a:r>
-            <a:r>
               <a:rPr lang="en-US" b="1" dirty="0"/>
-              <a:t>Perform Some Statements&gt;  </a:t>
+              <a:t> ...</a:t>
             </a:r>
             <a:endParaRPr lang="en-US" dirty="0"/>
           </a:p>
@@ -16881,12 +17007,71 @@
             </a:pPr>
             <a:r>
               <a:rPr lang="en-US" b="1" dirty="0"/>
-              <a:t>END IF</a:t>
-            </a:r>
-            <a:r>
-              <a:rPr lang="en-US" dirty="0" smtClean="0"/>
-              <a:t> </a:t>
-            </a:r>
+              <a:t>ELSEIF condition2 THEN</a:t>
+            </a:r>
+            <a:endParaRPr lang="en-US" dirty="0"/>
+          </a:p>
+          <a:p>
+            <a:pPr marL="0" indent="0">
+              <a:buNone/>
+            </a:pPr>
+            <a:r>
+              <a:rPr lang="en-US" b="1" dirty="0"/>
+              <a:t> ...</a:t>
+            </a:r>
+            <a:endParaRPr lang="en-US" dirty="0"/>
+          </a:p>
+          <a:p>
+            <a:pPr marL="0" indent="0">
+              <a:buNone/>
+            </a:pPr>
+            <a:r>
+              <a:rPr lang="en-US" b="1" dirty="0"/>
+              <a:t>ELSEIF condition3 THEN</a:t>
+            </a:r>
+            <a:endParaRPr lang="en-US" dirty="0"/>
+          </a:p>
+          <a:p>
+            <a:pPr marL="0" indent="0">
+              <a:buNone/>
+            </a:pPr>
+            <a:r>
+              <a:rPr lang="en-US" b="1" dirty="0"/>
+              <a:t> ...</a:t>
+            </a:r>
+            <a:endParaRPr lang="en-US" dirty="0"/>
+          </a:p>
+          <a:p>
+            <a:pPr marL="0" indent="0">
+              <a:buNone/>
+            </a:pPr>
+            <a:r>
+              <a:rPr lang="en-US" b="1" dirty="0"/>
+              <a:t>ELSE</a:t>
+            </a:r>
+            <a:endParaRPr lang="en-US" dirty="0"/>
+          </a:p>
+          <a:p>
+            <a:pPr marL="0" indent="0">
+              <a:buNone/>
+            </a:pPr>
+            <a:r>
+              <a:rPr lang="en-US" b="1" dirty="0"/>
+              <a:t> ...</a:t>
+            </a:r>
+            <a:endParaRPr lang="en-US" dirty="0"/>
+          </a:p>
+          <a:p>
+            <a:pPr marL="0" indent="0">
+              <a:buNone/>
+            </a:pPr>
+            <a:r>
+              <a:rPr lang="en-US" b="1" dirty="0"/>
+              <a:t>END IF;</a:t>
+            </a:r>
+            <a:endParaRPr lang="en-US" dirty="0"/>
+          </a:p>
+          <a:p>
             <a:endParaRPr lang="en-US" dirty="0"/>
           </a:p>
         </p:txBody>
@@ -16894,7 +17079,7 @@
     </p:spTree>
     <p:extLst>
       <p:ext uri="{BB962C8B-B14F-4D97-AF65-F5344CB8AC3E}">
-        <p14:creationId xmlns:p14="http://schemas.microsoft.com/office/powerpoint/2010/main" val="1408560917"/>
+        <p14:creationId xmlns:p14="http://schemas.microsoft.com/office/powerpoint/2010/main" val="3357048165"/>
       </p:ext>
     </p:extLst>
   </p:cSld>
@@ -16933,21 +17118,28 @@
         </p:nvSpPr>
         <p:spPr>
           <a:xfrm>
-            <a:off x="457200" y="152400"/>
-            <a:ext cx="8229600" cy="868362"/>
+            <a:off x="457200" y="533400"/>
+            <a:ext cx="8229600" cy="1143000"/>
           </a:xfrm>
         </p:spPr>
         <p:txBody>
           <a:bodyPr>
-            <a:normAutofit/>
+            <a:normAutofit fontScale="90000"/>
           </a:bodyPr>
           <a:lstStyle/>
           <a:p>
             <a:r>
-              <a:rPr lang="en-US" b="1" dirty="0" smtClean="0"/>
-              <a:t>ELSEIF</a:t>
-            </a:r>
-            <a:endParaRPr lang="en-US" b="1" dirty="0"/>
+              <a:rPr lang="en-US" b="1" i="1" cap="all" dirty="0"/>
+              <a:t>Exercise 10:  Using IF, ELSEIF and ELSE</a:t>
+            </a:r>
+            <a:r>
+              <a:rPr lang="en-US" b="1" cap="all" dirty="0"/>
+              <a:t/>
+            </a:r>
+            <a:br>
+              <a:rPr lang="en-US" b="1" cap="all" dirty="0"/>
+            </a:br>
+            <a:endParaRPr lang="en-US" dirty="0"/>
           </a:p>
         </p:txBody>
       </p:sp>
@@ -16961,143 +17153,19 @@
             <p:ph idx="1"/>
           </p:nvPr>
         </p:nvSpPr>
-        <p:spPr>
-          <a:xfrm>
-            <a:off x="457200" y="1143000"/>
-            <a:ext cx="8229600" cy="4983163"/>
-          </a:xfrm>
-        </p:spPr>
-        <p:txBody>
-          <a:bodyPr>
-            <a:normAutofit fontScale="85000" lnSpcReduction="20000"/>
-          </a:bodyPr>
-          <a:lstStyle/>
-          <a:p>
-            <a:r>
-              <a:rPr lang="en-US" dirty="0"/>
-              <a:t>ELSEIF statement to create another branch in your </a:t>
-            </a:r>
-            <a:r>
-              <a:rPr lang="en-US" dirty="0" smtClean="0"/>
-              <a:t>logic</a:t>
-            </a:r>
-          </a:p>
-          <a:p>
-            <a:r>
-              <a:rPr lang="en-US" dirty="0"/>
-              <a:t>mutually exclusive clauses </a:t>
-            </a:r>
-            <a:endParaRPr lang="en-US" dirty="0" smtClean="0"/>
-          </a:p>
-          <a:p>
-            <a:pPr marL="0" indent="0">
-              <a:buNone/>
-            </a:pPr>
-            <a:endParaRPr lang="en-US" b="1" dirty="0" smtClean="0"/>
-          </a:p>
-          <a:p>
-            <a:pPr marL="0" indent="0">
-              <a:buNone/>
-            </a:pPr>
-            <a:r>
-              <a:rPr lang="en-US" b="1" dirty="0" smtClean="0"/>
-              <a:t>IF </a:t>
-            </a:r>
-            <a:r>
-              <a:rPr lang="en-US" b="1" dirty="0"/>
-              <a:t>condition1 THEN</a:t>
-            </a:r>
-            <a:endParaRPr lang="en-US" dirty="0"/>
-          </a:p>
-          <a:p>
-            <a:pPr marL="0" indent="0">
-              <a:buNone/>
-            </a:pPr>
-            <a:r>
-              <a:rPr lang="en-US" b="1" dirty="0"/>
-              <a:t> ...</a:t>
-            </a:r>
-            <a:endParaRPr lang="en-US" dirty="0"/>
-          </a:p>
-          <a:p>
-            <a:pPr marL="0" indent="0">
-              <a:buNone/>
-            </a:pPr>
-            <a:r>
-              <a:rPr lang="en-US" b="1" dirty="0"/>
-              <a:t>ELSEIF condition2 THEN</a:t>
-            </a:r>
-            <a:endParaRPr lang="en-US" dirty="0"/>
-          </a:p>
-          <a:p>
-            <a:pPr marL="0" indent="0">
-              <a:buNone/>
-            </a:pPr>
-            <a:r>
-              <a:rPr lang="en-US" b="1" dirty="0"/>
-              <a:t> ...</a:t>
-            </a:r>
-            <a:endParaRPr lang="en-US" dirty="0"/>
-          </a:p>
-          <a:p>
-            <a:pPr marL="0" indent="0">
-              <a:buNone/>
-            </a:pPr>
-            <a:r>
-              <a:rPr lang="en-US" b="1" dirty="0"/>
-              <a:t>ELSEIF condition3 THEN</a:t>
-            </a:r>
-            <a:endParaRPr lang="en-US" dirty="0"/>
-          </a:p>
-          <a:p>
-            <a:pPr marL="0" indent="0">
-              <a:buNone/>
-            </a:pPr>
-            <a:r>
-              <a:rPr lang="en-US" b="1" dirty="0"/>
-              <a:t> ...</a:t>
-            </a:r>
-            <a:endParaRPr lang="en-US" dirty="0"/>
-          </a:p>
-          <a:p>
-            <a:pPr marL="0" indent="0">
-              <a:buNone/>
-            </a:pPr>
-            <a:r>
-              <a:rPr lang="en-US" b="1" dirty="0"/>
-              <a:t>ELSE</a:t>
-            </a:r>
-            <a:endParaRPr lang="en-US" dirty="0"/>
-          </a:p>
-          <a:p>
-            <a:pPr marL="0" indent="0">
-              <a:buNone/>
-            </a:pPr>
-            <a:r>
-              <a:rPr lang="en-US" b="1" dirty="0"/>
-              <a:t> ...</a:t>
-            </a:r>
-            <a:endParaRPr lang="en-US" dirty="0"/>
-          </a:p>
-          <a:p>
-            <a:pPr marL="0" indent="0">
-              <a:buNone/>
-            </a:pPr>
-            <a:r>
-              <a:rPr lang="en-US" b="1" dirty="0"/>
-              <a:t>END IF;</a:t>
-            </a:r>
-            <a:endParaRPr lang="en-US" dirty="0"/>
-          </a:p>
-          <a:p>
-            <a:endParaRPr lang="en-US" dirty="0"/>
+        <p:spPr/>
+        <p:txBody>
+          <a:bodyPr/>
+          <a:lstStyle/>
+          <a:p>
+            <a:endParaRPr lang="en-US"/>
           </a:p>
         </p:txBody>
       </p:sp>
     </p:spTree>
     <p:extLst>
       <p:ext uri="{BB962C8B-B14F-4D97-AF65-F5344CB8AC3E}">
-        <p14:creationId xmlns:p14="http://schemas.microsoft.com/office/powerpoint/2010/main" val="3357048165"/>
+        <p14:creationId xmlns:p14="http://schemas.microsoft.com/office/powerpoint/2010/main" val="2018984553"/>
       </p:ext>
     </p:extLst>
   </p:cSld>
@@ -17257,27 +17325,24 @@
         </p:nvSpPr>
         <p:spPr>
           <a:xfrm>
-            <a:off x="457200" y="533400"/>
-            <a:ext cx="8229600" cy="1143000"/>
+            <a:off x="457200" y="274638"/>
+            <a:ext cx="8229600" cy="868362"/>
           </a:xfrm>
         </p:spPr>
         <p:txBody>
           <a:bodyPr>
-            <a:normAutofit fontScale="90000"/>
+            <a:normAutofit/>
           </a:bodyPr>
           <a:lstStyle/>
           <a:p>
             <a:r>
-              <a:rPr lang="en-US" b="1" i="1" cap="all" dirty="0"/>
-              <a:t>Exercise 10:  Using IF, ELSEIF and ELSE</a:t>
-            </a:r>
-            <a:r>
               <a:rPr lang="en-US" b="1" cap="all" dirty="0"/>
-              <a:t/>
-            </a:r>
-            <a:br>
-              <a:rPr lang="en-US" b="1" cap="all" dirty="0"/>
-            </a:br>
+              <a:t>Using the CASE </a:t>
+            </a:r>
+            <a:r>
+              <a:rPr lang="en-US" b="1" cap="all" dirty="0" smtClean="0"/>
+              <a:t>Statement</a:t>
+            </a:r>
             <a:endParaRPr lang="en-US" dirty="0"/>
           </a:p>
         </p:txBody>
@@ -17297,14 +17362,28 @@
           <a:bodyPr/>
           <a:lstStyle/>
           <a:p>
-            <a:endParaRPr lang="en-US"/>
+            <a:r>
+              <a:rPr lang="en-US" dirty="0"/>
+              <a:t>CASE statement and IF statements are </a:t>
+            </a:r>
+            <a:r>
+              <a:rPr lang="en-US" dirty="0" smtClean="0"/>
+              <a:t>interchangeable</a:t>
+            </a:r>
+          </a:p>
+          <a:p>
+            <a:r>
+              <a:rPr lang="en-US" dirty="0" smtClean="0"/>
+              <a:t>CASE is more readable when you have a lot of conditions</a:t>
+            </a:r>
+            <a:endParaRPr lang="en-US" dirty="0"/>
           </a:p>
         </p:txBody>
       </p:sp>
     </p:spTree>
     <p:extLst>
       <p:ext uri="{BB962C8B-B14F-4D97-AF65-F5344CB8AC3E}">
-        <p14:creationId xmlns:p14="http://schemas.microsoft.com/office/powerpoint/2010/main" val="2018984553"/>
+        <p14:creationId xmlns:p14="http://schemas.microsoft.com/office/powerpoint/2010/main" val="119481349"/>
       </p:ext>
     </p:extLst>
   </p:cSld>
@@ -17343,57 +17422,303 @@
         </p:nvSpPr>
         <p:spPr>
           <a:xfrm>
-            <a:off x="457200" y="274638"/>
-            <a:ext cx="8229600" cy="868362"/>
+            <a:off x="457200" y="152400"/>
+            <a:ext cx="8229600" cy="792162"/>
           </a:xfrm>
         </p:spPr>
         <p:txBody>
+          <a:bodyPr/>
+          <a:lstStyle/>
+          <a:p>
+            <a:r>
+              <a:rPr lang="en-US" dirty="0" smtClean="0"/>
+              <a:t>Simple CASE</a:t>
+            </a:r>
+            <a:endParaRPr lang="en-US" dirty="0"/>
+          </a:p>
+        </p:txBody>
+      </p:sp>
+      <p:sp>
+        <p:nvSpPr>
+          <p:cNvPr id="3" name="Content Placeholder 2"/>
+          <p:cNvSpPr>
+            <a:spLocks noGrp="1"/>
+          </p:cNvSpPr>
+          <p:nvPr>
+            <p:ph idx="1"/>
+          </p:nvPr>
+        </p:nvSpPr>
+        <p:spPr>
+          <a:xfrm>
+            <a:off x="228600" y="1066800"/>
+            <a:ext cx="8686800" cy="5562600"/>
+          </a:xfrm>
+        </p:spPr>
+        <p:txBody>
           <a:bodyPr>
-            <a:normAutofit/>
+            <a:normAutofit fontScale="62500" lnSpcReduction="20000"/>
           </a:bodyPr>
           <a:lstStyle/>
           <a:p>
             <a:r>
-              <a:rPr lang="en-US" b="1" cap="all" dirty="0"/>
-              <a:t>Using the CASE </a:t>
-            </a:r>
-            <a:r>
-              <a:rPr lang="en-US" b="1" cap="all" dirty="0" smtClean="0"/>
-              <a:t>Statement</a:t>
-            </a:r>
-            <a:endParaRPr lang="en-US" dirty="0"/>
-          </a:p>
-        </p:txBody>
-      </p:sp>
-      <p:sp>
-        <p:nvSpPr>
-          <p:cNvPr id="3" name="Content Placeholder 2"/>
-          <p:cNvSpPr>
-            <a:spLocks noGrp="1"/>
-          </p:cNvSpPr>
-          <p:nvPr>
-            <p:ph idx="1"/>
-          </p:nvPr>
-        </p:nvSpPr>
-        <p:spPr/>
-        <p:txBody>
-          <a:bodyPr/>
-          <a:lstStyle/>
-          <a:p>
-            <a:r>
-              <a:rPr lang="en-US" dirty="0"/>
-              <a:t>CASE statement and IF statements are </a:t>
-            </a:r>
-            <a:r>
-              <a:rPr lang="en-US" dirty="0" smtClean="0"/>
-              <a:t>interchangeable</a:t>
-            </a:r>
-          </a:p>
-          <a:p>
-            <a:r>
-              <a:rPr lang="en-US" dirty="0" smtClean="0"/>
-              <a:t>CASE is more readable when you have a lot of conditions</a:t>
-            </a:r>
+              <a:rPr lang="en-US" dirty="0" smtClean="0"/>
+              <a:t>Check </a:t>
+            </a:r>
+            <a:r>
+              <a:rPr lang="en-US" dirty="0"/>
+              <a:t>the value of an expression against a set of unique </a:t>
+            </a:r>
+            <a:r>
+              <a:rPr lang="en-US" dirty="0" smtClean="0"/>
+              <a:t>values</a:t>
+            </a:r>
+          </a:p>
+          <a:p>
+            <a:pPr marL="0" indent="0">
+              <a:buNone/>
+            </a:pPr>
+            <a:r>
+              <a:rPr lang="en-US" b="1" dirty="0"/>
+              <a:t>CASE </a:t>
+            </a:r>
+            <a:r>
+              <a:rPr lang="en-US" b="1" dirty="0" err="1"/>
+              <a:t>p_region</a:t>
+            </a:r>
+            <a:endParaRPr lang="en-US" dirty="0"/>
+          </a:p>
+          <a:p>
+            <a:pPr marL="0" indent="0">
+              <a:buNone/>
+            </a:pPr>
+            <a:r>
+              <a:rPr lang="en-US" b="1" dirty="0"/>
+              <a:t>        WHEN  'Southeast' THEN</a:t>
+            </a:r>
+            <a:endParaRPr lang="en-US" dirty="0"/>
+          </a:p>
+          <a:p>
+            <a:pPr marL="0" indent="0">
+              <a:buNone/>
+            </a:pPr>
+            <a:r>
+              <a:rPr lang="en-US" b="1" dirty="0"/>
+              <a:t>           SET </a:t>
+            </a:r>
+            <a:r>
+              <a:rPr lang="en-US" b="1" dirty="0" err="1"/>
+              <a:t>p_surcharge</a:t>
+            </a:r>
+            <a:r>
+              <a:rPr lang="en-US" b="1" dirty="0"/>
+              <a:t> = '20';</a:t>
+            </a:r>
+            <a:endParaRPr lang="en-US" dirty="0"/>
+          </a:p>
+          <a:p>
+            <a:pPr marL="0" indent="0">
+              <a:buNone/>
+            </a:pPr>
+            <a:r>
+              <a:rPr lang="en-US" b="1" dirty="0"/>
+              <a:t>        WHEN 'Northeast' THEN</a:t>
+            </a:r>
+            <a:endParaRPr lang="en-US" dirty="0"/>
+          </a:p>
+          <a:p>
+            <a:pPr marL="0" indent="0">
+              <a:buNone/>
+            </a:pPr>
+            <a:r>
+              <a:rPr lang="en-US" b="1" dirty="0"/>
+              <a:t>           SET </a:t>
+            </a:r>
+            <a:r>
+              <a:rPr lang="en-US" b="1" dirty="0" err="1"/>
+              <a:t>p_surcharge</a:t>
+            </a:r>
+            <a:r>
+              <a:rPr lang="en-US" b="1" dirty="0"/>
+              <a:t> = '30';</a:t>
+            </a:r>
+            <a:endParaRPr lang="en-US" dirty="0"/>
+          </a:p>
+          <a:p>
+            <a:pPr marL="0" indent="0">
+              <a:buNone/>
+            </a:pPr>
+            <a:r>
+              <a:rPr lang="en-US" b="1" dirty="0"/>
+              <a:t>		WHEN 'Lower Midwest' THEN</a:t>
+            </a:r>
+            <a:endParaRPr lang="en-US" dirty="0"/>
+          </a:p>
+          <a:p>
+            <a:pPr marL="0" indent="0">
+              <a:buNone/>
+            </a:pPr>
+            <a:r>
+              <a:rPr lang="en-US" b="1" dirty="0"/>
+              <a:t>           SET </a:t>
+            </a:r>
+            <a:r>
+              <a:rPr lang="en-US" b="1" dirty="0" err="1"/>
+              <a:t>p_surcharge</a:t>
+            </a:r>
+            <a:r>
+              <a:rPr lang="en-US" b="1" dirty="0"/>
+              <a:t> = '30';</a:t>
+            </a:r>
+            <a:endParaRPr lang="en-US" dirty="0"/>
+          </a:p>
+          <a:p>
+            <a:pPr marL="0" indent="0">
+              <a:buNone/>
+            </a:pPr>
+            <a:r>
+              <a:rPr lang="en-US" b="1" dirty="0"/>
+              <a:t>		WHEN 'Upper Midwest' THEN</a:t>
+            </a:r>
+            <a:endParaRPr lang="en-US" dirty="0"/>
+          </a:p>
+          <a:p>
+            <a:pPr marL="0" indent="0">
+              <a:buNone/>
+            </a:pPr>
+            <a:r>
+              <a:rPr lang="en-US" b="1" dirty="0"/>
+              <a:t>           SET </a:t>
+            </a:r>
+            <a:r>
+              <a:rPr lang="en-US" b="1" dirty="0" err="1"/>
+              <a:t>p_surcharge</a:t>
+            </a:r>
+            <a:r>
+              <a:rPr lang="en-US" b="1" dirty="0"/>
+              <a:t> = '40';</a:t>
+            </a:r>
+            <a:endParaRPr lang="en-US" dirty="0"/>
+          </a:p>
+          <a:p>
+            <a:pPr marL="0" indent="0">
+              <a:buNone/>
+            </a:pPr>
+            <a:r>
+              <a:rPr lang="en-US" b="1" dirty="0"/>
+              <a:t>		WHEN '</a:t>
+            </a:r>
+            <a:r>
+              <a:rPr lang="en-US" b="1" dirty="0" err="1"/>
+              <a:t>SouthWest</a:t>
+            </a:r>
+            <a:r>
+              <a:rPr lang="en-US" b="1" dirty="0"/>
+              <a:t>' THEN</a:t>
+            </a:r>
+            <a:endParaRPr lang="en-US" dirty="0"/>
+          </a:p>
+          <a:p>
+            <a:pPr marL="0" indent="0">
+              <a:buNone/>
+            </a:pPr>
+            <a:r>
+              <a:rPr lang="en-US" b="1" dirty="0"/>
+              <a:t>           SET </a:t>
+            </a:r>
+            <a:r>
+              <a:rPr lang="en-US" b="1" dirty="0" err="1"/>
+              <a:t>p_surcharge</a:t>
+            </a:r>
+            <a:r>
+              <a:rPr lang="en-US" b="1" dirty="0"/>
+              <a:t> = '40';</a:t>
+            </a:r>
+            <a:endParaRPr lang="en-US" dirty="0"/>
+          </a:p>
+          <a:p>
+            <a:pPr marL="0" indent="0">
+              <a:buNone/>
+            </a:pPr>
+            <a:r>
+              <a:rPr lang="en-US" b="1" dirty="0"/>
+              <a:t>        WHEN 'Mountain West' THEN</a:t>
+            </a:r>
+            <a:endParaRPr lang="en-US" dirty="0"/>
+          </a:p>
+          <a:p>
+            <a:pPr marL="0" indent="0">
+              <a:buNone/>
+            </a:pPr>
+            <a:r>
+              <a:rPr lang="en-US" b="1" dirty="0"/>
+              <a:t>           SET </a:t>
+            </a:r>
+            <a:r>
+              <a:rPr lang="en-US" b="1" dirty="0" err="1"/>
+              <a:t>p_surcharge</a:t>
+            </a:r>
+            <a:r>
+              <a:rPr lang="en-US" b="1" dirty="0"/>
+              <a:t> = '50';</a:t>
+            </a:r>
+            <a:endParaRPr lang="en-US" dirty="0"/>
+          </a:p>
+          <a:p>
+            <a:pPr marL="0" indent="0">
+              <a:buNone/>
+            </a:pPr>
+            <a:r>
+              <a:rPr lang="en-US" b="1" dirty="0"/>
+              <a:t>		ELSE</a:t>
+            </a:r>
+            <a:endParaRPr lang="en-US" dirty="0"/>
+          </a:p>
+          <a:p>
+            <a:pPr marL="0" indent="0">
+              <a:buNone/>
+            </a:pPr>
+            <a:r>
+              <a:rPr lang="en-US" b="1" dirty="0"/>
+              <a:t>           SET </a:t>
+            </a:r>
+            <a:r>
+              <a:rPr lang="en-US" b="1" dirty="0" err="1"/>
+              <a:t>p_surcharge</a:t>
+            </a:r>
+            <a:r>
+              <a:rPr lang="en-US" b="1" dirty="0"/>
+              <a:t> = '70';</a:t>
+            </a:r>
+            <a:endParaRPr lang="en-US" dirty="0"/>
+          </a:p>
+          <a:p>
+            <a:pPr marL="0" indent="0">
+              <a:buNone/>
+            </a:pPr>
+            <a:r>
+              <a:rPr lang="en-US" b="1" dirty="0"/>
+              <a:t>  </a:t>
+            </a:r>
+            <a:r>
+              <a:rPr lang="en-US" b="1" dirty="0" smtClean="0"/>
+              <a:t>END </a:t>
+            </a:r>
+            <a:r>
+              <a:rPr lang="en-US" b="1" dirty="0"/>
+              <a:t>CASE;</a:t>
+            </a:r>
+            <a:endParaRPr lang="en-US" dirty="0"/>
+          </a:p>
+          <a:p>
+            <a:pPr marL="0" indent="0">
+              <a:buNone/>
+            </a:pPr>
+            <a:endParaRPr lang="en-US" dirty="0" smtClean="0"/>
+          </a:p>
+          <a:p>
+            <a:pPr marL="0" indent="0">
+              <a:buNone/>
+            </a:pPr>
             <a:endParaRPr lang="en-US" dirty="0"/>
           </a:p>
         </p:txBody>
@@ -17401,7 +17726,7 @@
     </p:spTree>
     <p:extLst>
       <p:ext uri="{BB962C8B-B14F-4D97-AF65-F5344CB8AC3E}">
-        <p14:creationId xmlns:p14="http://schemas.microsoft.com/office/powerpoint/2010/main" val="119481349"/>
+        <p14:creationId xmlns:p14="http://schemas.microsoft.com/office/powerpoint/2010/main" val="1858216200"/>
       </p:ext>
     </p:extLst>
   </p:cSld>
@@ -17438,19 +17763,14 @@
             <p:ph type="title"/>
           </p:nvPr>
         </p:nvSpPr>
-        <p:spPr>
-          <a:xfrm>
-            <a:off x="457200" y="152400"/>
-            <a:ext cx="8229600" cy="792162"/>
-          </a:xfrm>
-        </p:spPr>
+        <p:spPr/>
         <p:txBody>
           <a:bodyPr/>
           <a:lstStyle/>
           <a:p>
             <a:r>
               <a:rPr lang="en-US" dirty="0" smtClean="0"/>
-              <a:t>Simple CASE</a:t>
+              <a:t>Complex CASE</a:t>
             </a:r>
             <a:endParaRPr lang="en-US" dirty="0"/>
           </a:p>
@@ -17466,285 +17786,276 @@
             <p:ph idx="1"/>
           </p:nvPr>
         </p:nvSpPr>
-        <p:spPr>
-          <a:xfrm>
-            <a:off x="228600" y="1066800"/>
-            <a:ext cx="8686800" cy="5562600"/>
-          </a:xfrm>
-        </p:spPr>
+        <p:spPr/>
         <p:txBody>
           <a:bodyPr>
-            <a:normAutofit fontScale="62500" lnSpcReduction="20000"/>
+            <a:normAutofit fontScale="40000" lnSpcReduction="20000"/>
           </a:bodyPr>
           <a:lstStyle/>
           <a:p>
             <a:r>
-              <a:rPr lang="en-US" dirty="0" smtClean="0"/>
-              <a:t>Check </a:t>
-            </a:r>
-            <a:r>
-              <a:rPr lang="en-US" dirty="0"/>
-              <a:t>the value of an expression against a set of unique </a:t>
-            </a:r>
-            <a:r>
-              <a:rPr lang="en-US" dirty="0" smtClean="0"/>
-              <a:t>values</a:t>
+              <a:rPr lang="en-US" dirty="0"/>
+              <a:t>In the </a:t>
+            </a:r>
+            <a:r>
+              <a:rPr lang="en-US" dirty="0" smtClean="0"/>
+              <a:t>complex syntax</a:t>
+            </a:r>
+            <a:r>
+              <a:rPr lang="en-US" dirty="0"/>
+              <a:t> each </a:t>
+            </a:r>
+            <a:r>
+              <a:rPr lang="en-US" b="1" dirty="0" err="1"/>
+              <a:t>search_condition</a:t>
+            </a:r>
+            <a:r>
+              <a:rPr lang="en-US" dirty="0"/>
+              <a:t> expression is evaluated until one is true</a:t>
+            </a:r>
+            <a:r>
+              <a:rPr lang="en-US" dirty="0" smtClean="0"/>
+              <a:t>.</a:t>
             </a:r>
           </a:p>
           <a:p>
             <a:pPr marL="0" indent="0">
               <a:buNone/>
             </a:pPr>
-            <a:r>
-              <a:rPr lang="en-US" b="1" dirty="0"/>
-              <a:t>CASE </a:t>
-            </a:r>
-            <a:r>
-              <a:rPr lang="en-US" b="1" dirty="0" err="1"/>
-              <a:t>p_region</a:t>
-            </a:r>
-            <a:endParaRPr lang="en-US" dirty="0"/>
+            <a:endParaRPr lang="en-US" b="1" dirty="0" smtClean="0"/>
           </a:p>
           <a:p>
             <a:pPr marL="0" indent="0">
               <a:buNone/>
             </a:pPr>
             <a:r>
-              <a:rPr lang="en-US" b="1" dirty="0"/>
-              <a:t>        WHEN  'Southeast' THEN</a:t>
-            </a:r>
-            <a:endParaRPr lang="en-US" dirty="0"/>
+              <a:rPr lang="en-US" sz="4200" b="1" dirty="0" smtClean="0"/>
+              <a:t>DECLARE </a:t>
+            </a:r>
+            <a:r>
+              <a:rPr lang="en-US" sz="4200" b="1" dirty="0" err="1"/>
+              <a:t>returnrisklevel</a:t>
+            </a:r>
+            <a:r>
+              <a:rPr lang="en-US" sz="4200" b="1" dirty="0"/>
+              <a:t> </a:t>
+            </a:r>
+            <a:r>
+              <a:rPr lang="en-US" sz="4200" b="1" dirty="0" err="1"/>
+              <a:t>varchar</a:t>
+            </a:r>
+            <a:r>
+              <a:rPr lang="en-US" sz="4200" b="1" dirty="0"/>
+              <a:t>(10);</a:t>
+            </a:r>
+            <a:endParaRPr lang="en-US" sz="4200" dirty="0"/>
           </a:p>
           <a:p>
             <a:pPr marL="0" indent="0">
               <a:buNone/>
             </a:pPr>
             <a:r>
-              <a:rPr lang="en-US" b="1" dirty="0"/>
-              <a:t>           SET </a:t>
-            </a:r>
-            <a:r>
-              <a:rPr lang="en-US" b="1" dirty="0" err="1"/>
-              <a:t>p_surcharge</a:t>
-            </a:r>
-            <a:r>
-              <a:rPr lang="en-US" b="1" dirty="0"/>
-              <a:t> = '20';</a:t>
-            </a:r>
-            <a:endParaRPr lang="en-US" dirty="0"/>
+              <a:rPr lang="en-US" sz="4200" b="1" dirty="0" smtClean="0"/>
+              <a:t>DECLARE </a:t>
+            </a:r>
+            <a:r>
+              <a:rPr lang="en-US" sz="4200" b="1" dirty="0"/>
+              <a:t>ratio float;</a:t>
+            </a:r>
+            <a:endParaRPr lang="en-US" sz="4200" dirty="0"/>
           </a:p>
           <a:p>
             <a:pPr marL="0" indent="0">
               <a:buNone/>
             </a:pPr>
             <a:r>
-              <a:rPr lang="en-US" b="1" dirty="0"/>
-              <a:t>        WHEN 'Northeast' THEN</a:t>
-            </a:r>
-            <a:endParaRPr lang="en-US" dirty="0"/>
+              <a:rPr lang="en-US" sz="4200" b="1" dirty="0"/>
+              <a:t> </a:t>
+            </a:r>
+            <a:endParaRPr lang="en-US" sz="4200" dirty="0"/>
           </a:p>
           <a:p>
             <a:pPr marL="0" indent="0">
               <a:buNone/>
             </a:pPr>
             <a:r>
-              <a:rPr lang="en-US" b="1" dirty="0"/>
-              <a:t>           SET </a:t>
-            </a:r>
-            <a:r>
-              <a:rPr lang="en-US" b="1" dirty="0" err="1"/>
-              <a:t>p_surcharge</a:t>
-            </a:r>
-            <a:r>
-              <a:rPr lang="en-US" b="1" dirty="0"/>
-              <a:t> = '30';</a:t>
-            </a:r>
-            <a:endParaRPr lang="en-US" dirty="0"/>
+              <a:rPr lang="en-US" sz="4200" b="1" dirty="0" smtClean="0"/>
+              <a:t>SET </a:t>
+            </a:r>
+            <a:r>
+              <a:rPr lang="en-US" sz="4200" b="1" dirty="0"/>
+              <a:t>ratio = </a:t>
+            </a:r>
+            <a:r>
+              <a:rPr lang="en-US" sz="4200" b="1" dirty="0" err="1"/>
+              <a:t>ploan_amt</a:t>
+            </a:r>
+            <a:r>
+              <a:rPr lang="en-US" sz="4200" b="1" dirty="0"/>
+              <a:t> / </a:t>
+            </a:r>
+            <a:r>
+              <a:rPr lang="en-US" sz="4200" b="1" dirty="0" err="1"/>
+              <a:t>phousehold_income</a:t>
+            </a:r>
+            <a:r>
+              <a:rPr lang="en-US" sz="4200" b="1" dirty="0"/>
+              <a:t>;</a:t>
+            </a:r>
+            <a:endParaRPr lang="en-US" sz="4200" dirty="0"/>
           </a:p>
           <a:p>
             <a:pPr marL="0" indent="0">
               <a:buNone/>
             </a:pPr>
             <a:r>
-              <a:rPr lang="en-US" b="1" dirty="0"/>
-              <a:t>		WHEN 'Lower Midwest' THEN</a:t>
-            </a:r>
-            <a:endParaRPr lang="en-US" dirty="0"/>
+              <a:rPr lang="en-US" sz="4200" b="1" dirty="0"/>
+              <a:t> </a:t>
+            </a:r>
+            <a:endParaRPr lang="en-US" sz="4200" dirty="0"/>
           </a:p>
           <a:p>
             <a:pPr marL="0" indent="0">
               <a:buNone/>
             </a:pPr>
             <a:r>
-              <a:rPr lang="en-US" b="1" dirty="0"/>
-              <a:t>           SET </a:t>
-            </a:r>
-            <a:r>
-              <a:rPr lang="en-US" b="1" dirty="0" err="1"/>
-              <a:t>p_surcharge</a:t>
-            </a:r>
-            <a:r>
-              <a:rPr lang="en-US" b="1" dirty="0"/>
-              <a:t> = '30';</a:t>
-            </a:r>
-            <a:endParaRPr lang="en-US" dirty="0"/>
+              <a:rPr lang="en-US" sz="4200" b="1" dirty="0"/>
+              <a:t>	CASE</a:t>
+            </a:r>
+            <a:endParaRPr lang="en-US" sz="4200" dirty="0"/>
           </a:p>
           <a:p>
             <a:pPr marL="0" indent="0">
               <a:buNone/>
             </a:pPr>
             <a:r>
-              <a:rPr lang="en-US" b="1" dirty="0"/>
-              <a:t>		WHEN 'Upper Midwest' THEN</a:t>
-            </a:r>
-            <a:endParaRPr lang="en-US" dirty="0"/>
+              <a:rPr lang="en-US" sz="4200" b="1" dirty="0"/>
+              <a:t>		WHEN ratio &lt; .10 THEN </a:t>
+            </a:r>
+            <a:endParaRPr lang="en-US" sz="4200" dirty="0"/>
           </a:p>
           <a:p>
             <a:pPr marL="0" indent="0">
               <a:buNone/>
             </a:pPr>
             <a:r>
-              <a:rPr lang="en-US" b="1" dirty="0"/>
-              <a:t>           SET </a:t>
-            </a:r>
-            <a:r>
-              <a:rPr lang="en-US" b="1" dirty="0" err="1"/>
-              <a:t>p_surcharge</a:t>
-            </a:r>
-            <a:r>
-              <a:rPr lang="en-US" b="1" dirty="0"/>
-              <a:t> = '40';</a:t>
-            </a:r>
-            <a:endParaRPr lang="en-US" dirty="0"/>
+              <a:rPr lang="en-US" sz="4200" b="1" dirty="0"/>
+              <a:t>			SET </a:t>
+            </a:r>
+            <a:r>
+              <a:rPr lang="en-US" sz="4200" b="1" dirty="0" err="1"/>
+              <a:t>returnrisklevel</a:t>
+            </a:r>
+            <a:r>
+              <a:rPr lang="en-US" sz="4200" b="1" dirty="0"/>
+              <a:t> = 'Low';</a:t>
+            </a:r>
+            <a:endParaRPr lang="en-US" sz="4200" dirty="0"/>
           </a:p>
           <a:p>
             <a:pPr marL="0" indent="0">
               <a:buNone/>
             </a:pPr>
             <a:r>
-              <a:rPr lang="en-US" b="1" dirty="0"/>
-              <a:t>		WHEN '</a:t>
-            </a:r>
-            <a:r>
-              <a:rPr lang="en-US" b="1" dirty="0" err="1"/>
-              <a:t>SouthWest</a:t>
-            </a:r>
-            <a:r>
-              <a:rPr lang="en-US" b="1" dirty="0"/>
-              <a:t>' THEN</a:t>
-            </a:r>
-            <a:endParaRPr lang="en-US" dirty="0"/>
+              <a:rPr lang="en-US" sz="4200" b="1" dirty="0"/>
+              <a:t>		WHEN ratio &lt;= .25 and ratio &gt;= .10 THEN </a:t>
+            </a:r>
+            <a:endParaRPr lang="en-US" sz="4200" dirty="0"/>
           </a:p>
           <a:p>
             <a:pPr marL="0" indent="0">
               <a:buNone/>
             </a:pPr>
             <a:r>
-              <a:rPr lang="en-US" b="1" dirty="0"/>
-              <a:t>           SET </a:t>
-            </a:r>
-            <a:r>
-              <a:rPr lang="en-US" b="1" dirty="0" err="1"/>
-              <a:t>p_surcharge</a:t>
-            </a:r>
-            <a:r>
-              <a:rPr lang="en-US" b="1" dirty="0"/>
-              <a:t> = '40';</a:t>
-            </a:r>
-            <a:endParaRPr lang="en-US" dirty="0"/>
+              <a:rPr lang="en-US" sz="4200" b="1" dirty="0"/>
+              <a:t>			SET </a:t>
+            </a:r>
+            <a:r>
+              <a:rPr lang="en-US" sz="4200" b="1" dirty="0" err="1"/>
+              <a:t>returnrisklevel</a:t>
+            </a:r>
+            <a:r>
+              <a:rPr lang="en-US" sz="4200" b="1" dirty="0"/>
+              <a:t> = 'Moderate';</a:t>
+            </a:r>
+            <a:endParaRPr lang="en-US" sz="4200" dirty="0"/>
           </a:p>
           <a:p>
             <a:pPr marL="0" indent="0">
               <a:buNone/>
             </a:pPr>
             <a:r>
-              <a:rPr lang="en-US" b="1" dirty="0"/>
-              <a:t>        WHEN 'Mountain West' THEN</a:t>
-            </a:r>
-            <a:endParaRPr lang="en-US" dirty="0"/>
+              <a:rPr lang="en-US" sz="4200" b="1" dirty="0"/>
+              <a:t>		WHEN ratio &lt;= .35 and ratio &gt;= .26 THEN </a:t>
+            </a:r>
+            <a:endParaRPr lang="en-US" sz="4200" dirty="0"/>
           </a:p>
           <a:p>
             <a:pPr marL="0" indent="0">
               <a:buNone/>
             </a:pPr>
             <a:r>
-              <a:rPr lang="en-US" b="1" dirty="0"/>
-              <a:t>           SET </a:t>
-            </a:r>
-            <a:r>
-              <a:rPr lang="en-US" b="1" dirty="0" err="1"/>
-              <a:t>p_surcharge</a:t>
-            </a:r>
-            <a:r>
-              <a:rPr lang="en-US" b="1" dirty="0"/>
-              <a:t> = '50';</a:t>
-            </a:r>
-            <a:endParaRPr lang="en-US" dirty="0"/>
+              <a:rPr lang="en-US" sz="4200" b="1" dirty="0"/>
+              <a:t>			SET </a:t>
+            </a:r>
+            <a:r>
+              <a:rPr lang="en-US" sz="4200" b="1" dirty="0" err="1"/>
+              <a:t>returnrisklevel</a:t>
+            </a:r>
+            <a:r>
+              <a:rPr lang="en-US" sz="4200" b="1" dirty="0"/>
+              <a:t> = 'High';</a:t>
+            </a:r>
+            <a:endParaRPr lang="en-US" sz="4200" dirty="0"/>
           </a:p>
           <a:p>
             <a:pPr marL="0" indent="0">
               <a:buNone/>
             </a:pPr>
             <a:r>
-              <a:rPr lang="en-US" b="1" dirty="0"/>
-              <a:t>		ELSE</a:t>
-            </a:r>
-            <a:endParaRPr lang="en-US" dirty="0"/>
+              <a:rPr lang="en-US" sz="4200" b="1" dirty="0"/>
+              <a:t>		WHEN ratio &gt; .35 THEN </a:t>
+            </a:r>
+            <a:endParaRPr lang="en-US" sz="4200" dirty="0"/>
           </a:p>
           <a:p>
             <a:pPr marL="0" indent="0">
               <a:buNone/>
             </a:pPr>
             <a:r>
-              <a:rPr lang="en-US" b="1" dirty="0"/>
-              <a:t>           SET </a:t>
-            </a:r>
-            <a:r>
-              <a:rPr lang="en-US" b="1" dirty="0" err="1"/>
-              <a:t>p_surcharge</a:t>
-            </a:r>
-            <a:r>
-              <a:rPr lang="en-US" b="1" dirty="0"/>
-              <a:t> = '70';</a:t>
-            </a:r>
-            <a:endParaRPr lang="en-US" dirty="0"/>
+              <a:rPr lang="en-US" sz="4200" b="1" dirty="0"/>
+              <a:t>			SET </a:t>
+            </a:r>
+            <a:r>
+              <a:rPr lang="en-US" sz="4200" b="1" dirty="0" err="1"/>
+              <a:t>returnrisklevel</a:t>
+            </a:r>
+            <a:r>
+              <a:rPr lang="en-US" sz="4200" b="1" dirty="0"/>
+              <a:t> = 'No Loan';		</a:t>
+            </a:r>
+            <a:endParaRPr lang="en-US" sz="4200" dirty="0"/>
           </a:p>
           <a:p>
             <a:pPr marL="0" indent="0">
               <a:buNone/>
             </a:pPr>
             <a:r>
-              <a:rPr lang="en-US" b="1" dirty="0"/>
-              <a:t>  </a:t>
-            </a:r>
-            <a:r>
-              <a:rPr lang="en-US" b="1" dirty="0" smtClean="0"/>
-              <a:t>END </a:t>
-            </a:r>
-            <a:r>
-              <a:rPr lang="en-US" b="1" dirty="0"/>
-              <a:t>CASE;</a:t>
-            </a:r>
-            <a:endParaRPr lang="en-US" dirty="0"/>
-          </a:p>
-          <a:p>
-            <a:pPr marL="0" indent="0">
-              <a:buNone/>
-            </a:pPr>
-            <a:endParaRPr lang="en-US" dirty="0" smtClean="0"/>
-          </a:p>
-          <a:p>
-            <a:pPr marL="0" indent="0">
-              <a:buNone/>
-            </a:pPr>
-            <a:endParaRPr lang="en-US" dirty="0"/>
+              <a:rPr lang="en-US" sz="4200" b="1" dirty="0"/>
+              <a:t>	END CASE</a:t>
+            </a:r>
+            <a:r>
+              <a:rPr lang="en-US" sz="4200" b="1" dirty="0" smtClean="0"/>
+              <a:t>;</a:t>
+            </a:r>
+            <a:endParaRPr lang="en-US" sz="4200" dirty="0"/>
           </a:p>
         </p:txBody>
       </p:sp>
     </p:spTree>
     <p:extLst>
       <p:ext uri="{BB962C8B-B14F-4D97-AF65-F5344CB8AC3E}">
-        <p14:creationId xmlns:p14="http://schemas.microsoft.com/office/powerpoint/2010/main" val="1858216200"/>
+        <p14:creationId xmlns:p14="http://schemas.microsoft.com/office/powerpoint/2010/main" val="2315070513"/>
       </p:ext>
     </p:extLst>
   </p:cSld>
@@ -17783,297 +18094,41 @@
         </p:nvSpPr>
         <p:spPr/>
         <p:txBody>
+          <a:bodyPr>
+            <a:normAutofit fontScale="90000"/>
+          </a:bodyPr>
+          <a:lstStyle/>
+          <a:p>
+            <a:r>
+              <a:rPr lang="en-US" b="1" i="1" dirty="0"/>
+              <a:t>EXERCISE 11:  USING CASE TO CONTROL EXECUTION FLOW</a:t>
+            </a:r>
+          </a:p>
+        </p:txBody>
+      </p:sp>
+      <p:sp>
+        <p:nvSpPr>
+          <p:cNvPr id="3" name="Content Placeholder 2"/>
+          <p:cNvSpPr>
+            <a:spLocks noGrp="1"/>
+          </p:cNvSpPr>
+          <p:nvPr>
+            <p:ph idx="1"/>
+          </p:nvPr>
+        </p:nvSpPr>
+        <p:spPr/>
+        <p:txBody>
           <a:bodyPr/>
           <a:lstStyle/>
           <a:p>
-            <a:r>
-              <a:rPr lang="en-US" dirty="0" smtClean="0"/>
-              <a:t>Complex CASE</a:t>
-            </a:r>
-            <a:endParaRPr lang="en-US" dirty="0"/>
-          </a:p>
-        </p:txBody>
-      </p:sp>
-      <p:sp>
-        <p:nvSpPr>
-          <p:cNvPr id="3" name="Content Placeholder 2"/>
-          <p:cNvSpPr>
-            <a:spLocks noGrp="1"/>
-          </p:cNvSpPr>
-          <p:nvPr>
-            <p:ph idx="1"/>
-          </p:nvPr>
-        </p:nvSpPr>
-        <p:spPr/>
-        <p:txBody>
-          <a:bodyPr>
-            <a:normAutofit fontScale="40000" lnSpcReduction="20000"/>
-          </a:bodyPr>
-          <a:lstStyle/>
-          <a:p>
-            <a:r>
-              <a:rPr lang="en-US" dirty="0"/>
-              <a:t>In the </a:t>
-            </a:r>
-            <a:r>
-              <a:rPr lang="en-US" dirty="0" smtClean="0"/>
-              <a:t>complex syntax</a:t>
-            </a:r>
-            <a:r>
-              <a:rPr lang="en-US" dirty="0"/>
-              <a:t> each </a:t>
-            </a:r>
-            <a:r>
-              <a:rPr lang="en-US" b="1" dirty="0" err="1"/>
-              <a:t>search_condition</a:t>
-            </a:r>
-            <a:r>
-              <a:rPr lang="en-US" dirty="0"/>
-              <a:t> expression is evaluated until one is true</a:t>
-            </a:r>
-            <a:r>
-              <a:rPr lang="en-US" dirty="0" smtClean="0"/>
-              <a:t>.</a:t>
-            </a:r>
-          </a:p>
-          <a:p>
-            <a:pPr marL="0" indent="0">
-              <a:buNone/>
-            </a:pPr>
-            <a:endParaRPr lang="en-US" b="1" dirty="0" smtClean="0"/>
-          </a:p>
-          <a:p>
-            <a:pPr marL="0" indent="0">
-              <a:buNone/>
-            </a:pPr>
-            <a:r>
-              <a:rPr lang="en-US" sz="4200" b="1" dirty="0" smtClean="0"/>
-              <a:t>DECLARE </a:t>
-            </a:r>
-            <a:r>
-              <a:rPr lang="en-US" sz="4200" b="1" dirty="0" err="1"/>
-              <a:t>returnrisklevel</a:t>
-            </a:r>
-            <a:r>
-              <a:rPr lang="en-US" sz="4200" b="1" dirty="0"/>
-              <a:t> </a:t>
-            </a:r>
-            <a:r>
-              <a:rPr lang="en-US" sz="4200" b="1" dirty="0" err="1"/>
-              <a:t>varchar</a:t>
-            </a:r>
-            <a:r>
-              <a:rPr lang="en-US" sz="4200" b="1" dirty="0"/>
-              <a:t>(10);</a:t>
-            </a:r>
-            <a:endParaRPr lang="en-US" sz="4200" dirty="0"/>
-          </a:p>
-          <a:p>
-            <a:pPr marL="0" indent="0">
-              <a:buNone/>
-            </a:pPr>
-            <a:r>
-              <a:rPr lang="en-US" sz="4200" b="1" dirty="0" smtClean="0"/>
-              <a:t>DECLARE </a:t>
-            </a:r>
-            <a:r>
-              <a:rPr lang="en-US" sz="4200" b="1" dirty="0"/>
-              <a:t>ratio float;</a:t>
-            </a:r>
-            <a:endParaRPr lang="en-US" sz="4200" dirty="0"/>
-          </a:p>
-          <a:p>
-            <a:pPr marL="0" indent="0">
-              <a:buNone/>
-            </a:pPr>
-            <a:r>
-              <a:rPr lang="en-US" sz="4200" b="1" dirty="0"/>
-              <a:t> </a:t>
-            </a:r>
-            <a:endParaRPr lang="en-US" sz="4200" dirty="0"/>
-          </a:p>
-          <a:p>
-            <a:pPr marL="0" indent="0">
-              <a:buNone/>
-            </a:pPr>
-            <a:r>
-              <a:rPr lang="en-US" sz="4200" b="1" dirty="0" smtClean="0"/>
-              <a:t>SET </a:t>
-            </a:r>
-            <a:r>
-              <a:rPr lang="en-US" sz="4200" b="1" dirty="0"/>
-              <a:t>ratio = </a:t>
-            </a:r>
-            <a:r>
-              <a:rPr lang="en-US" sz="4200" b="1" dirty="0" err="1"/>
-              <a:t>ploan_amt</a:t>
-            </a:r>
-            <a:r>
-              <a:rPr lang="en-US" sz="4200" b="1" dirty="0"/>
-              <a:t> / </a:t>
-            </a:r>
-            <a:r>
-              <a:rPr lang="en-US" sz="4200" b="1" dirty="0" err="1"/>
-              <a:t>phousehold_income</a:t>
-            </a:r>
-            <a:r>
-              <a:rPr lang="en-US" sz="4200" b="1" dirty="0"/>
-              <a:t>;</a:t>
-            </a:r>
-            <a:endParaRPr lang="en-US" sz="4200" dirty="0"/>
-          </a:p>
-          <a:p>
-            <a:pPr marL="0" indent="0">
-              <a:buNone/>
-            </a:pPr>
-            <a:r>
-              <a:rPr lang="en-US" sz="4200" b="1" dirty="0"/>
-              <a:t> </a:t>
-            </a:r>
-            <a:endParaRPr lang="en-US" sz="4200" dirty="0"/>
-          </a:p>
-          <a:p>
-            <a:pPr marL="0" indent="0">
-              <a:buNone/>
-            </a:pPr>
-            <a:r>
-              <a:rPr lang="en-US" sz="4200" b="1" dirty="0"/>
-              <a:t>	CASE</a:t>
-            </a:r>
-            <a:endParaRPr lang="en-US" sz="4200" dirty="0"/>
-          </a:p>
-          <a:p>
-            <a:pPr marL="0" indent="0">
-              <a:buNone/>
-            </a:pPr>
-            <a:r>
-              <a:rPr lang="en-US" sz="4200" b="1" dirty="0"/>
-              <a:t>		WHEN ratio &lt; .10 THEN </a:t>
-            </a:r>
-            <a:endParaRPr lang="en-US" sz="4200" dirty="0"/>
-          </a:p>
-          <a:p>
-            <a:pPr marL="0" indent="0">
-              <a:buNone/>
-            </a:pPr>
-            <a:r>
-              <a:rPr lang="en-US" sz="4200" b="1" dirty="0"/>
-              <a:t>			SET </a:t>
-            </a:r>
-            <a:r>
-              <a:rPr lang="en-US" sz="4200" b="1" dirty="0" err="1"/>
-              <a:t>returnrisklevel</a:t>
-            </a:r>
-            <a:r>
-              <a:rPr lang="en-US" sz="4200" b="1" dirty="0"/>
-              <a:t> = 'Low';</a:t>
-            </a:r>
-            <a:endParaRPr lang="en-US" sz="4200" dirty="0"/>
-          </a:p>
-          <a:p>
-            <a:pPr marL="0" indent="0">
-              <a:buNone/>
-            </a:pPr>
-            <a:r>
-              <a:rPr lang="en-US" sz="4200" b="1" dirty="0"/>
-              <a:t>		WHEN ratio &lt;= .25 and ratio &gt;= .10 THEN </a:t>
-            </a:r>
-            <a:endParaRPr lang="en-US" sz="4200" dirty="0"/>
-          </a:p>
-          <a:p>
-            <a:pPr marL="0" indent="0">
-              <a:buNone/>
-            </a:pPr>
-            <a:r>
-              <a:rPr lang="en-US" sz="4200" b="1" dirty="0"/>
-              <a:t>			SET </a:t>
-            </a:r>
-            <a:r>
-              <a:rPr lang="en-US" sz="4200" b="1" dirty="0" err="1"/>
-              <a:t>returnrisklevel</a:t>
-            </a:r>
-            <a:r>
-              <a:rPr lang="en-US" sz="4200" b="1" dirty="0"/>
-              <a:t> = 'Moderate';</a:t>
-            </a:r>
-            <a:endParaRPr lang="en-US" sz="4200" dirty="0"/>
-          </a:p>
-          <a:p>
-            <a:pPr marL="0" indent="0">
-              <a:buNone/>
-            </a:pPr>
-            <a:r>
-              <a:rPr lang="en-US" sz="4200" b="1" dirty="0"/>
-              <a:t>		WHEN ratio &lt;= .35 and ratio &gt;= .26 THEN </a:t>
-            </a:r>
-            <a:endParaRPr lang="en-US" sz="4200" dirty="0"/>
-          </a:p>
-          <a:p>
-            <a:pPr marL="0" indent="0">
-              <a:buNone/>
-            </a:pPr>
-            <a:r>
-              <a:rPr lang="en-US" sz="4200" b="1" dirty="0"/>
-              <a:t>			SET </a:t>
-            </a:r>
-            <a:r>
-              <a:rPr lang="en-US" sz="4200" b="1" dirty="0" err="1"/>
-              <a:t>returnrisklevel</a:t>
-            </a:r>
-            <a:r>
-              <a:rPr lang="en-US" sz="4200" b="1" dirty="0"/>
-              <a:t> = 'High';</a:t>
-            </a:r>
-            <a:endParaRPr lang="en-US" sz="4200" dirty="0"/>
-          </a:p>
-          <a:p>
-            <a:pPr marL="0" indent="0">
-              <a:buNone/>
-            </a:pPr>
-            <a:r>
-              <a:rPr lang="en-US" sz="4200" b="1" dirty="0"/>
-              <a:t>		WHEN ratio &gt; .35 THEN </a:t>
-            </a:r>
-            <a:endParaRPr lang="en-US" sz="4200" dirty="0"/>
-          </a:p>
-          <a:p>
-            <a:pPr marL="0" indent="0">
-              <a:buNone/>
-            </a:pPr>
-            <a:r>
-              <a:rPr lang="en-US" sz="4200" b="1" dirty="0"/>
-              <a:t>			SET </a:t>
-            </a:r>
-            <a:r>
-              <a:rPr lang="en-US" sz="4200" b="1" dirty="0" err="1"/>
-              <a:t>returnrisklevel</a:t>
-            </a:r>
-            <a:r>
-              <a:rPr lang="en-US" sz="4200" b="1" dirty="0"/>
-              <a:t> = 'No Loan';		</a:t>
-            </a:r>
-            <a:endParaRPr lang="en-US" sz="4200" dirty="0"/>
-          </a:p>
-          <a:p>
-            <a:pPr marL="0" indent="0">
-              <a:buNone/>
-            </a:pPr>
-            <a:r>
-              <a:rPr lang="en-US" sz="4200" b="1" dirty="0"/>
-              <a:t>	END CASE</a:t>
-            </a:r>
-            <a:r>
-              <a:rPr lang="en-US" sz="4200" b="1" dirty="0" smtClean="0"/>
-              <a:t>;</a:t>
-            </a:r>
-            <a:endParaRPr lang="en-US" sz="4200" dirty="0"/>
+            <a:endParaRPr lang="en-US"/>
           </a:p>
         </p:txBody>
       </p:sp>
     </p:spTree>
     <p:extLst>
       <p:ext uri="{BB962C8B-B14F-4D97-AF65-F5344CB8AC3E}">
-        <p14:creationId xmlns:p14="http://schemas.microsoft.com/office/powerpoint/2010/main" val="2315070513"/>
+        <p14:creationId xmlns:p14="http://schemas.microsoft.com/office/powerpoint/2010/main" val="2102703447"/>
       </p:ext>
     </p:extLst>
   </p:cSld>
@@ -18110,17 +18165,27 @@
             <p:ph type="title"/>
           </p:nvPr>
         </p:nvSpPr>
-        <p:spPr/>
+        <p:spPr>
+          <a:xfrm>
+            <a:off x="457200" y="152400"/>
+            <a:ext cx="8229600" cy="944562"/>
+          </a:xfrm>
+        </p:spPr>
         <p:txBody>
           <a:bodyPr>
-            <a:normAutofit fontScale="90000"/>
+            <a:normAutofit/>
           </a:bodyPr>
           <a:lstStyle/>
           <a:p>
             <a:r>
-              <a:rPr lang="en-US" b="1" i="1" dirty="0"/>
-              <a:t>EXERCISE 11:  USING CASE TO CONTROL EXECUTION FLOW</a:t>
-            </a:r>
+              <a:rPr lang="en-US" b="1" dirty="0"/>
+              <a:t>Pros of using stored </a:t>
+            </a:r>
+            <a:r>
+              <a:rPr lang="en-US" b="1" dirty="0" smtClean="0"/>
+              <a:t>routines</a:t>
+            </a:r>
+            <a:endParaRPr lang="en-US" dirty="0"/>
           </a:p>
         </p:txBody>
       </p:sp>
@@ -18134,19 +18199,138 @@
             <p:ph idx="1"/>
           </p:nvPr>
         </p:nvSpPr>
-        <p:spPr/>
-        <p:txBody>
-          <a:bodyPr/>
-          <a:lstStyle/>
-          <a:p>
-            <a:endParaRPr lang="en-US"/>
+        <p:spPr>
+          <a:xfrm>
+            <a:off x="304800" y="990600"/>
+            <a:ext cx="8610600" cy="5638800"/>
+          </a:xfrm>
+        </p:spPr>
+        <p:txBody>
+          <a:bodyPr>
+            <a:normAutofit fontScale="85000" lnSpcReduction="20000"/>
+          </a:bodyPr>
+          <a:lstStyle/>
+          <a:p>
+            <a:r>
+              <a:rPr lang="en-US" b="1" dirty="0"/>
+              <a:t>One place for code</a:t>
+            </a:r>
+          </a:p>
+          <a:p>
+            <a:pPr lvl="1"/>
+            <a:r>
+              <a:rPr lang="en-US" dirty="0"/>
+              <a:t>C</a:t>
+            </a:r>
+            <a:r>
+              <a:rPr lang="en-US" dirty="0" smtClean="0"/>
+              <a:t>ode </a:t>
+            </a:r>
+            <a:r>
+              <a:rPr lang="en-US" dirty="0"/>
+              <a:t>is available to different types of client </a:t>
+            </a:r>
+            <a:r>
+              <a:rPr lang="en-US" dirty="0" smtClean="0"/>
+              <a:t>applications (PHP, JAVA, .NET, etc.)</a:t>
+            </a:r>
+          </a:p>
+          <a:p>
+            <a:pPr lvl="1"/>
+            <a:r>
+              <a:rPr lang="en-US" dirty="0" smtClean="0"/>
+              <a:t>simplify </a:t>
+            </a:r>
+            <a:r>
+              <a:rPr lang="en-US" dirty="0"/>
+              <a:t>security, administration, and </a:t>
+            </a:r>
+            <a:r>
+              <a:rPr lang="en-US" dirty="0" smtClean="0"/>
+              <a:t>maintenance.</a:t>
+            </a:r>
+          </a:p>
+          <a:p>
+            <a:r>
+              <a:rPr lang="en-US" b="1" dirty="0" smtClean="0"/>
+              <a:t>Security</a:t>
+            </a:r>
+          </a:p>
+          <a:p>
+            <a:pPr lvl="1"/>
+            <a:r>
+              <a:rPr lang="en-US" dirty="0" smtClean="0"/>
+              <a:t>Use </a:t>
+            </a:r>
+            <a:r>
+              <a:rPr lang="en-US" dirty="0"/>
+              <a:t>stored routines to help secure the underlying data in MySQL </a:t>
+            </a:r>
+            <a:r>
+              <a:rPr lang="en-US" dirty="0" smtClean="0"/>
+              <a:t>databases</a:t>
+            </a:r>
+          </a:p>
+          <a:p>
+            <a:pPr lvl="1"/>
+            <a:r>
+              <a:rPr lang="en-US" dirty="0"/>
+              <a:t>abstract others away from your </a:t>
+            </a:r>
+            <a:r>
+              <a:rPr lang="en-US" dirty="0" smtClean="0"/>
+              <a:t>tables</a:t>
+            </a:r>
+          </a:p>
+          <a:p>
+            <a:pPr lvl="1"/>
+            <a:r>
+              <a:rPr lang="en-US" dirty="0"/>
+              <a:t>secure access to the </a:t>
+            </a:r>
+            <a:r>
+              <a:rPr lang="en-US" dirty="0" smtClean="0"/>
+              <a:t>underlying base tables</a:t>
+            </a:r>
+          </a:p>
+          <a:p>
+            <a:pPr lvl="1"/>
+            <a:r>
+              <a:rPr lang="en-US" dirty="0"/>
+              <a:t>use security to grant access to just the view and stored procedures and not the underlying </a:t>
+            </a:r>
+            <a:r>
+              <a:rPr lang="en-US" dirty="0" smtClean="0"/>
+              <a:t>tables</a:t>
+            </a:r>
+          </a:p>
+          <a:p>
+            <a:pPr lvl="1"/>
+            <a:r>
+              <a:rPr lang="en-US" dirty="0"/>
+              <a:t>affords changing the underlying tables and minimizing the impact to other developers accessing the data within the </a:t>
+            </a:r>
+            <a:r>
+              <a:rPr lang="en-US" dirty="0" smtClean="0"/>
+              <a:t>tables</a:t>
+            </a:r>
+          </a:p>
+          <a:p>
+            <a:pPr lvl="1"/>
+            <a:r>
+              <a:rPr lang="en-US" dirty="0"/>
+              <a:t>Maintainability of the code improves as your underlying data structures changes over time</a:t>
+            </a:r>
+          </a:p>
+          <a:p>
+            <a:endParaRPr lang="en-US" dirty="0"/>
           </a:p>
         </p:txBody>
       </p:sp>
     </p:spTree>
     <p:extLst>
       <p:ext uri="{BB962C8B-B14F-4D97-AF65-F5344CB8AC3E}">
-        <p14:creationId xmlns:p14="http://schemas.microsoft.com/office/powerpoint/2010/main" val="2102703447"/>
+        <p14:creationId xmlns:p14="http://schemas.microsoft.com/office/powerpoint/2010/main" val="1648405865"/>
       </p:ext>
     </p:extLst>
   </p:cSld>
@@ -18225,122 +18409,67 @@
         </p:spPr>
         <p:txBody>
           <a:bodyPr>
-            <a:normAutofit fontScale="85000" lnSpcReduction="20000"/>
+            <a:normAutofit/>
           </a:bodyPr>
           <a:lstStyle/>
           <a:p>
             <a:r>
               <a:rPr lang="en-US" b="1" dirty="0"/>
-              <a:t>One place for code</a:t>
-            </a:r>
+              <a:t>Performance</a:t>
+            </a:r>
+            <a:endParaRPr lang="en-US" dirty="0"/>
           </a:p>
           <a:p>
             <a:pPr lvl="1"/>
             <a:r>
               <a:rPr lang="en-US" dirty="0"/>
-              <a:t>C</a:t>
-            </a:r>
-            <a:r>
-              <a:rPr lang="en-US" dirty="0" smtClean="0"/>
-              <a:t>ode </a:t>
-            </a:r>
-            <a:r>
-              <a:rPr lang="en-US" dirty="0"/>
-              <a:t>is available to different types of client </a:t>
-            </a:r>
-            <a:r>
-              <a:rPr lang="en-US" dirty="0" smtClean="0"/>
-              <a:t>applications (PHP, JAVA, .NET, etc.)</a:t>
+              <a:t>reduced network </a:t>
+            </a:r>
+            <a:r>
+              <a:rPr lang="en-US" dirty="0" smtClean="0"/>
+              <a:t>usage</a:t>
             </a:r>
           </a:p>
           <a:p>
             <a:pPr lvl="1"/>
             <a:r>
-              <a:rPr lang="en-US" dirty="0" smtClean="0"/>
-              <a:t>simplify </a:t>
-            </a:r>
-            <a:r>
-              <a:rPr lang="en-US" dirty="0"/>
-              <a:t>security, administration, and </a:t>
-            </a:r>
-            <a:r>
-              <a:rPr lang="en-US" dirty="0" smtClean="0"/>
-              <a:t>maintenance.</a:t>
-            </a:r>
-          </a:p>
-          <a:p>
-            <a:r>
-              <a:rPr lang="en-US" b="1" dirty="0" smtClean="0"/>
-              <a:t>Security</a:t>
+              <a:rPr lang="en-US" dirty="0"/>
+              <a:t>The stored procedure performs intermediate processing on the database server, without transmitting unnecessary data across the </a:t>
+            </a:r>
+            <a:r>
+              <a:rPr lang="en-US" dirty="0" smtClean="0"/>
+              <a:t>network</a:t>
             </a:r>
           </a:p>
           <a:p>
             <a:pPr lvl="1"/>
             <a:r>
-              <a:rPr lang="en-US" dirty="0" smtClean="0"/>
-              <a:t>Use </a:t>
-            </a:r>
-            <a:r>
-              <a:rPr lang="en-US" dirty="0"/>
-              <a:t>stored routines to help secure the underlying data in MySQL </a:t>
-            </a:r>
-            <a:r>
-              <a:rPr lang="en-US" dirty="0" smtClean="0"/>
-              <a:t>databases</a:t>
+              <a:rPr lang="en-US" dirty="0"/>
+              <a:t>SQL statements that you group together in a stored procedure, the more you reduce network usage and the time that database locks are </a:t>
+            </a:r>
+            <a:r>
+              <a:rPr lang="en-US" dirty="0" smtClean="0"/>
+              <a:t>held</a:t>
             </a:r>
           </a:p>
           <a:p>
             <a:pPr lvl="1"/>
             <a:r>
-              <a:rPr lang="en-US" dirty="0"/>
-              <a:t>abstract others away from your </a:t>
-            </a:r>
-            <a:r>
-              <a:rPr lang="en-US" dirty="0" smtClean="0"/>
-              <a:t>tables</a:t>
-            </a:r>
+              <a:rPr lang="en-US" dirty="0" smtClean="0"/>
+              <a:t>Reducing </a:t>
+            </a:r>
+            <a:r>
+              <a:rPr lang="en-US" dirty="0"/>
+              <a:t>network usage and the length of database locks improves overall network performance and reduces lock contention </a:t>
+            </a:r>
+            <a:r>
+              <a:rPr lang="en-US" dirty="0" smtClean="0"/>
+              <a:t>problems</a:t>
+            </a:r>
+            <a:endParaRPr lang="en-US" dirty="0"/>
           </a:p>
           <a:p>
             <a:pPr lvl="1"/>
-            <a:r>
-              <a:rPr lang="en-US" dirty="0"/>
-              <a:t>secure access to the </a:t>
-            </a:r>
-            <a:r>
-              <a:rPr lang="en-US" dirty="0" smtClean="0"/>
-              <a:t>underlying base tables</a:t>
-            </a:r>
-          </a:p>
-          <a:p>
-            <a:pPr lvl="1"/>
-            <a:r>
-              <a:rPr lang="en-US" dirty="0"/>
-              <a:t>use security to grant access to just the view and stored procedures and not the underlying </a:t>
-            </a:r>
-            <a:r>
-              <a:rPr lang="en-US" dirty="0" smtClean="0"/>
-              <a:t>tables</a:t>
-            </a:r>
-          </a:p>
-          <a:p>
-            <a:pPr lvl="1"/>
-            <a:r>
-              <a:rPr lang="en-US" dirty="0"/>
-              <a:t>affords changing the underlying tables and minimizing the impact to other developers accessing the data within the </a:t>
-            </a:r>
-            <a:r>
-              <a:rPr lang="en-US" dirty="0" smtClean="0"/>
-              <a:t>tables</a:t>
-            </a:r>
-          </a:p>
-          <a:p>
-            <a:pPr lvl="1"/>
-            <a:r>
-              <a:rPr lang="en-US" dirty="0"/>
-              <a:t>Maintainability of the code improves as your underlying data structures changes over time</a:t>
-            </a:r>
-          </a:p>
-          <a:p>
             <a:endParaRPr lang="en-US" dirty="0"/>
           </a:p>
         </p:txBody>
@@ -18348,7 +18477,7 @@
     </p:spTree>
     <p:extLst>
       <p:ext uri="{BB962C8B-B14F-4D97-AF65-F5344CB8AC3E}">
-        <p14:creationId xmlns:p14="http://schemas.microsoft.com/office/powerpoint/2010/main" val="1648405865"/>
+        <p14:creationId xmlns:p14="http://schemas.microsoft.com/office/powerpoint/2010/main" val="1753327833"/>
       </p:ext>
     </p:extLst>
   </p:cSld>
@@ -18385,27 +18514,12 @@
             <p:ph type="title"/>
           </p:nvPr>
         </p:nvSpPr>
-        <p:spPr>
-          <a:xfrm>
-            <a:off x="457200" y="152400"/>
-            <a:ext cx="8229600" cy="944562"/>
-          </a:xfrm>
-        </p:spPr>
-        <p:txBody>
-          <a:bodyPr>
-            <a:normAutofit/>
-          </a:bodyPr>
-          <a:lstStyle/>
-          <a:p>
-            <a:r>
-              <a:rPr lang="en-US" b="1" dirty="0"/>
-              <a:t>Pros of using stored </a:t>
-            </a:r>
-            <a:r>
-              <a:rPr lang="en-US" b="1" dirty="0" smtClean="0"/>
-              <a:t>routines</a:t>
-            </a:r>
-            <a:endParaRPr lang="en-US" dirty="0"/>
+        <p:spPr/>
+        <p:txBody>
+          <a:bodyPr/>
+          <a:lstStyle/>
+          <a:p>
+            <a:endParaRPr lang="en-US"/>
           </a:p>
         </p:txBody>
       </p:sp>
@@ -18419,83 +18533,19 @@
             <p:ph idx="1"/>
           </p:nvPr>
         </p:nvSpPr>
-        <p:spPr>
-          <a:xfrm>
-            <a:off x="304800" y="990600"/>
-            <a:ext cx="8610600" cy="5638800"/>
-          </a:xfrm>
-        </p:spPr>
-        <p:txBody>
-          <a:bodyPr>
-            <a:normAutofit/>
-          </a:bodyPr>
-          <a:lstStyle/>
-          <a:p>
-            <a:r>
-              <a:rPr lang="en-US" b="1" dirty="0"/>
-              <a:t>Performance</a:t>
-            </a:r>
-            <a:endParaRPr lang="en-US" dirty="0"/>
-          </a:p>
-          <a:p>
-            <a:pPr lvl="1"/>
-            <a:r>
-              <a:rPr lang="en-US" dirty="0"/>
-              <a:t>reduced network </a:t>
-            </a:r>
-            <a:r>
-              <a:rPr lang="en-US" dirty="0" smtClean="0"/>
-              <a:t>usage</a:t>
-            </a:r>
-          </a:p>
-          <a:p>
-            <a:pPr lvl="1"/>
-            <a:r>
-              <a:rPr lang="en-US" dirty="0"/>
-              <a:t>The stored procedure performs intermediate processing on the database server, without transmitting unnecessary data across the </a:t>
-            </a:r>
-            <a:r>
-              <a:rPr lang="en-US" dirty="0" smtClean="0"/>
-              <a:t>network</a:t>
-            </a:r>
-          </a:p>
-          <a:p>
-            <a:pPr lvl="1"/>
-            <a:r>
-              <a:rPr lang="en-US" dirty="0"/>
-              <a:t>SQL statements that you group together in a stored procedure, the more you reduce network usage and the time that database locks are </a:t>
-            </a:r>
-            <a:r>
-              <a:rPr lang="en-US" dirty="0" smtClean="0"/>
-              <a:t>held</a:t>
-            </a:r>
-          </a:p>
-          <a:p>
-            <a:pPr lvl="1"/>
-            <a:r>
-              <a:rPr lang="en-US" dirty="0" smtClean="0"/>
-              <a:t>Reducing </a:t>
-            </a:r>
-            <a:r>
-              <a:rPr lang="en-US" dirty="0"/>
-              <a:t>network usage and the length of database locks improves overall network performance and reduces lock contention </a:t>
-            </a:r>
-            <a:r>
-              <a:rPr lang="en-US" dirty="0" smtClean="0"/>
-              <a:t>problems</a:t>
-            </a:r>
-            <a:endParaRPr lang="en-US" dirty="0"/>
-          </a:p>
-          <a:p>
-            <a:pPr lvl="1"/>
-            <a:endParaRPr lang="en-US" dirty="0"/>
+        <p:spPr/>
+        <p:txBody>
+          <a:bodyPr/>
+          <a:lstStyle/>
+          <a:p>
+            <a:endParaRPr lang="en-US"/>
           </a:p>
         </p:txBody>
       </p:sp>
     </p:spTree>
     <p:extLst>
       <p:ext uri="{BB962C8B-B14F-4D97-AF65-F5344CB8AC3E}">
-        <p14:creationId xmlns:p14="http://schemas.microsoft.com/office/powerpoint/2010/main" val="1753327833"/>
+        <p14:creationId xmlns:p14="http://schemas.microsoft.com/office/powerpoint/2010/main" val="1632656431"/>
       </p:ext>
     </p:extLst>
   </p:cSld>
@@ -18537,7 +18587,15 @@
           <a:bodyPr/>
           <a:lstStyle/>
           <a:p>
-            <a:endParaRPr lang="en-US"/>
+            <a:r>
+              <a:rPr lang="en-US" b="1" dirty="0"/>
+              <a:t>Cons of using stored </a:t>
+            </a:r>
+            <a:r>
+              <a:rPr lang="en-US" b="1" dirty="0" smtClean="0"/>
+              <a:t>routines</a:t>
+            </a:r>
+            <a:endParaRPr lang="en-US" dirty="0"/>
           </a:p>
         </p:txBody>
       </p:sp>
@@ -18553,17 +18611,83 @@
         </p:nvSpPr>
         <p:spPr/>
         <p:txBody>
-          <a:bodyPr/>
-          <a:lstStyle/>
-          <a:p>
-            <a:endParaRPr lang="en-US"/>
+          <a:bodyPr>
+            <a:normAutofit lnSpcReduction="10000"/>
+          </a:bodyPr>
+          <a:lstStyle/>
+          <a:p>
+            <a:r>
+              <a:rPr lang="en-US" b="1" dirty="0"/>
+              <a:t>Performance</a:t>
+            </a:r>
+            <a:endParaRPr lang="en-US" dirty="0"/>
+          </a:p>
+          <a:p>
+            <a:pPr lvl="1"/>
+            <a:r>
+              <a:rPr lang="en-US" dirty="0"/>
+              <a:t>Having the code in one place can put a large burden on the </a:t>
+            </a:r>
+            <a:r>
+              <a:rPr lang="en-US" dirty="0" smtClean="0"/>
+              <a:t>database</a:t>
+            </a:r>
+          </a:p>
+          <a:p>
+            <a:pPr lvl="1"/>
+            <a:r>
+              <a:rPr lang="en-US" dirty="0"/>
+              <a:t>more client applications and users depend on the database and the </a:t>
+            </a:r>
+            <a:r>
+              <a:rPr lang="en-US" dirty="0" smtClean="0"/>
+              <a:t>hardware</a:t>
+            </a:r>
+          </a:p>
+          <a:p>
+            <a:pPr lvl="1"/>
+            <a:r>
+              <a:rPr lang="en-US" dirty="0"/>
+              <a:t>Lots of I/O pressure on the server and underlying disk </a:t>
+            </a:r>
+            <a:r>
+              <a:rPr lang="en-US" dirty="0" smtClean="0"/>
+              <a:t>subsystems</a:t>
+            </a:r>
+          </a:p>
+          <a:p>
+            <a:pPr lvl="1"/>
+            <a:r>
+              <a:rPr lang="en-US" dirty="0"/>
+              <a:t>Transferring processing to the middle tier </a:t>
+            </a:r>
+            <a:r>
+              <a:rPr lang="en-US" dirty="0" smtClean="0"/>
+              <a:t>(PHP</a:t>
+            </a:r>
+            <a:r>
+              <a:rPr lang="en-US" dirty="0"/>
+              <a:t>, Java, C#, </a:t>
+            </a:r>
+            <a:r>
+              <a:rPr lang="en-US" dirty="0" smtClean="0"/>
+              <a:t>etc.) can </a:t>
+            </a:r>
+            <a:r>
+              <a:rPr lang="en-US" dirty="0"/>
+              <a:t>also enhance load balancing and scalability.</a:t>
+            </a:r>
+          </a:p>
+          <a:p>
+            <a:pPr lvl="1"/>
+            <a:endParaRPr lang="en-US" dirty="0"/>
           </a:p>
         </p:txBody>
       </p:sp>
     </p:spTree>
     <p:extLst>
       <p:ext uri="{BB962C8B-B14F-4D97-AF65-F5344CB8AC3E}">
-        <p14:creationId xmlns:p14="http://schemas.microsoft.com/office/powerpoint/2010/main" val="1632656431"/>
+        <p14:creationId xmlns:p14="http://schemas.microsoft.com/office/powerpoint/2010/main" val="2176725150"/>
       </p:ext>
     </p:extLst>
   </p:cSld>
@@ -18636,7 +18760,7 @@
           <a:p>
             <a:r>
               <a:rPr lang="en-US" b="1" dirty="0"/>
-              <a:t>Performance</a:t>
+              <a:t>Limited Programming Power</a:t>
             </a:r>
             <a:endParaRPr lang="en-US" dirty="0"/>
           </a:p>
@@ -18644,56 +18768,33 @@
             <a:pPr lvl="1"/>
             <a:r>
               <a:rPr lang="en-US" dirty="0"/>
-              <a:t>Having the code in one place can put a large burden on the </a:t>
-            </a:r>
-            <a:r>
-              <a:rPr lang="en-US" dirty="0" smtClean="0"/>
-              <a:t>database</a:t>
+              <a:t>C#, Ruby, Java, </a:t>
+            </a:r>
+            <a:r>
+              <a:rPr lang="en-US" dirty="0" smtClean="0"/>
+              <a:t>JavaScript, etc.  </a:t>
+            </a:r>
+            <a:r>
+              <a:rPr lang="en-US" dirty="0"/>
+              <a:t>These languages provide greater capabilities than the SQL language enabling you to elegantly and flexibly solve tougher problems. </a:t>
+            </a:r>
+            <a:endParaRPr lang="en-US" dirty="0" smtClean="0"/>
+          </a:p>
+          <a:p>
+            <a:r>
+              <a:rPr lang="en-US" b="1" dirty="0"/>
+              <a:t>Code in the database deepens your dependency on the database </a:t>
+            </a:r>
+            <a:r>
+              <a:rPr lang="en-US" b="1" dirty="0" smtClean="0"/>
+              <a:t>platform</a:t>
             </a:r>
           </a:p>
           <a:p>
             <a:pPr lvl="1"/>
             <a:r>
               <a:rPr lang="en-US" dirty="0"/>
-              <a:t>more client applications and users depend on the database and the </a:t>
-            </a:r>
-            <a:r>
-              <a:rPr lang="en-US" dirty="0" smtClean="0"/>
-              <a:t>hardware</a:t>
-            </a:r>
-          </a:p>
-          <a:p>
-            <a:pPr lvl="1"/>
-            <a:r>
-              <a:rPr lang="en-US" dirty="0"/>
-              <a:t>Lots of I/O pressure on the server and underlying disk </a:t>
-            </a:r>
-            <a:r>
-              <a:rPr lang="en-US" dirty="0" smtClean="0"/>
-              <a:t>subsystems</a:t>
-            </a:r>
-          </a:p>
-          <a:p>
-            <a:pPr lvl="1"/>
-            <a:r>
-              <a:rPr lang="en-US" dirty="0"/>
-              <a:t>Transferring processing to the middle tier </a:t>
-            </a:r>
-            <a:r>
-              <a:rPr lang="en-US" dirty="0" smtClean="0"/>
-              <a:t>(PHP</a:t>
-            </a:r>
-            <a:r>
-              <a:rPr lang="en-US" dirty="0"/>
-              <a:t>, Java, C#, </a:t>
-            </a:r>
-            <a:r>
-              <a:rPr lang="en-US" dirty="0" smtClean="0"/>
-              <a:t>etc.) can </a:t>
-            </a:r>
-            <a:r>
-              <a:rPr lang="en-US" dirty="0"/>
-              <a:t>also enhance load balancing and scalability.</a:t>
+              <a:t>What if you need to switch database platforms?  You will need to rewrite a major chunk of our application logic…ouch!</a:t>
             </a:r>
           </a:p>
           <a:p>
@@ -18705,7 +18806,7 @@
     </p:spTree>
     <p:extLst>
       <p:ext uri="{BB962C8B-B14F-4D97-AF65-F5344CB8AC3E}">
-        <p14:creationId xmlns:p14="http://schemas.microsoft.com/office/powerpoint/2010/main" val="2176725150"/>
+        <p14:creationId xmlns:p14="http://schemas.microsoft.com/office/powerpoint/2010/main" val="2718893164"/>
       </p:ext>
     </p:extLst>
   </p:cSld>
@@ -18744,16 +18845,18 @@
         </p:nvSpPr>
         <p:spPr/>
         <p:txBody>
-          <a:bodyPr/>
-          <a:lstStyle/>
-          <a:p>
-            <a:r>
-              <a:rPr lang="en-US" b="1" dirty="0"/>
-              <a:t>Cons of using stored </a:t>
-            </a:r>
-            <a:r>
-              <a:rPr lang="en-US" b="1" dirty="0" smtClean="0"/>
-              <a:t>routines</a:t>
+          <a:bodyPr>
+            <a:normAutofit/>
+          </a:bodyPr>
+          <a:lstStyle/>
+          <a:p>
+            <a:r>
+              <a:rPr lang="en-US" b="1" cap="all" dirty="0"/>
+              <a:t>Naming </a:t>
+            </a:r>
+            <a:r>
+              <a:rPr lang="en-US" b="1" cap="all" dirty="0" smtClean="0"/>
+              <a:t>Conventions</a:t>
             </a:r>
             <a:endParaRPr lang="en-US" dirty="0"/>
           </a:p>
@@ -18772,51 +18875,102 @@
         <p:spPr/>
         <p:txBody>
           <a:bodyPr>
-            <a:normAutofit lnSpcReduction="10000"/>
+            <a:normAutofit fontScale="92500" lnSpcReduction="10000"/>
           </a:bodyPr>
           <a:lstStyle/>
           <a:p>
             <a:r>
-              <a:rPr lang="en-US" b="1" dirty="0"/>
-              <a:t>Limited Programming Power</a:t>
-            </a:r>
-            <a:endParaRPr lang="en-US" dirty="0"/>
+              <a:rPr lang="en-US" dirty="0" smtClean="0"/>
+              <a:t>Variables</a:t>
+            </a:r>
           </a:p>
           <a:p>
             <a:pPr lvl="1"/>
             <a:r>
               <a:rPr lang="en-US" dirty="0"/>
-              <a:t>C#, Ruby, Java, </a:t>
-            </a:r>
-            <a:r>
-              <a:rPr lang="en-US" dirty="0" smtClean="0"/>
-              <a:t>JavaScript, etc.  </a:t>
-            </a:r>
-            <a:r>
-              <a:rPr lang="en-US" dirty="0"/>
-              <a:t>These languages provide greater capabilities than the SQL language enabling you to elegantly and flexibly solve tougher problems. </a:t>
+              <a:t>Instead of using capitalization of letters to separate names within a variable, consider using an  </a:t>
+            </a:r>
+            <a:r>
+              <a:rPr lang="en-US" dirty="0" smtClean="0"/>
+              <a:t>_  (ex: </a:t>
+            </a:r>
+            <a:r>
+              <a:rPr lang="en-US" dirty="0" err="1" smtClean="0"/>
+              <a:t>min_level</a:t>
+            </a:r>
+            <a:r>
+              <a:rPr lang="en-US" dirty="0" smtClean="0"/>
+              <a:t>)</a:t>
+            </a:r>
+          </a:p>
+          <a:p>
+            <a:pPr lvl="1"/>
+            <a:r>
+              <a:rPr lang="en-US" dirty="0"/>
+              <a:t>A</a:t>
+            </a:r>
+            <a:r>
+              <a:rPr lang="en-US" dirty="0" smtClean="0"/>
+              <a:t>void </a:t>
+            </a:r>
+            <a:r>
+              <a:rPr lang="en-US" dirty="0"/>
+              <a:t>naming variables or parameters the same as a column </a:t>
+            </a:r>
+            <a:r>
+              <a:rPr lang="en-US" dirty="0" smtClean="0"/>
+              <a:t>name</a:t>
+            </a:r>
+          </a:p>
+          <a:p>
+            <a:pPr lvl="1"/>
+            <a:r>
+              <a:rPr lang="en-US" dirty="0" smtClean="0"/>
+              <a:t>Consider using </a:t>
+            </a:r>
+            <a:r>
+              <a:rPr lang="en-US" dirty="0" err="1" smtClean="0"/>
+              <a:t>anaming</a:t>
+            </a:r>
+            <a:r>
+              <a:rPr lang="en-US" dirty="0" smtClean="0"/>
+              <a:t> </a:t>
+            </a:r>
+            <a:r>
+              <a:rPr lang="en-US" dirty="0"/>
+              <a:t>convention that states the data type of the variable </a:t>
+            </a:r>
+            <a:r>
+              <a:rPr lang="en-US" dirty="0" smtClean="0"/>
+              <a:t>(ex: </a:t>
+            </a:r>
+            <a:r>
+              <a:rPr lang="en-US" dirty="0" err="1" smtClean="0"/>
+              <a:t>imin_level</a:t>
+            </a:r>
+            <a:r>
+              <a:rPr lang="en-US" dirty="0" smtClean="0"/>
+              <a:t>)</a:t>
+            </a:r>
+          </a:p>
+          <a:p>
+            <a:pPr lvl="1"/>
+            <a:r>
+              <a:rPr lang="en-US" dirty="0" smtClean="0"/>
+              <a:t>Use a </a:t>
+            </a:r>
+            <a:r>
+              <a:rPr lang="en-US" dirty="0"/>
+              <a:t>unique name, regardless of scoping </a:t>
             </a:r>
             <a:endParaRPr lang="en-US" dirty="0" smtClean="0"/>
           </a:p>
           <a:p>
-            <a:r>
-              <a:rPr lang="en-US" b="1" dirty="0"/>
-              <a:t>Code in the database deepens your dependency on the database </a:t>
-            </a:r>
-            <a:r>
-              <a:rPr lang="en-US" b="1" dirty="0" smtClean="0"/>
-              <a:t>platform</a:t>
-            </a:r>
-          </a:p>
-          <a:p>
             <a:pPr lvl="1"/>
             <a:r>
-              <a:rPr lang="en-US" dirty="0"/>
-              <a:t>What if you need to switch database platforms?  You will need to rewrite a major chunk of our application logic…ouch!</a:t>
-            </a:r>
-          </a:p>
-          <a:p>
-            <a:pPr lvl="1"/>
+              <a:rPr lang="en-US" dirty="0" smtClean="0"/>
+              <a:t>Establish a set of naming convention within your group.  Be consistent.  </a:t>
+            </a:r>
             <a:endParaRPr lang="en-US" dirty="0"/>
           </a:p>
         </p:txBody>
@@ -18824,7 +18978,7 @@
     </p:spTree>
     <p:extLst>
       <p:ext uri="{BB962C8B-B14F-4D97-AF65-F5344CB8AC3E}">
-        <p14:creationId xmlns:p14="http://schemas.microsoft.com/office/powerpoint/2010/main" val="2718893164"/>
+        <p14:creationId xmlns:p14="http://schemas.microsoft.com/office/powerpoint/2010/main" val="4140494546"/>
       </p:ext>
     </p:extLst>
   </p:cSld>
@@ -18958,18 +19112,12 @@
         </p:nvSpPr>
         <p:spPr/>
         <p:txBody>
-          <a:bodyPr>
-            <a:normAutofit/>
-          </a:bodyPr>
-          <a:lstStyle/>
-          <a:p>
-            <a:r>
-              <a:rPr lang="en-US" b="1" cap="all" dirty="0"/>
-              <a:t>Naming </a:t>
-            </a:r>
-            <a:r>
-              <a:rPr lang="en-US" b="1" cap="all" dirty="0" smtClean="0"/>
-              <a:t>Conventions</a:t>
+          <a:bodyPr/>
+          <a:lstStyle/>
+          <a:p>
+            <a:r>
+              <a:rPr lang="en-US" dirty="0" smtClean="0"/>
+              <a:t>Compound Statements</a:t>
             </a:r>
             <a:endParaRPr lang="en-US" dirty="0"/>
           </a:p>
@@ -18987,117 +19135,35 @@
         </p:nvSpPr>
         <p:spPr/>
         <p:txBody>
-          <a:bodyPr>
-            <a:normAutofit fontScale="92500" lnSpcReduction="10000"/>
-          </a:bodyPr>
-          <a:lstStyle/>
-          <a:p>
-            <a:r>
-              <a:rPr lang="en-US" dirty="0" smtClean="0"/>
-              <a:t>Variables</a:t>
-            </a:r>
+          <a:bodyPr/>
+          <a:lstStyle/>
+          <a:p>
+            <a:r>
+              <a:rPr lang="en-US" dirty="0" smtClean="0"/>
+              <a:t>A simple stored procedure containing a single statement does not need a compound statement.  </a:t>
+            </a:r>
+          </a:p>
+          <a:p>
+            <a:endParaRPr lang="en-US" dirty="0" smtClean="0"/>
           </a:p>
           <a:p>
             <a:pPr lvl="1"/>
-            <a:r>
-              <a:rPr lang="en-US" dirty="0"/>
-              <a:t>Instead of using capitalization of letters to separate names within a variable, consider using an  </a:t>
-            </a:r>
-            <a:r>
-              <a:rPr lang="en-US" dirty="0" smtClean="0"/>
-              <a:t>_  (ex: </a:t>
-            </a:r>
-            <a:r>
-              <a:rPr lang="en-US" dirty="0" err="1" smtClean="0"/>
-              <a:t>min_level</a:t>
-            </a:r>
-            <a:r>
-              <a:rPr lang="en-US" dirty="0" smtClean="0"/>
-              <a:t>)</a:t>
-            </a:r>
-          </a:p>
-          <a:p>
-            <a:pPr lvl="1"/>
-            <a:r>
-              <a:rPr lang="en-US" dirty="0"/>
-              <a:t>A</a:t>
-            </a:r>
-            <a:r>
-              <a:rPr lang="en-US" dirty="0" smtClean="0"/>
-              <a:t>void </a:t>
-            </a:r>
-            <a:r>
-              <a:rPr lang="en-US" dirty="0"/>
-              <a:t>naming variables or parameters the same as a column </a:t>
-            </a:r>
-            <a:r>
-              <a:rPr lang="en-US" dirty="0" smtClean="0"/>
-              <a:t>name</a:t>
-            </a:r>
-          </a:p>
-          <a:p>
-            <a:pPr lvl="1"/>
-            <a:r>
-              <a:rPr lang="en-US" dirty="0" smtClean="0"/>
-              <a:t>Consider using </a:t>
-            </a:r>
-            <a:r>
-              <a:rPr lang="en-US" dirty="0" err="1" smtClean="0"/>
-              <a:t>anaming</a:t>
-            </a:r>
-            <a:r>
-              <a:rPr lang="en-US" dirty="0" smtClean="0"/>
-              <a:t> </a:t>
-            </a:r>
-            <a:r>
-              <a:rPr lang="en-US" dirty="0"/>
-              <a:t>convention that states the data type of the variable </a:t>
-            </a:r>
-            <a:r>
-              <a:rPr lang="en-US" dirty="0" smtClean="0"/>
-              <a:t>(ex: </a:t>
-            </a:r>
-            <a:r>
-              <a:rPr lang="en-US" dirty="0" err="1" smtClean="0"/>
-              <a:t>imin_level</a:t>
-            </a:r>
-            <a:r>
-              <a:rPr lang="en-US" dirty="0" smtClean="0"/>
-              <a:t>)</a:t>
-            </a:r>
-          </a:p>
-          <a:p>
-            <a:pPr lvl="1"/>
-            <a:r>
-              <a:rPr lang="en-US" dirty="0" smtClean="0"/>
-              <a:t>Use a </a:t>
-            </a:r>
-            <a:r>
-              <a:rPr lang="en-US" dirty="0"/>
-              <a:t>unique name, regardless of scoping </a:t>
-            </a:r>
-            <a:endParaRPr lang="en-US" dirty="0" smtClean="0"/>
-          </a:p>
-          <a:p>
-            <a:pPr lvl="1"/>
-            <a:r>
-              <a:rPr lang="en-US" dirty="0" smtClean="0"/>
-              <a:t>Establish a set of naming convention within your group.  Be consistent.  </a:t>
-            </a:r>
             <a:endParaRPr lang="en-US" dirty="0"/>
           </a:p>
         </p:txBody>
       </p:sp>
     </p:spTree>
-    <p:extLst>
-      <p:ext uri="{BB962C8B-B14F-4D97-AF65-F5344CB8AC3E}">
-        <p14:creationId xmlns:p14="http://schemas.microsoft.com/office/powerpoint/2010/main" val="4140494546"/>
-      </p:ext>
-    </p:extLst>
   </p:cSld>
   <p:clrMapOvr>
     <a:masterClrMapping/>
   </p:clrMapOvr>
+  <p:timing>
+    <p:tnLst>
+      <p:par>
+        <p:cTn id="1" dur="indefinite" restart="never" nodeType="tmRoot"/>
+      </p:par>
+    </p:tnLst>
+  </p:timing>
 </p:sld>
 </file>
 
@@ -19135,7 +19201,7 @@
           <a:p>
             <a:r>
               <a:rPr lang="en-US" dirty="0" smtClean="0"/>
-              <a:t>Compound Statements</a:t>
+              <a:t>Stored Procedures (SP)</a:t>
             </a:r>
             <a:endParaRPr lang="en-US" dirty="0"/>
           </a:p>
@@ -19153,19 +19219,70 @@
         </p:nvSpPr>
         <p:spPr/>
         <p:txBody>
-          <a:bodyPr/>
-          <a:lstStyle/>
-          <a:p>
-            <a:r>
-              <a:rPr lang="en-US" dirty="0" smtClean="0"/>
-              <a:t>A simple stored procedure containing a single statement does not need a compound statement.  </a:t>
-            </a:r>
-          </a:p>
-          <a:p>
-            <a:endParaRPr lang="en-US" dirty="0" smtClean="0"/>
-          </a:p>
-          <a:p>
-            <a:pPr lvl="1"/>
+          <a:bodyPr>
+            <a:normAutofit fontScale="92500" lnSpcReduction="20000"/>
+          </a:bodyPr>
+          <a:lstStyle/>
+          <a:p>
+            <a:r>
+              <a:rPr lang="en-US" dirty="0" smtClean="0"/>
+              <a:t>Executed as standalone operations</a:t>
+            </a:r>
+          </a:p>
+          <a:p>
+            <a:r>
+              <a:rPr lang="en-US" dirty="0" smtClean="0"/>
+              <a:t>Use the CALL statement to execute</a:t>
+            </a:r>
+          </a:p>
+          <a:p>
+            <a:r>
+              <a:rPr lang="en-US" dirty="0" smtClean="0"/>
+              <a:t>Use to do something in the db or if you need to return result set(s).</a:t>
+            </a:r>
+          </a:p>
+          <a:p>
+            <a:r>
+              <a:rPr lang="en-US" dirty="0" smtClean="0"/>
+              <a:t>Use CREATE PROCEDURE statement to build a SP</a:t>
+            </a:r>
+          </a:p>
+          <a:p>
+            <a:r>
+              <a:rPr lang="en-US" dirty="0" smtClean="0"/>
+              <a:t>Define the parameters when you define the SP</a:t>
+            </a:r>
+          </a:p>
+          <a:p>
+            <a:r>
+              <a:rPr lang="en-US" dirty="0" smtClean="0"/>
+              <a:t>Pass parameter values into the SP</a:t>
+            </a:r>
+          </a:p>
+          <a:p>
+            <a:r>
+              <a:rPr lang="en-US" dirty="0" smtClean="0"/>
+              <a:t>Pass parameters values OUT of the SP</a:t>
+            </a:r>
+          </a:p>
+          <a:p>
+            <a:r>
+              <a:rPr lang="en-US" dirty="0" smtClean="0"/>
+              <a:t>Hands-On Exercise:  Building and </a:t>
+            </a:r>
+            <a:r>
+              <a:rPr lang="en-US" dirty="0" err="1" smtClean="0"/>
+              <a:t>CALLing</a:t>
+            </a:r>
+            <a:r>
+              <a:rPr lang="en-US" dirty="0" smtClean="0"/>
+              <a:t> a Simple Stored Procedure</a:t>
+            </a:r>
+          </a:p>
+          <a:p>
+            <a:pPr>
+              <a:buNone/>
+            </a:pPr>
             <a:endParaRPr lang="en-US" dirty="0"/>
           </a:p>
         </p:txBody>
@@ -19219,7 +19336,7 @@
           <a:p>
             <a:r>
               <a:rPr lang="en-US" dirty="0" smtClean="0"/>
-              <a:t>Stored Procedures (SP)</a:t>
+              <a:t>Stored Function</a:t>
             </a:r>
             <a:endParaRPr lang="en-US" dirty="0"/>
           </a:p>
@@ -19237,70 +19354,33 @@
         </p:nvSpPr>
         <p:spPr/>
         <p:txBody>
-          <a:bodyPr>
-            <a:normAutofit fontScale="92500" lnSpcReduction="20000"/>
-          </a:bodyPr>
-          <a:lstStyle/>
-          <a:p>
-            <a:r>
-              <a:rPr lang="en-US" dirty="0" smtClean="0"/>
-              <a:t>Executed as standalone operations</a:t>
-            </a:r>
-          </a:p>
-          <a:p>
-            <a:r>
-              <a:rPr lang="en-US" dirty="0" smtClean="0"/>
-              <a:t>Use the CALL statement to execute</a:t>
-            </a:r>
-          </a:p>
-          <a:p>
-            <a:r>
-              <a:rPr lang="en-US" dirty="0" smtClean="0"/>
-              <a:t>Use to do something in the db or if you need to return result set(s).</a:t>
-            </a:r>
-          </a:p>
-          <a:p>
-            <a:r>
-              <a:rPr lang="en-US" dirty="0" smtClean="0"/>
-              <a:t>Use CREATE PROCEDURE statement to build a SP</a:t>
-            </a:r>
-          </a:p>
-          <a:p>
-            <a:r>
-              <a:rPr lang="en-US" dirty="0" smtClean="0"/>
-              <a:t>Define the parameters when you define the SP</a:t>
-            </a:r>
-          </a:p>
-          <a:p>
-            <a:r>
-              <a:rPr lang="en-US" dirty="0" smtClean="0"/>
-              <a:t>Pass parameter values into the SP</a:t>
-            </a:r>
-          </a:p>
-          <a:p>
-            <a:r>
-              <a:rPr lang="en-US" dirty="0" smtClean="0"/>
-              <a:t>Pass parameters values OUT of the SP</a:t>
-            </a:r>
-          </a:p>
-          <a:p>
-            <a:r>
-              <a:rPr lang="en-US" dirty="0" smtClean="0"/>
-              <a:t>Hands-On Exercise:  Building and </a:t>
-            </a:r>
-            <a:r>
-              <a:rPr lang="en-US" dirty="0" err="1" smtClean="0"/>
-              <a:t>CALLing</a:t>
-            </a:r>
-            <a:r>
-              <a:rPr lang="en-US" dirty="0" smtClean="0"/>
-              <a:t> a Simple Stored Procedure</a:t>
-            </a:r>
-          </a:p>
-          <a:p>
-            <a:pPr>
-              <a:buNone/>
-            </a:pPr>
+          <a:bodyPr/>
+          <a:lstStyle/>
+          <a:p>
+            <a:r>
+              <a:rPr lang="en-US" dirty="0" smtClean="0"/>
+              <a:t>Use a stored function to calculate a value</a:t>
+            </a:r>
+          </a:p>
+          <a:p>
+            <a:r>
+              <a:rPr lang="en-US" dirty="0" smtClean="0"/>
+              <a:t>Use in expressions</a:t>
+            </a:r>
+          </a:p>
+          <a:p>
+            <a:r>
+              <a:rPr lang="en-US" dirty="0" smtClean="0"/>
+              <a:t>Cant use if you want to return more than one value (use SP instead)</a:t>
+            </a:r>
+          </a:p>
+          <a:p>
+            <a:r>
+              <a:rPr lang="en-US" dirty="0" smtClean="0"/>
+              <a:t>Use CREATE FUNCTION statement to build a function</a:t>
+            </a:r>
+          </a:p>
+          <a:p>
             <a:endParaRPr lang="en-US" dirty="0"/>
           </a:p>
         </p:txBody>
@@ -19354,7 +19434,7 @@
           <a:p>
             <a:r>
               <a:rPr lang="en-US" dirty="0" smtClean="0"/>
-              <a:t>Stored Function</a:t>
+              <a:t>Resources</a:t>
             </a:r>
             <a:endParaRPr lang="en-US" dirty="0"/>
           </a:p>
@@ -19372,31 +19452,189 @@
         </p:nvSpPr>
         <p:spPr/>
         <p:txBody>
-          <a:bodyPr/>
-          <a:lstStyle/>
-          <a:p>
-            <a:r>
-              <a:rPr lang="en-US" dirty="0" smtClean="0"/>
-              <a:t>Use a stored function to calculate a value</a:t>
-            </a:r>
-          </a:p>
-          <a:p>
-            <a:r>
-              <a:rPr lang="en-US" dirty="0" smtClean="0"/>
-              <a:t>Use in expressions</a:t>
-            </a:r>
-          </a:p>
-          <a:p>
-            <a:r>
-              <a:rPr lang="en-US" dirty="0" smtClean="0"/>
-              <a:t>Cant use if you want to return more than one value (use SP instead)</a:t>
-            </a:r>
-          </a:p>
-          <a:p>
-            <a:r>
-              <a:rPr lang="en-US" dirty="0" smtClean="0"/>
-              <a:t>Use CREATE FUNCTION statement to build a function</a:t>
-            </a:r>
+          <a:bodyPr>
+            <a:normAutofit fontScale="92500" lnSpcReduction="10000"/>
+          </a:bodyPr>
+          <a:lstStyle/>
+          <a:p>
+            <a:r>
+              <a:rPr lang="en-US" dirty="0" smtClean="0"/>
+              <a:t>MySQL Developer’s Library – Paul DuBois</a:t>
+            </a:r>
+          </a:p>
+          <a:p>
+            <a:r>
+              <a:rPr lang="en-US" dirty="0">
+                <a:solidFill>
+                  <a:srgbClr val="000000"/>
+                </a:solidFill>
+                <a:latin typeface="Nina Compressed"/>
+                <a:hlinkClick r:id="rId2"/>
+              </a:rPr>
+              <a:t>http://</a:t>
+            </a:r>
+            <a:r>
+              <a:rPr lang="en-US" dirty="0" smtClean="0">
+                <a:solidFill>
+                  <a:srgbClr val="000000"/>
+                </a:solidFill>
+                <a:latin typeface="Nina Compressed"/>
+                <a:hlinkClick r:id="rId2"/>
+              </a:rPr>
+              <a:t>en.wikipedia.org/wiki/MySQL</a:t>
+            </a:r>
+            <a:endParaRPr lang="en-US" dirty="0" smtClean="0">
+              <a:solidFill>
+                <a:srgbClr val="000000"/>
+              </a:solidFill>
+              <a:latin typeface="Nina Compressed"/>
+            </a:endParaRPr>
+          </a:p>
+          <a:p>
+            <a:r>
+              <a:rPr lang="en-US" dirty="0">
+                <a:hlinkClick r:id="rId3"/>
+              </a:rPr>
+              <a:t>http://www.w3schools.com/sql</a:t>
+            </a:r>
+            <a:r>
+              <a:rPr lang="en-US" dirty="0" smtClean="0">
+                <a:hlinkClick r:id="rId3"/>
+              </a:rPr>
+              <a:t>/</a:t>
+            </a:r>
+            <a:endParaRPr lang="en-US" dirty="0" smtClean="0"/>
+          </a:p>
+          <a:p>
+            <a:r>
+              <a:rPr lang="en-US" dirty="0">
+                <a:hlinkClick r:id="rId4"/>
+              </a:rPr>
+              <a:t>https://</a:t>
+            </a:r>
+            <a:r>
+              <a:rPr lang="en-US" dirty="0" smtClean="0">
+                <a:hlinkClick r:id="rId4"/>
+              </a:rPr>
+              <a:t>dev.mysql.com/doc/index.html</a:t>
+            </a:r>
+            <a:endParaRPr lang="en-US" dirty="0" smtClean="0"/>
+          </a:p>
+          <a:p>
+            <a:r>
+              <a:rPr lang="en-US" dirty="0" err="1" smtClean="0">
+                <a:solidFill>
+                  <a:srgbClr val="000000"/>
+                </a:solidFill>
+                <a:latin typeface="Nina Compressed"/>
+              </a:rPr>
+              <a:t>NoSQL</a:t>
+            </a:r>
+            <a:r>
+              <a:rPr lang="en-US" dirty="0" smtClean="0">
+                <a:solidFill>
+                  <a:srgbClr val="000000"/>
+                </a:solidFill>
+                <a:latin typeface="Nina Compressed"/>
+              </a:rPr>
+              <a:t> </a:t>
+            </a:r>
+            <a:r>
+              <a:rPr lang="en-US" dirty="0">
+                <a:solidFill>
+                  <a:srgbClr val="000000"/>
+                </a:solidFill>
+                <a:latin typeface="Nina Compressed"/>
+              </a:rPr>
+              <a:t>Distilled:  A Brief Guide to the Emerging World of </a:t>
+            </a:r>
+            <a:r>
+              <a:rPr lang="en-US" dirty="0" err="1">
+                <a:solidFill>
+                  <a:srgbClr val="000000"/>
+                </a:solidFill>
+                <a:latin typeface="Nina Compressed"/>
+              </a:rPr>
+              <a:t>Polygot</a:t>
+            </a:r>
+            <a:r>
+              <a:rPr lang="en-US" dirty="0">
+                <a:solidFill>
+                  <a:srgbClr val="000000"/>
+                </a:solidFill>
+                <a:latin typeface="Nina Compressed"/>
+              </a:rPr>
+              <a:t> Persistence - </a:t>
+            </a:r>
+            <a:r>
+              <a:rPr lang="en-US" dirty="0" err="1">
+                <a:solidFill>
+                  <a:srgbClr val="000000"/>
+                </a:solidFill>
+                <a:latin typeface="Nina Compressed"/>
+              </a:rPr>
+              <a:t>Sadalage</a:t>
+            </a:r>
+            <a:r>
+              <a:rPr lang="en-US" dirty="0">
+                <a:solidFill>
+                  <a:srgbClr val="000000"/>
+                </a:solidFill>
+                <a:latin typeface="Nina Compressed"/>
+              </a:rPr>
+              <a:t>, </a:t>
+            </a:r>
+            <a:r>
+              <a:rPr lang="en-US" dirty="0" smtClean="0">
+                <a:solidFill>
+                  <a:srgbClr val="000000"/>
+                </a:solidFill>
+                <a:latin typeface="Nina Compressed"/>
+              </a:rPr>
+              <a:t>Fowler</a:t>
+            </a:r>
+          </a:p>
+          <a:p>
+            <a:r>
+              <a:rPr lang="en-US">
+                <a:solidFill>
+                  <a:srgbClr val="000000"/>
+                </a:solidFill>
+                <a:latin typeface="Nina Compressed"/>
+                <a:hlinkClick r:id="rId5"/>
+              </a:rPr>
+              <a:t>http://</a:t>
+            </a:r>
+            <a:r>
+              <a:rPr lang="en-US" smtClean="0">
+                <a:solidFill>
+                  <a:srgbClr val="000000"/>
+                </a:solidFill>
+                <a:latin typeface="Nina Compressed"/>
+                <a:hlinkClick r:id="rId5"/>
+              </a:rPr>
+              <a:t>blog.teamtreehouse.com/introduction-to-the-mac-os-x-command-line</a:t>
+            </a:r>
+            <a:endParaRPr lang="en-US" smtClean="0">
+              <a:solidFill>
+                <a:srgbClr val="000000"/>
+              </a:solidFill>
+              <a:latin typeface="Nina Compressed"/>
+            </a:endParaRPr>
+          </a:p>
+          <a:p>
+            <a:endParaRPr lang="en-US" dirty="0">
+              <a:solidFill>
+                <a:srgbClr val="000000"/>
+              </a:solidFill>
+              <a:latin typeface="Nina Compressed"/>
+            </a:endParaRPr>
+          </a:p>
+          <a:p>
+            <a:endParaRPr lang="en-US" dirty="0" smtClean="0"/>
+          </a:p>
+          <a:p>
+            <a:endParaRPr lang="en-US" dirty="0" smtClean="0"/>
           </a:p>
           <a:p>
             <a:endParaRPr lang="en-US" dirty="0"/>
@@ -19419,262 +19657,6 @@
 </file>
 
 <file path=ppt/slides/slide94.xml><?xml version="1.0" encoding="utf-8"?>
-<p:sld xmlns:a="http://schemas.openxmlformats.org/drawingml/2006/main" xmlns:r="http://schemas.openxmlformats.org/officeDocument/2006/relationships" xmlns:p="http://schemas.openxmlformats.org/presentationml/2006/main">
-  <p:cSld>
-    <p:spTree>
-      <p:nvGrpSpPr>
-        <p:cNvPr id="1" name=""/>
-        <p:cNvGrpSpPr/>
-        <p:nvPr/>
-      </p:nvGrpSpPr>
-      <p:grpSpPr>
-        <a:xfrm>
-          <a:off x="0" y="0"/>
-          <a:ext cx="0" cy="0"/>
-          <a:chOff x="0" y="0"/>
-          <a:chExt cx="0" cy="0"/>
-        </a:xfrm>
-      </p:grpSpPr>
-      <p:sp>
-        <p:nvSpPr>
-          <p:cNvPr id="2" name="Title 1"/>
-          <p:cNvSpPr>
-            <a:spLocks noGrp="1"/>
-          </p:cNvSpPr>
-          <p:nvPr>
-            <p:ph type="title"/>
-          </p:nvPr>
-        </p:nvSpPr>
-        <p:spPr/>
-        <p:txBody>
-          <a:bodyPr/>
-          <a:lstStyle/>
-          <a:p>
-            <a:r>
-              <a:rPr lang="en-US" dirty="0" smtClean="0"/>
-              <a:t>Resources</a:t>
-            </a:r>
-            <a:endParaRPr lang="en-US" dirty="0"/>
-          </a:p>
-        </p:txBody>
-      </p:sp>
-      <p:sp>
-        <p:nvSpPr>
-          <p:cNvPr id="3" name="Content Placeholder 2"/>
-          <p:cNvSpPr>
-            <a:spLocks noGrp="1"/>
-          </p:cNvSpPr>
-          <p:nvPr>
-            <p:ph idx="1"/>
-          </p:nvPr>
-        </p:nvSpPr>
-        <p:spPr/>
-        <p:txBody>
-          <a:bodyPr>
-            <a:normAutofit fontScale="92500" lnSpcReduction="10000"/>
-          </a:bodyPr>
-          <a:lstStyle/>
-          <a:p>
-            <a:r>
-              <a:rPr lang="en-US" dirty="0" smtClean="0"/>
-              <a:t>MySQL Developer’s Library – Paul DuBois</a:t>
-            </a:r>
-          </a:p>
-          <a:p>
-            <a:r>
-              <a:rPr lang="en-US" dirty="0">
-                <a:solidFill>
-                  <a:srgbClr val="000000"/>
-                </a:solidFill>
-                <a:latin typeface="Nina Compressed"/>
-                <a:hlinkClick r:id="rId2"/>
-              </a:rPr>
-              <a:t>http://</a:t>
-            </a:r>
-            <a:r>
-              <a:rPr lang="en-US" dirty="0" smtClean="0">
-                <a:solidFill>
-                  <a:srgbClr val="000000"/>
-                </a:solidFill>
-                <a:latin typeface="Nina Compressed"/>
-                <a:hlinkClick r:id="rId2"/>
-              </a:rPr>
-              <a:t>en.wikipedia.org/wiki/MySQL</a:t>
-            </a:r>
-            <a:endParaRPr lang="en-US" dirty="0" smtClean="0">
-              <a:solidFill>
-                <a:srgbClr val="000000"/>
-              </a:solidFill>
-              <a:latin typeface="Nina Compressed"/>
-            </a:endParaRPr>
-          </a:p>
-          <a:p>
-            <a:r>
-              <a:rPr lang="en-US" dirty="0">
-                <a:hlinkClick r:id="rId3"/>
-              </a:rPr>
-              <a:t>http://www.w3schools.com/sql</a:t>
-            </a:r>
-            <a:r>
-              <a:rPr lang="en-US" dirty="0" smtClean="0">
-                <a:hlinkClick r:id="rId3"/>
-              </a:rPr>
-              <a:t>/</a:t>
-            </a:r>
-            <a:endParaRPr lang="en-US" dirty="0" smtClean="0"/>
-          </a:p>
-          <a:p>
-            <a:r>
-              <a:rPr lang="en-US" dirty="0">
-                <a:hlinkClick r:id="rId4"/>
-              </a:rPr>
-              <a:t>https://</a:t>
-            </a:r>
-            <a:r>
-              <a:rPr lang="en-US" dirty="0" smtClean="0">
-                <a:hlinkClick r:id="rId4"/>
-              </a:rPr>
-              <a:t>dev.mysql.com/doc/index.html</a:t>
-            </a:r>
-            <a:endParaRPr lang="en-US" dirty="0" smtClean="0"/>
-          </a:p>
-          <a:p>
-            <a:r>
-              <a:rPr lang="en-US" dirty="0" err="1" smtClean="0">
-                <a:solidFill>
-                  <a:srgbClr val="000000"/>
-                </a:solidFill>
-                <a:latin typeface="Nina Compressed"/>
-              </a:rPr>
-              <a:t>NoSQL</a:t>
-            </a:r>
-            <a:r>
-              <a:rPr lang="en-US" dirty="0" smtClean="0">
-                <a:solidFill>
-                  <a:srgbClr val="000000"/>
-                </a:solidFill>
-                <a:latin typeface="Nina Compressed"/>
-              </a:rPr>
-              <a:t> </a:t>
-            </a:r>
-            <a:r>
-              <a:rPr lang="en-US" dirty="0">
-                <a:solidFill>
-                  <a:srgbClr val="000000"/>
-                </a:solidFill>
-                <a:latin typeface="Nina Compressed"/>
-              </a:rPr>
-              <a:t>Distilled:  A Brief Guide to the Emerging World of </a:t>
-            </a:r>
-            <a:r>
-              <a:rPr lang="en-US" dirty="0" err="1">
-                <a:solidFill>
-                  <a:srgbClr val="000000"/>
-                </a:solidFill>
-                <a:latin typeface="Nina Compressed"/>
-              </a:rPr>
-              <a:t>Polygot</a:t>
-            </a:r>
-            <a:r>
-              <a:rPr lang="en-US" dirty="0">
-                <a:solidFill>
-                  <a:srgbClr val="000000"/>
-                </a:solidFill>
-                <a:latin typeface="Nina Compressed"/>
-              </a:rPr>
-              <a:t> Persistence - </a:t>
-            </a:r>
-            <a:r>
-              <a:rPr lang="en-US" dirty="0" err="1">
-                <a:solidFill>
-                  <a:srgbClr val="000000"/>
-                </a:solidFill>
-                <a:latin typeface="Nina Compressed"/>
-              </a:rPr>
-              <a:t>Sadalage</a:t>
-            </a:r>
-            <a:r>
-              <a:rPr lang="en-US" dirty="0">
-                <a:solidFill>
-                  <a:srgbClr val="000000"/>
-                </a:solidFill>
-                <a:latin typeface="Nina Compressed"/>
-              </a:rPr>
-              <a:t>, </a:t>
-            </a:r>
-            <a:r>
-              <a:rPr lang="en-US" dirty="0" smtClean="0">
-                <a:solidFill>
-                  <a:srgbClr val="000000"/>
-                </a:solidFill>
-                <a:latin typeface="Nina Compressed"/>
-              </a:rPr>
-              <a:t>Fowler</a:t>
-            </a:r>
-          </a:p>
-          <a:p>
-            <a:r>
-              <a:rPr lang="en-US">
-                <a:solidFill>
-                  <a:srgbClr val="000000"/>
-                </a:solidFill>
-                <a:latin typeface="Nina Compressed"/>
-                <a:hlinkClick r:id="rId5"/>
-              </a:rPr>
-              <a:t>http://</a:t>
-            </a:r>
-            <a:r>
-              <a:rPr lang="en-US" smtClean="0">
-                <a:solidFill>
-                  <a:srgbClr val="000000"/>
-                </a:solidFill>
-                <a:latin typeface="Nina Compressed"/>
-                <a:hlinkClick r:id="rId5"/>
-              </a:rPr>
-              <a:t>blog.teamtreehouse.com/introduction-to-the-mac-os-x-command-line</a:t>
-            </a:r>
-            <a:endParaRPr lang="en-US" smtClean="0">
-              <a:solidFill>
-                <a:srgbClr val="000000"/>
-              </a:solidFill>
-              <a:latin typeface="Nina Compressed"/>
-            </a:endParaRPr>
-          </a:p>
-          <a:p>
-            <a:endParaRPr lang="en-US" dirty="0">
-              <a:solidFill>
-                <a:srgbClr val="000000"/>
-              </a:solidFill>
-              <a:latin typeface="Nina Compressed"/>
-            </a:endParaRPr>
-          </a:p>
-          <a:p>
-            <a:endParaRPr lang="en-US" dirty="0" smtClean="0"/>
-          </a:p>
-          <a:p>
-            <a:endParaRPr lang="en-US" dirty="0" smtClean="0"/>
-          </a:p>
-          <a:p>
-            <a:endParaRPr lang="en-US" dirty="0"/>
-          </a:p>
-        </p:txBody>
-      </p:sp>
-    </p:spTree>
-  </p:cSld>
-  <p:clrMapOvr>
-    <a:masterClrMapping/>
-  </p:clrMapOvr>
-  <p:timing>
-    <p:tnLst>
-      <p:par>
-        <p:cTn id="1" dur="indefinite" restart="never" nodeType="tmRoot"/>
-      </p:par>
-    </p:tnLst>
-  </p:timing>
-</p:sld>
-</file>
-
-<file path=ppt/slides/slide95.xml><?xml version="1.0" encoding="utf-8"?>
 <p:sld xmlns:a="http://schemas.openxmlformats.org/drawingml/2006/main" xmlns:r="http://schemas.openxmlformats.org/officeDocument/2006/relationships" xmlns:p="http://schemas.openxmlformats.org/presentationml/2006/main">
   <p:cSld>
     <p:spTree>
